--- a/proteomics 9313 isme.pptx
+++ b/proteomics 9313 isme.pptx
@@ -9,10 +9,16 @@
     <p:sldId id="257" r:id="rId3"/>
     <p:sldId id="258" r:id="rId4"/>
     <p:sldId id="259" r:id="rId5"/>
-    <p:sldId id="261" r:id="rId6"/>
-    <p:sldId id="260" r:id="rId7"/>
-    <p:sldId id="262" r:id="rId8"/>
-    <p:sldId id="263" r:id="rId9"/>
+    <p:sldId id="264" r:id="rId6"/>
+    <p:sldId id="261" r:id="rId7"/>
+    <p:sldId id="260" r:id="rId8"/>
+    <p:sldId id="262" r:id="rId9"/>
+    <p:sldId id="263" r:id="rId10"/>
+    <p:sldId id="267" r:id="rId11"/>
+    <p:sldId id="266" r:id="rId12"/>
+    <p:sldId id="268" r:id="rId13"/>
+    <p:sldId id="270" r:id="rId14"/>
+    <p:sldId id="269" r:id="rId15"/>
   </p:sldIdLst>
   <p:sldSz cx="12192000" cy="6858000"/>
   <p:notesSz cx="6858000" cy="9144000"/>
@@ -268,7 +274,7 @@
           <a:p>
             <a:fld id="{2820B64D-054A-4877-B55D-54F10477ADC5}" type="datetimeFigureOut">
               <a:rPr lang="LID4096" smtClean="0"/>
-              <a:t>04/01/2020</a:t>
+              <a:t>04/07/2020</a:t>
             </a:fld>
             <a:endParaRPr lang="LID4096"/>
           </a:p>
@@ -468,7 +474,7 @@
           <a:p>
             <a:fld id="{2820B64D-054A-4877-B55D-54F10477ADC5}" type="datetimeFigureOut">
               <a:rPr lang="LID4096" smtClean="0"/>
-              <a:t>04/01/2020</a:t>
+              <a:t>04/07/2020</a:t>
             </a:fld>
             <a:endParaRPr lang="LID4096"/>
           </a:p>
@@ -678,7 +684,7 @@
           <a:p>
             <a:fld id="{2820B64D-054A-4877-B55D-54F10477ADC5}" type="datetimeFigureOut">
               <a:rPr lang="LID4096" smtClean="0"/>
-              <a:t>04/01/2020</a:t>
+              <a:t>04/07/2020</a:t>
             </a:fld>
             <a:endParaRPr lang="LID4096"/>
           </a:p>
@@ -878,7 +884,7 @@
           <a:p>
             <a:fld id="{2820B64D-054A-4877-B55D-54F10477ADC5}" type="datetimeFigureOut">
               <a:rPr lang="LID4096" smtClean="0"/>
-              <a:t>04/01/2020</a:t>
+              <a:t>04/07/2020</a:t>
             </a:fld>
             <a:endParaRPr lang="LID4096"/>
           </a:p>
@@ -1154,7 +1160,7 @@
           <a:p>
             <a:fld id="{2820B64D-054A-4877-B55D-54F10477ADC5}" type="datetimeFigureOut">
               <a:rPr lang="LID4096" smtClean="0"/>
-              <a:t>04/01/2020</a:t>
+              <a:t>04/07/2020</a:t>
             </a:fld>
             <a:endParaRPr lang="LID4096"/>
           </a:p>
@@ -1422,7 +1428,7 @@
           <a:p>
             <a:fld id="{2820B64D-054A-4877-B55D-54F10477ADC5}" type="datetimeFigureOut">
               <a:rPr lang="LID4096" smtClean="0"/>
-              <a:t>04/01/2020</a:t>
+              <a:t>04/07/2020</a:t>
             </a:fld>
             <a:endParaRPr lang="LID4096"/>
           </a:p>
@@ -1837,7 +1843,7 @@
           <a:p>
             <a:fld id="{2820B64D-054A-4877-B55D-54F10477ADC5}" type="datetimeFigureOut">
               <a:rPr lang="LID4096" smtClean="0"/>
-              <a:t>04/01/2020</a:t>
+              <a:t>04/07/2020</a:t>
             </a:fld>
             <a:endParaRPr lang="LID4096"/>
           </a:p>
@@ -1979,7 +1985,7 @@
           <a:p>
             <a:fld id="{2820B64D-054A-4877-B55D-54F10477ADC5}" type="datetimeFigureOut">
               <a:rPr lang="LID4096" smtClean="0"/>
-              <a:t>04/01/2020</a:t>
+              <a:t>04/07/2020</a:t>
             </a:fld>
             <a:endParaRPr lang="LID4096"/>
           </a:p>
@@ -2092,7 +2098,7 @@
           <a:p>
             <a:fld id="{2820B64D-054A-4877-B55D-54F10477ADC5}" type="datetimeFigureOut">
               <a:rPr lang="LID4096" smtClean="0"/>
-              <a:t>04/01/2020</a:t>
+              <a:t>04/07/2020</a:t>
             </a:fld>
             <a:endParaRPr lang="LID4096"/>
           </a:p>
@@ -2405,7 +2411,7 @@
           <a:p>
             <a:fld id="{2820B64D-054A-4877-B55D-54F10477ADC5}" type="datetimeFigureOut">
               <a:rPr lang="LID4096" smtClean="0"/>
-              <a:t>04/01/2020</a:t>
+              <a:t>04/07/2020</a:t>
             </a:fld>
             <a:endParaRPr lang="LID4096"/>
           </a:p>
@@ -2694,7 +2700,7 @@
           <a:p>
             <a:fld id="{2820B64D-054A-4877-B55D-54F10477ADC5}" type="datetimeFigureOut">
               <a:rPr lang="LID4096" smtClean="0"/>
-              <a:t>04/01/2020</a:t>
+              <a:t>04/07/2020</a:t>
             </a:fld>
             <a:endParaRPr lang="LID4096"/>
           </a:p>
@@ -2937,7 +2943,7 @@
           <a:p>
             <a:fld id="{2820B64D-054A-4877-B55D-54F10477ADC5}" type="datetimeFigureOut">
               <a:rPr lang="LID4096" smtClean="0"/>
-              <a:t>04/01/2020</a:t>
+              <a:t>04/07/2020</a:t>
             </a:fld>
             <a:endParaRPr lang="LID4096"/>
           </a:p>
@@ -3444,6 +3450,3695 @@
 </p:sld>
 </file>
 
+<file path=ppt/slides/slide10.xml><?xml version="1.0" encoding="utf-8"?>
+<p:sld xmlns:a="http://schemas.openxmlformats.org/drawingml/2006/main" xmlns:r="http://schemas.openxmlformats.org/officeDocument/2006/relationships" xmlns:p="http://schemas.openxmlformats.org/presentationml/2006/main">
+  <p:cSld>
+    <p:spTree>
+      <p:nvGrpSpPr>
+        <p:cNvPr id="1" name=""/>
+        <p:cNvGrpSpPr/>
+        <p:nvPr/>
+      </p:nvGrpSpPr>
+      <p:grpSpPr>
+        <a:xfrm>
+          <a:off x="0" y="0"/>
+          <a:ext cx="0" cy="0"/>
+          <a:chOff x="0" y="0"/>
+          <a:chExt cx="0" cy="0"/>
+        </a:xfrm>
+      </p:grpSpPr>
+      <p:graphicFrame>
+        <p:nvGraphicFramePr>
+          <p:cNvPr id="2" name="Table 1">
+            <a:extLst>
+              <a:ext uri="{FF2B5EF4-FFF2-40B4-BE49-F238E27FC236}">
+                <a16:creationId xmlns:a16="http://schemas.microsoft.com/office/drawing/2014/main" id="{73D147C6-B05E-4028-A74B-A562D2F723CC}"/>
+              </a:ext>
+            </a:extLst>
+          </p:cNvPr>
+          <p:cNvGraphicFramePr>
+            <a:graphicFrameLocks noGrp="1"/>
+          </p:cNvGraphicFramePr>
+          <p:nvPr>
+            <p:extLst>
+              <p:ext uri="{D42A27DB-BD31-4B8C-83A1-F6EECF244321}">
+                <p14:modId xmlns:p14="http://schemas.microsoft.com/office/powerpoint/2010/main" val="2672367362"/>
+              </p:ext>
+            </p:extLst>
+          </p:nvPr>
+        </p:nvGraphicFramePr>
+        <p:xfrm>
+          <a:off x="540562" y="1787451"/>
+          <a:ext cx="7552265" cy="4014692"/>
+        </p:xfrm>
+        <a:graphic>
+          <a:graphicData uri="http://schemas.openxmlformats.org/drawingml/2006/table">
+            <a:tbl>
+              <a:tblPr firstRow="1" bandRow="1">
+                <a:tableStyleId>{3B4B98B0-60AC-42C2-AFA5-B58CD77FA1E5}</a:tableStyleId>
+              </a:tblPr>
+              <a:tblGrid>
+                <a:gridCol w="1433082">
+                  <a:extLst>
+                    <a:ext uri="{9D8B030D-6E8A-4147-A177-3AD203B41FA5}">
+                      <a16:colId xmlns:a16="http://schemas.microsoft.com/office/drawing/2014/main" val="2939273598"/>
+                    </a:ext>
+                  </a:extLst>
+                </a:gridCol>
+                <a:gridCol w="1239407">
+                  <a:extLst>
+                    <a:ext uri="{9D8B030D-6E8A-4147-A177-3AD203B41FA5}">
+                      <a16:colId xmlns:a16="http://schemas.microsoft.com/office/drawing/2014/main" val="563261039"/>
+                    </a:ext>
+                  </a:extLst>
+                </a:gridCol>
+                <a:gridCol w="1158698">
+                  <a:extLst>
+                    <a:ext uri="{9D8B030D-6E8A-4147-A177-3AD203B41FA5}">
+                      <a16:colId xmlns:a16="http://schemas.microsoft.com/office/drawing/2014/main" val="744993056"/>
+                    </a:ext>
+                  </a:extLst>
+                </a:gridCol>
+                <a:gridCol w="1062115">
+                  <a:extLst>
+                    <a:ext uri="{9D8B030D-6E8A-4147-A177-3AD203B41FA5}">
+                      <a16:colId xmlns:a16="http://schemas.microsoft.com/office/drawing/2014/main" val="980441553"/>
+                    </a:ext>
+                  </a:extLst>
+                </a:gridCol>
+                <a:gridCol w="1176161">
+                  <a:extLst>
+                    <a:ext uri="{9D8B030D-6E8A-4147-A177-3AD203B41FA5}">
+                      <a16:colId xmlns:a16="http://schemas.microsoft.com/office/drawing/2014/main" val="1544818150"/>
+                    </a:ext>
+                  </a:extLst>
+                </a:gridCol>
+                <a:gridCol w="1482802">
+                  <a:extLst>
+                    <a:ext uri="{9D8B030D-6E8A-4147-A177-3AD203B41FA5}">
+                      <a16:colId xmlns:a16="http://schemas.microsoft.com/office/drawing/2014/main" val="2337385582"/>
+                    </a:ext>
+                  </a:extLst>
+                </a:gridCol>
+              </a:tblGrid>
+              <a:tr h="362611">
+                <a:tc>
+                  <a:txBody>
+                    <a:bodyPr/>
+                    <a:lstStyle/>
+                    <a:p>
+                      <a:r>
+                        <a:rPr lang="en-US" sz="1800" dirty="0"/>
+                        <a:t>type</a:t>
+                      </a:r>
+                    </a:p>
+                  </a:txBody>
+                  <a:tcPr marL="90653" marR="90653" marT="45326" marB="45326" anchor="ctr"/>
+                </a:tc>
+                <a:tc>
+                  <a:txBody>
+                    <a:bodyPr/>
+                    <a:lstStyle/>
+                    <a:p>
+                      <a:r>
+                        <a:rPr lang="en-US" sz="1800"/>
+                        <a:t>Annotated</a:t>
+                      </a:r>
+                    </a:p>
+                  </a:txBody>
+                  <a:tcPr marL="90653" marR="90653" marT="45326" marB="45326" anchor="ctr"/>
+                </a:tc>
+                <a:tc>
+                  <a:txBody>
+                    <a:bodyPr/>
+                    <a:lstStyle/>
+                    <a:p>
+                      <a:r>
+                        <a:rPr lang="en-US" sz="1800"/>
+                        <a:t>Antisense</a:t>
+                      </a:r>
+                    </a:p>
+                  </a:txBody>
+                  <a:tcPr marL="90653" marR="90653" marT="45326" marB="45326" anchor="ctr"/>
+                </a:tc>
+                <a:tc>
+                  <a:txBody>
+                    <a:bodyPr/>
+                    <a:lstStyle/>
+                    <a:p>
+                      <a:r>
+                        <a:rPr lang="en-US" sz="1800"/>
+                        <a:t>In Frame</a:t>
+                      </a:r>
+                    </a:p>
+                  </a:txBody>
+                  <a:tcPr marL="90653" marR="90653" marT="45326" marB="45326" anchor="ctr"/>
+                </a:tc>
+                <a:tc>
+                  <a:txBody>
+                    <a:bodyPr/>
+                    <a:lstStyle/>
+                    <a:p>
+                      <a:r>
+                        <a:rPr lang="en-US" sz="1800"/>
+                        <a:t>Intergenic</a:t>
+                      </a:r>
+                    </a:p>
+                  </a:txBody>
+                  <a:tcPr marL="90653" marR="90653" marT="45326" marB="45326" anchor="ctr"/>
+                </a:tc>
+                <a:tc>
+                  <a:txBody>
+                    <a:bodyPr/>
+                    <a:lstStyle/>
+                    <a:p>
+                      <a:r>
+                        <a:rPr lang="en-US" sz="1800"/>
+                        <a:t>Out of Frame</a:t>
+                      </a:r>
+                    </a:p>
+                  </a:txBody>
+                  <a:tcPr marL="90653" marR="90653" marT="45326" marB="45326" anchor="ctr"/>
+                </a:tc>
+                <a:extLst>
+                  <a:ext uri="{0D108BD9-81ED-4DB2-BD59-A6C34878D82A}">
+                    <a16:rowId xmlns:a16="http://schemas.microsoft.com/office/drawing/2014/main" val="3783785583"/>
+                  </a:ext>
+                </a:extLst>
+              </a:tr>
+              <a:tr h="362611">
+                <a:tc>
+                  <a:txBody>
+                    <a:bodyPr/>
+                    <a:lstStyle/>
+                    <a:p>
+                      <a:r>
+                        <a:rPr lang="en-US" sz="1800" dirty="0"/>
+                        <a:t>CCRG-1</a:t>
+                      </a:r>
+                    </a:p>
+                  </a:txBody>
+                  <a:tcPr marL="90653" marR="90653" marT="45326" marB="45326" anchor="ctr"/>
+                </a:tc>
+                <a:tc>
+                  <a:txBody>
+                    <a:bodyPr/>
+                    <a:lstStyle/>
+                    <a:p>
+                      <a:r>
+                        <a:rPr lang="en-IL" sz="1800" dirty="0"/>
+                        <a:t>1</a:t>
+                      </a:r>
+                    </a:p>
+                  </a:txBody>
+                  <a:tcPr marL="90653" marR="90653" marT="45326" marB="45326" anchor="ctr"/>
+                </a:tc>
+                <a:tc>
+                  <a:txBody>
+                    <a:bodyPr/>
+                    <a:lstStyle/>
+                    <a:p>
+                      <a:endParaRPr lang="en-US" sz="1800" dirty="0"/>
+                    </a:p>
+                  </a:txBody>
+                  <a:tcPr marL="90653" marR="90653" marT="45326" marB="45326" anchor="ctr"/>
+                </a:tc>
+                <a:tc>
+                  <a:txBody>
+                    <a:bodyPr/>
+                    <a:lstStyle/>
+                    <a:p>
+                      <a:endParaRPr lang="en-US" sz="1800" dirty="0"/>
+                    </a:p>
+                  </a:txBody>
+                  <a:tcPr marL="90653" marR="90653" marT="45326" marB="45326" anchor="ctr"/>
+                </a:tc>
+                <a:tc>
+                  <a:txBody>
+                    <a:bodyPr/>
+                    <a:lstStyle/>
+                    <a:p>
+                      <a:endParaRPr lang="en-US" sz="1800" dirty="0"/>
+                    </a:p>
+                  </a:txBody>
+                  <a:tcPr marL="90653" marR="90653" marT="45326" marB="45326" anchor="ctr"/>
+                </a:tc>
+                <a:tc>
+                  <a:txBody>
+                    <a:bodyPr/>
+                    <a:lstStyle/>
+                    <a:p>
+                      <a:endParaRPr lang="en-US" sz="1800" dirty="0"/>
+                    </a:p>
+                  </a:txBody>
+                  <a:tcPr marL="90653" marR="90653" marT="45326" marB="45326" anchor="ctr"/>
+                </a:tc>
+                <a:extLst>
+                  <a:ext uri="{0D108BD9-81ED-4DB2-BD59-A6C34878D82A}">
+                    <a16:rowId xmlns:a16="http://schemas.microsoft.com/office/drawing/2014/main" val="3210856996"/>
+                  </a:ext>
+                </a:extLst>
+              </a:tr>
+              <a:tr h="362611">
+                <a:tc>
+                  <a:txBody>
+                    <a:bodyPr/>
+                    <a:lstStyle/>
+                    <a:p>
+                      <a:r>
+                        <a:rPr lang="en-US" sz="1800" dirty="0"/>
+                        <a:t>CCRG-2</a:t>
+                      </a:r>
+                    </a:p>
+                  </a:txBody>
+                  <a:tcPr marL="90653" marR="90653" marT="45326" marB="45326" anchor="ctr"/>
+                </a:tc>
+                <a:tc>
+                  <a:txBody>
+                    <a:bodyPr/>
+                    <a:lstStyle/>
+                    <a:p>
+                      <a:r>
+                        <a:rPr lang="en-IL" sz="1800" dirty="0"/>
+                        <a:t>2</a:t>
+                      </a:r>
+                    </a:p>
+                  </a:txBody>
+                  <a:tcPr marL="90653" marR="90653" marT="45326" marB="45326" anchor="ctr"/>
+                </a:tc>
+                <a:tc>
+                  <a:txBody>
+                    <a:bodyPr/>
+                    <a:lstStyle/>
+                    <a:p>
+                      <a:endParaRPr lang="en-US" sz="1800" dirty="0"/>
+                    </a:p>
+                  </a:txBody>
+                  <a:tcPr marL="90653" marR="90653" marT="45326" marB="45326" anchor="ctr"/>
+                </a:tc>
+                <a:tc>
+                  <a:txBody>
+                    <a:bodyPr/>
+                    <a:lstStyle/>
+                    <a:p>
+                      <a:endParaRPr lang="en-US" sz="1800" dirty="0"/>
+                    </a:p>
+                  </a:txBody>
+                  <a:tcPr marL="90653" marR="90653" marT="45326" marB="45326" anchor="ctr"/>
+                </a:tc>
+                <a:tc>
+                  <a:txBody>
+                    <a:bodyPr/>
+                    <a:lstStyle/>
+                    <a:p>
+                      <a:endParaRPr lang="en-US" sz="1800" dirty="0"/>
+                    </a:p>
+                  </a:txBody>
+                  <a:tcPr marL="90653" marR="90653" marT="45326" marB="45326" anchor="ctr"/>
+                </a:tc>
+                <a:tc>
+                  <a:txBody>
+                    <a:bodyPr/>
+                    <a:lstStyle/>
+                    <a:p>
+                      <a:endParaRPr lang="en-US" sz="1800" dirty="0"/>
+                    </a:p>
+                  </a:txBody>
+                  <a:tcPr marL="90653" marR="90653" marT="45326" marB="45326" anchor="ctr"/>
+                </a:tc>
+                <a:extLst>
+                  <a:ext uri="{0D108BD9-81ED-4DB2-BD59-A6C34878D82A}">
+                    <a16:rowId xmlns:a16="http://schemas.microsoft.com/office/drawing/2014/main" val="2021928240"/>
+                  </a:ext>
+                </a:extLst>
+              </a:tr>
+              <a:tr h="362611">
+                <a:tc>
+                  <a:txBody>
+                    <a:bodyPr/>
+                    <a:lstStyle/>
+                    <a:p>
+                      <a:r>
+                        <a:rPr lang="en-US" sz="1800"/>
+                        <a:t>DUF</a:t>
+                      </a:r>
+                    </a:p>
+                  </a:txBody>
+                  <a:tcPr marL="90653" marR="90653" marT="45326" marB="45326" anchor="ctr"/>
+                </a:tc>
+                <a:tc>
+                  <a:txBody>
+                    <a:bodyPr/>
+                    <a:lstStyle/>
+                    <a:p>
+                      <a:r>
+                        <a:rPr lang="en-IL" sz="1800" dirty="0"/>
+                        <a:t>15</a:t>
+                      </a:r>
+                    </a:p>
+                  </a:txBody>
+                  <a:tcPr marL="90653" marR="90653" marT="45326" marB="45326" anchor="ctr"/>
+                </a:tc>
+                <a:tc>
+                  <a:txBody>
+                    <a:bodyPr/>
+                    <a:lstStyle/>
+                    <a:p>
+                      <a:endParaRPr lang="en-US" sz="1800" dirty="0"/>
+                    </a:p>
+                  </a:txBody>
+                  <a:tcPr marL="90653" marR="90653" marT="45326" marB="45326" anchor="ctr"/>
+                </a:tc>
+                <a:tc>
+                  <a:txBody>
+                    <a:bodyPr/>
+                    <a:lstStyle/>
+                    <a:p>
+                      <a:r>
+                        <a:rPr lang="en-IL" sz="1800" dirty="0"/>
+                        <a:t>2</a:t>
+                      </a:r>
+                    </a:p>
+                  </a:txBody>
+                  <a:tcPr marL="90653" marR="90653" marT="45326" marB="45326" anchor="ctr"/>
+                </a:tc>
+                <a:tc>
+                  <a:txBody>
+                    <a:bodyPr/>
+                    <a:lstStyle/>
+                    <a:p>
+                      <a:endParaRPr lang="en-US" sz="1800" dirty="0"/>
+                    </a:p>
+                  </a:txBody>
+                  <a:tcPr marL="90653" marR="90653" marT="45326" marB="45326" anchor="ctr"/>
+                </a:tc>
+                <a:tc>
+                  <a:txBody>
+                    <a:bodyPr/>
+                    <a:lstStyle/>
+                    <a:p>
+                      <a:r>
+                        <a:rPr lang="en-IL" sz="1800" dirty="0"/>
+                        <a:t>3</a:t>
+                      </a:r>
+                    </a:p>
+                  </a:txBody>
+                  <a:tcPr marL="90653" marR="90653" marT="45326" marB="45326" anchor="ctr"/>
+                </a:tc>
+                <a:extLst>
+                  <a:ext uri="{0D108BD9-81ED-4DB2-BD59-A6C34878D82A}">
+                    <a16:rowId xmlns:a16="http://schemas.microsoft.com/office/drawing/2014/main" val="341790497"/>
+                  </a:ext>
+                </a:extLst>
+              </a:tr>
+              <a:tr h="362611">
+                <a:tc>
+                  <a:txBody>
+                    <a:bodyPr/>
+                    <a:lstStyle/>
+                    <a:p>
+                      <a:r>
+                        <a:rPr lang="en-US" sz="1800"/>
+                        <a:t>HLIP</a:t>
+                      </a:r>
+                    </a:p>
+                  </a:txBody>
+                  <a:tcPr marL="90653" marR="90653" marT="45326" marB="45326" anchor="ctr"/>
+                </a:tc>
+                <a:tc>
+                  <a:txBody>
+                    <a:bodyPr/>
+                    <a:lstStyle/>
+                    <a:p>
+                      <a:r>
+                        <a:rPr lang="en-IL" sz="1800" dirty="0"/>
+                        <a:t>5</a:t>
+                      </a:r>
+                    </a:p>
+                  </a:txBody>
+                  <a:tcPr marL="90653" marR="90653" marT="45326" marB="45326" anchor="ctr"/>
+                </a:tc>
+                <a:tc>
+                  <a:txBody>
+                    <a:bodyPr/>
+                    <a:lstStyle/>
+                    <a:p>
+                      <a:endParaRPr lang="en-US" sz="1800" dirty="0"/>
+                    </a:p>
+                  </a:txBody>
+                  <a:tcPr marL="90653" marR="90653" marT="45326" marB="45326" anchor="ctr"/>
+                </a:tc>
+                <a:tc>
+                  <a:txBody>
+                    <a:bodyPr/>
+                    <a:lstStyle/>
+                    <a:p>
+                      <a:endParaRPr lang="en-US" sz="1800" dirty="0"/>
+                    </a:p>
+                  </a:txBody>
+                  <a:tcPr marL="90653" marR="90653" marT="45326" marB="45326" anchor="ctr"/>
+                </a:tc>
+                <a:tc>
+                  <a:txBody>
+                    <a:bodyPr/>
+                    <a:lstStyle/>
+                    <a:p>
+                      <a:endParaRPr lang="en-US" sz="1800" dirty="0"/>
+                    </a:p>
+                  </a:txBody>
+                  <a:tcPr marL="90653" marR="90653" marT="45326" marB="45326" anchor="ctr"/>
+                </a:tc>
+                <a:tc>
+                  <a:txBody>
+                    <a:bodyPr/>
+                    <a:lstStyle/>
+                    <a:p>
+                      <a:r>
+                        <a:rPr lang="en-IL" sz="1800" dirty="0"/>
+                        <a:t>2</a:t>
+                      </a:r>
+                    </a:p>
+                  </a:txBody>
+                  <a:tcPr marL="90653" marR="90653" marT="45326" marB="45326" anchor="ctr"/>
+                </a:tc>
+                <a:extLst>
+                  <a:ext uri="{0D108BD9-81ED-4DB2-BD59-A6C34878D82A}">
+                    <a16:rowId xmlns:a16="http://schemas.microsoft.com/office/drawing/2014/main" val="1708178130"/>
+                  </a:ext>
+                </a:extLst>
+              </a:tr>
+              <a:tr h="362611">
+                <a:tc>
+                  <a:txBody>
+                    <a:bodyPr/>
+                    <a:lstStyle/>
+                    <a:p>
+                      <a:r>
+                        <a:rPr lang="en-US" sz="1800"/>
+                        <a:t>N/A</a:t>
+                      </a:r>
+                    </a:p>
+                  </a:txBody>
+                  <a:tcPr marL="90653" marR="90653" marT="45326" marB="45326" anchor="ctr"/>
+                </a:tc>
+                <a:tc>
+                  <a:txBody>
+                    <a:bodyPr/>
+                    <a:lstStyle/>
+                    <a:p>
+                      <a:endParaRPr lang="en-US" sz="1800" dirty="0"/>
+                    </a:p>
+                  </a:txBody>
+                  <a:tcPr marL="90653" marR="90653" marT="45326" marB="45326" anchor="ctr"/>
+                </a:tc>
+                <a:tc>
+                  <a:txBody>
+                    <a:bodyPr/>
+                    <a:lstStyle/>
+                    <a:p>
+                      <a:endParaRPr lang="en-US" sz="1800" dirty="0"/>
+                    </a:p>
+                  </a:txBody>
+                  <a:tcPr marL="90653" marR="90653" marT="45326" marB="45326" anchor="ctr"/>
+                </a:tc>
+                <a:tc>
+                  <a:txBody>
+                    <a:bodyPr/>
+                    <a:lstStyle/>
+                    <a:p>
+                      <a:endParaRPr lang="en-US" sz="1800" dirty="0"/>
+                    </a:p>
+                  </a:txBody>
+                  <a:tcPr marL="90653" marR="90653" marT="45326" marB="45326" anchor="ctr"/>
+                </a:tc>
+                <a:tc>
+                  <a:txBody>
+                    <a:bodyPr/>
+                    <a:lstStyle/>
+                    <a:p>
+                      <a:r>
+                        <a:rPr lang="en-IL" sz="1800" dirty="0"/>
+                        <a:t>30</a:t>
+                      </a:r>
+                    </a:p>
+                  </a:txBody>
+                  <a:tcPr marL="90653" marR="90653" marT="45326" marB="45326" anchor="ctr"/>
+                </a:tc>
+                <a:tc>
+                  <a:txBody>
+                    <a:bodyPr/>
+                    <a:lstStyle/>
+                    <a:p>
+                      <a:endParaRPr lang="en-US" sz="1800" dirty="0"/>
+                    </a:p>
+                  </a:txBody>
+                  <a:tcPr marL="90653" marR="90653" marT="45326" marB="45326" anchor="ctr"/>
+                </a:tc>
+                <a:extLst>
+                  <a:ext uri="{0D108BD9-81ED-4DB2-BD59-A6C34878D82A}">
+                    <a16:rowId xmlns:a16="http://schemas.microsoft.com/office/drawing/2014/main" val="4180764340"/>
+                  </a:ext>
+                </a:extLst>
+              </a:tr>
+              <a:tr h="362611">
+                <a:tc>
+                  <a:txBody>
+                    <a:bodyPr/>
+                    <a:lstStyle/>
+                    <a:p>
+                      <a:r>
+                        <a:rPr lang="en-US" sz="1800"/>
+                        <a:t>ProcA</a:t>
+                      </a:r>
+                    </a:p>
+                  </a:txBody>
+                  <a:tcPr marL="90653" marR="90653" marT="45326" marB="45326" anchor="ctr"/>
+                </a:tc>
+                <a:tc>
+                  <a:txBody>
+                    <a:bodyPr/>
+                    <a:lstStyle/>
+                    <a:p>
+                      <a:r>
+                        <a:rPr lang="en-IL" sz="1800" dirty="0"/>
+                        <a:t>16</a:t>
+                      </a:r>
+                    </a:p>
+                  </a:txBody>
+                  <a:tcPr marL="90653" marR="90653" marT="45326" marB="45326" anchor="ctr"/>
+                </a:tc>
+                <a:tc>
+                  <a:txBody>
+                    <a:bodyPr/>
+                    <a:lstStyle/>
+                    <a:p>
+                      <a:endParaRPr lang="en-US" sz="1800" dirty="0"/>
+                    </a:p>
+                  </a:txBody>
+                  <a:tcPr marL="90653" marR="90653" marT="45326" marB="45326" anchor="ctr"/>
+                </a:tc>
+                <a:tc>
+                  <a:txBody>
+                    <a:bodyPr/>
+                    <a:lstStyle/>
+                    <a:p>
+                      <a:r>
+                        <a:rPr lang="en-IL" sz="1800" dirty="0"/>
+                        <a:t>3</a:t>
+                      </a:r>
+                    </a:p>
+                  </a:txBody>
+                  <a:tcPr marL="90653" marR="90653" marT="45326" marB="45326" anchor="ctr"/>
+                </a:tc>
+                <a:tc>
+                  <a:txBody>
+                    <a:bodyPr/>
+                    <a:lstStyle/>
+                    <a:p>
+                      <a:endParaRPr lang="en-US" sz="1800" dirty="0"/>
+                    </a:p>
+                  </a:txBody>
+                  <a:tcPr marL="90653" marR="90653" marT="45326" marB="45326" anchor="ctr"/>
+                </a:tc>
+                <a:tc>
+                  <a:txBody>
+                    <a:bodyPr/>
+                    <a:lstStyle/>
+                    <a:p>
+                      <a:r>
+                        <a:rPr lang="en-IL" sz="1800" dirty="0"/>
+                        <a:t>1</a:t>
+                      </a:r>
+                    </a:p>
+                  </a:txBody>
+                  <a:tcPr marL="90653" marR="90653" marT="45326" marB="45326" anchor="ctr"/>
+                </a:tc>
+                <a:extLst>
+                  <a:ext uri="{0D108BD9-81ED-4DB2-BD59-A6C34878D82A}">
+                    <a16:rowId xmlns:a16="http://schemas.microsoft.com/office/drawing/2014/main" val="2430604730"/>
+                  </a:ext>
+                </a:extLst>
+              </a:tr>
+              <a:tr h="362611">
+                <a:tc>
+                  <a:txBody>
+                    <a:bodyPr/>
+                    <a:lstStyle/>
+                    <a:p>
+                      <a:r>
+                        <a:rPr lang="en-US" sz="1800"/>
+                        <a:t>hypothetical</a:t>
+                      </a:r>
+                    </a:p>
+                  </a:txBody>
+                  <a:tcPr marL="90653" marR="90653" marT="45326" marB="45326" anchor="ctr"/>
+                </a:tc>
+                <a:tc>
+                  <a:txBody>
+                    <a:bodyPr/>
+                    <a:lstStyle/>
+                    <a:p>
+                      <a:r>
+                        <a:rPr lang="en-IL" sz="1800" dirty="0"/>
+                        <a:t>60</a:t>
+                      </a:r>
+                    </a:p>
+                  </a:txBody>
+                  <a:tcPr marL="90653" marR="90653" marT="45326" marB="45326" anchor="ctr"/>
+                </a:tc>
+                <a:tc>
+                  <a:txBody>
+                    <a:bodyPr/>
+                    <a:lstStyle/>
+                    <a:p>
+                      <a:r>
+                        <a:rPr lang="en-IL" sz="1800" dirty="0"/>
+                        <a:t>4</a:t>
+                      </a:r>
+                    </a:p>
+                  </a:txBody>
+                  <a:tcPr marL="90653" marR="90653" marT="45326" marB="45326" anchor="ctr"/>
+                </a:tc>
+                <a:tc>
+                  <a:txBody>
+                    <a:bodyPr/>
+                    <a:lstStyle/>
+                    <a:p>
+                      <a:r>
+                        <a:rPr lang="en-IL" sz="1800" dirty="0"/>
+                        <a:t>3</a:t>
+                      </a:r>
+                    </a:p>
+                  </a:txBody>
+                  <a:tcPr marL="90653" marR="90653" marT="45326" marB="45326" anchor="ctr"/>
+                </a:tc>
+                <a:tc>
+                  <a:txBody>
+                    <a:bodyPr/>
+                    <a:lstStyle/>
+                    <a:p>
+                      <a:endParaRPr lang="en-US" sz="1800" dirty="0"/>
+                    </a:p>
+                  </a:txBody>
+                  <a:tcPr marL="90653" marR="90653" marT="45326" marB="45326" anchor="ctr"/>
+                </a:tc>
+                <a:tc>
+                  <a:txBody>
+                    <a:bodyPr/>
+                    <a:lstStyle/>
+                    <a:p>
+                      <a:r>
+                        <a:rPr lang="en-IL" sz="1800" dirty="0"/>
+                        <a:t>11</a:t>
+                      </a:r>
+                    </a:p>
+                  </a:txBody>
+                  <a:tcPr marL="90653" marR="90653" marT="45326" marB="45326" anchor="ctr"/>
+                </a:tc>
+                <a:extLst>
+                  <a:ext uri="{0D108BD9-81ED-4DB2-BD59-A6C34878D82A}">
+                    <a16:rowId xmlns:a16="http://schemas.microsoft.com/office/drawing/2014/main" val="3132164025"/>
+                  </a:ext>
+                </a:extLst>
+              </a:tr>
+              <a:tr h="362611">
+                <a:tc>
+                  <a:txBody>
+                    <a:bodyPr/>
+                    <a:lstStyle/>
+                    <a:p>
+                      <a:r>
+                        <a:rPr lang="en-US" sz="1800"/>
+                        <a:t>other</a:t>
+                      </a:r>
+                    </a:p>
+                  </a:txBody>
+                  <a:tcPr marL="90653" marR="90653" marT="45326" marB="45326" anchor="ctr"/>
+                </a:tc>
+                <a:tc>
+                  <a:txBody>
+                    <a:bodyPr/>
+                    <a:lstStyle/>
+                    <a:p>
+                      <a:r>
+                        <a:rPr lang="en-IL" sz="1800" dirty="0"/>
+                        <a:t>26</a:t>
+                      </a:r>
+                    </a:p>
+                  </a:txBody>
+                  <a:tcPr marL="90653" marR="90653" marT="45326" marB="45326" anchor="ctr"/>
+                </a:tc>
+                <a:tc>
+                  <a:txBody>
+                    <a:bodyPr/>
+                    <a:lstStyle/>
+                    <a:p>
+                      <a:r>
+                        <a:rPr lang="en-IL" sz="1800" dirty="0"/>
+                        <a:t>4</a:t>
+                      </a:r>
+                    </a:p>
+                  </a:txBody>
+                  <a:tcPr marL="90653" marR="90653" marT="45326" marB="45326" anchor="ctr"/>
+                </a:tc>
+                <a:tc>
+                  <a:txBody>
+                    <a:bodyPr/>
+                    <a:lstStyle/>
+                    <a:p>
+                      <a:r>
+                        <a:rPr lang="en-IL" sz="1800" dirty="0"/>
+                        <a:t>2</a:t>
+                      </a:r>
+                    </a:p>
+                  </a:txBody>
+                  <a:tcPr marL="90653" marR="90653" marT="45326" marB="45326" anchor="ctr"/>
+                </a:tc>
+                <a:tc>
+                  <a:txBody>
+                    <a:bodyPr/>
+                    <a:lstStyle/>
+                    <a:p>
+                      <a:endParaRPr lang="en-US" sz="1800" dirty="0"/>
+                    </a:p>
+                  </a:txBody>
+                  <a:tcPr marL="90653" marR="90653" marT="45326" marB="45326" anchor="ctr"/>
+                </a:tc>
+                <a:tc>
+                  <a:txBody>
+                    <a:bodyPr/>
+                    <a:lstStyle/>
+                    <a:p>
+                      <a:r>
+                        <a:rPr lang="en-IL" sz="1800" dirty="0"/>
+                        <a:t>9</a:t>
+                      </a:r>
+                    </a:p>
+                  </a:txBody>
+                  <a:tcPr marL="90653" marR="90653" marT="45326" marB="45326" anchor="ctr"/>
+                </a:tc>
+                <a:extLst>
+                  <a:ext uri="{0D108BD9-81ED-4DB2-BD59-A6C34878D82A}">
+                    <a16:rowId xmlns:a16="http://schemas.microsoft.com/office/drawing/2014/main" val="2777361546"/>
+                  </a:ext>
+                </a:extLst>
+              </a:tr>
+              <a:tr h="362611">
+                <a:tc>
+                  <a:txBody>
+                    <a:bodyPr/>
+                    <a:lstStyle/>
+                    <a:p>
+                      <a:r>
+                        <a:rPr lang="en-US" sz="1800"/>
+                        <a:t>photosystem</a:t>
+                      </a:r>
+                    </a:p>
+                  </a:txBody>
+                  <a:tcPr marL="90653" marR="90653" marT="45326" marB="45326" anchor="ctr"/>
+                </a:tc>
+                <a:tc>
+                  <a:txBody>
+                    <a:bodyPr/>
+                    <a:lstStyle/>
+                    <a:p>
+                      <a:r>
+                        <a:rPr lang="en-IL" sz="1800" dirty="0"/>
+                        <a:t>7</a:t>
+                      </a:r>
+                    </a:p>
+                  </a:txBody>
+                  <a:tcPr marL="90653" marR="90653" marT="45326" marB="45326" anchor="ctr"/>
+                </a:tc>
+                <a:tc>
+                  <a:txBody>
+                    <a:bodyPr/>
+                    <a:lstStyle/>
+                    <a:p>
+                      <a:endParaRPr lang="en-US" sz="1800" dirty="0"/>
+                    </a:p>
+                  </a:txBody>
+                  <a:tcPr marL="90653" marR="90653" marT="45326" marB="45326" anchor="ctr"/>
+                </a:tc>
+                <a:tc>
+                  <a:txBody>
+                    <a:bodyPr/>
+                    <a:lstStyle/>
+                    <a:p>
+                      <a:r>
+                        <a:rPr lang="en-IL" sz="1800" dirty="0"/>
+                        <a:t>1</a:t>
+                      </a:r>
+                    </a:p>
+                  </a:txBody>
+                  <a:tcPr marL="90653" marR="90653" marT="45326" marB="45326" anchor="ctr"/>
+                </a:tc>
+                <a:tc>
+                  <a:txBody>
+                    <a:bodyPr/>
+                    <a:lstStyle/>
+                    <a:p>
+                      <a:endParaRPr lang="en-US" sz="1800" dirty="0"/>
+                    </a:p>
+                  </a:txBody>
+                  <a:tcPr marL="90653" marR="90653" marT="45326" marB="45326" anchor="ctr"/>
+                </a:tc>
+                <a:tc>
+                  <a:txBody>
+                    <a:bodyPr/>
+                    <a:lstStyle/>
+                    <a:p>
+                      <a:r>
+                        <a:rPr lang="en-IL" sz="1800" dirty="0"/>
+                        <a:t>1</a:t>
+                      </a:r>
+                    </a:p>
+                  </a:txBody>
+                  <a:tcPr marL="90653" marR="90653" marT="45326" marB="45326" anchor="ctr"/>
+                </a:tc>
+                <a:extLst>
+                  <a:ext uri="{0D108BD9-81ED-4DB2-BD59-A6C34878D82A}">
+                    <a16:rowId xmlns:a16="http://schemas.microsoft.com/office/drawing/2014/main" val="2576747487"/>
+                  </a:ext>
+                </a:extLst>
+              </a:tr>
+              <a:tr h="362611">
+                <a:tc>
+                  <a:txBody>
+                    <a:bodyPr/>
+                    <a:lstStyle/>
+                    <a:p>
+                      <a:r>
+                        <a:rPr lang="en-US" sz="1800"/>
+                        <a:t>ribosomal</a:t>
+                      </a:r>
+                    </a:p>
+                  </a:txBody>
+                  <a:tcPr marL="90653" marR="90653" marT="45326" marB="45326" anchor="ctr"/>
+                </a:tc>
+                <a:tc>
+                  <a:txBody>
+                    <a:bodyPr/>
+                    <a:lstStyle/>
+                    <a:p>
+                      <a:r>
+                        <a:rPr lang="en-IL" sz="1800" dirty="0"/>
+                        <a:t>11</a:t>
+                      </a:r>
+                    </a:p>
+                  </a:txBody>
+                  <a:tcPr marL="90653" marR="90653" marT="45326" marB="45326" anchor="ctr"/>
+                </a:tc>
+                <a:tc>
+                  <a:txBody>
+                    <a:bodyPr/>
+                    <a:lstStyle/>
+                    <a:p>
+                      <a:endParaRPr lang="en-US" sz="1800" dirty="0"/>
+                    </a:p>
+                  </a:txBody>
+                  <a:tcPr marL="90653" marR="90653" marT="45326" marB="45326" anchor="ctr"/>
+                </a:tc>
+                <a:tc>
+                  <a:txBody>
+                    <a:bodyPr/>
+                    <a:lstStyle/>
+                    <a:p>
+                      <a:endParaRPr lang="en-US" sz="1800" dirty="0"/>
+                    </a:p>
+                  </a:txBody>
+                  <a:tcPr marL="90653" marR="90653" marT="45326" marB="45326" anchor="ctr"/>
+                </a:tc>
+                <a:tc>
+                  <a:txBody>
+                    <a:bodyPr/>
+                    <a:lstStyle/>
+                    <a:p>
+                      <a:endParaRPr lang="en-US" sz="1800" dirty="0"/>
+                    </a:p>
+                  </a:txBody>
+                  <a:tcPr marL="90653" marR="90653" marT="45326" marB="45326" anchor="ctr"/>
+                </a:tc>
+                <a:tc>
+                  <a:txBody>
+                    <a:bodyPr/>
+                    <a:lstStyle/>
+                    <a:p>
+                      <a:r>
+                        <a:rPr lang="en-IL" sz="1800" dirty="0"/>
+                        <a:t>2</a:t>
+                      </a:r>
+                    </a:p>
+                  </a:txBody>
+                  <a:tcPr marL="90653" marR="90653" marT="45326" marB="45326" anchor="ctr"/>
+                </a:tc>
+                <a:extLst>
+                  <a:ext uri="{0D108BD9-81ED-4DB2-BD59-A6C34878D82A}">
+                    <a16:rowId xmlns:a16="http://schemas.microsoft.com/office/drawing/2014/main" val="1908110107"/>
+                  </a:ext>
+                </a:extLst>
+              </a:tr>
+            </a:tbl>
+          </a:graphicData>
+        </a:graphic>
+      </p:graphicFrame>
+      <p:graphicFrame>
+        <p:nvGraphicFramePr>
+          <p:cNvPr id="3" name="Table 2">
+            <a:extLst>
+              <a:ext uri="{FF2B5EF4-FFF2-40B4-BE49-F238E27FC236}">
+                <a16:creationId xmlns:a16="http://schemas.microsoft.com/office/drawing/2014/main" id="{5AFB53DE-10EF-4D84-8E69-B2A57D9E1E24}"/>
+              </a:ext>
+            </a:extLst>
+          </p:cNvPr>
+          <p:cNvGraphicFramePr>
+            <a:graphicFrameLocks noGrp="1"/>
+          </p:cNvGraphicFramePr>
+          <p:nvPr>
+            <p:extLst>
+              <p:ext uri="{D42A27DB-BD31-4B8C-83A1-F6EECF244321}">
+                <p14:modId xmlns:p14="http://schemas.microsoft.com/office/powerpoint/2010/main" val="501259391"/>
+              </p:ext>
+            </p:extLst>
+          </p:nvPr>
+        </p:nvGraphicFramePr>
+        <p:xfrm>
+          <a:off x="8638442" y="576973"/>
+          <a:ext cx="2610783" cy="1668780"/>
+        </p:xfrm>
+        <a:graphic>
+          <a:graphicData uri="http://schemas.openxmlformats.org/drawingml/2006/table">
+            <a:tbl>
+              <a:tblPr firstRow="1" bandRow="1">
+                <a:tableStyleId>{3B4B98B0-60AC-42C2-AFA5-B58CD77FA1E5}</a:tableStyleId>
+              </a:tblPr>
+              <a:tblGrid>
+                <a:gridCol w="1212533">
+                  <a:extLst>
+                    <a:ext uri="{9D8B030D-6E8A-4147-A177-3AD203B41FA5}">
+                      <a16:colId xmlns:a16="http://schemas.microsoft.com/office/drawing/2014/main" val="2298005251"/>
+                    </a:ext>
+                  </a:extLst>
+                </a:gridCol>
+                <a:gridCol w="756412">
+                  <a:extLst>
+                    <a:ext uri="{9D8B030D-6E8A-4147-A177-3AD203B41FA5}">
+                      <a16:colId xmlns:a16="http://schemas.microsoft.com/office/drawing/2014/main" val="2449387594"/>
+                    </a:ext>
+                  </a:extLst>
+                </a:gridCol>
+                <a:gridCol w="641838">
+                  <a:extLst>
+                    <a:ext uri="{9D8B030D-6E8A-4147-A177-3AD203B41FA5}">
+                      <a16:colId xmlns:a16="http://schemas.microsoft.com/office/drawing/2014/main" val="2794220376"/>
+                    </a:ext>
+                  </a:extLst>
+                </a:gridCol>
+              </a:tblGrid>
+              <a:tr h="238832">
+                <a:tc>
+                  <a:txBody>
+                    <a:bodyPr/>
+                    <a:lstStyle/>
+                    <a:p>
+                      <a:pPr algn="l" fontAlgn="ctr"/>
+                      <a:r>
+                        <a:rPr lang="en-US" sz="1800" u="none" strike="noStrike" dirty="0">
+                          <a:effectLst/>
+                        </a:rPr>
+                        <a:t>type</a:t>
+                      </a:r>
+                      <a:endParaRPr lang="en-US" sz="1800" b="0" i="0" u="none" strike="noStrike" dirty="0">
+                        <a:solidFill>
+                          <a:srgbClr val="000000"/>
+                        </a:solidFill>
+                        <a:effectLst/>
+                        <a:latin typeface="Arial Unicode MS"/>
+                      </a:endParaRPr>
+                    </a:p>
+                  </a:txBody>
+                  <a:tcPr marL="3810" marR="3810" marT="3810" marB="0" anchor="ctr"/>
+                </a:tc>
+                <a:tc>
+                  <a:txBody>
+                    <a:bodyPr/>
+                    <a:lstStyle/>
+                    <a:p>
+                      <a:pPr algn="l" fontAlgn="b"/>
+                      <a:r>
+                        <a:rPr lang="en-US" sz="1800" u="none" strike="noStrike">
+                          <a:effectLst/>
+                        </a:rPr>
+                        <a:t>family</a:t>
+                      </a:r>
+                      <a:endParaRPr lang="en-US" sz="1800" b="0" i="0" u="none" strike="noStrike">
+                        <a:solidFill>
+                          <a:srgbClr val="000000"/>
+                        </a:solidFill>
+                        <a:effectLst/>
+                        <a:latin typeface="Calibri" panose="020F0502020204030204" pitchFamily="34" charset="0"/>
+                      </a:endParaRPr>
+                    </a:p>
+                  </a:txBody>
+                  <a:tcPr marL="3810" marR="3810" marT="3810" marB="0" anchor="b"/>
+                </a:tc>
+                <a:tc>
+                  <a:txBody>
+                    <a:bodyPr/>
+                    <a:lstStyle/>
+                    <a:p>
+                      <a:pPr algn="l" fontAlgn="b"/>
+                      <a:endParaRPr lang="en-IL" sz="1800" b="0" i="0" u="none" strike="noStrike" dirty="0">
+                        <a:solidFill>
+                          <a:srgbClr val="000000"/>
+                        </a:solidFill>
+                        <a:effectLst/>
+                        <a:latin typeface="Calibri" panose="020F0502020204030204" pitchFamily="34" charset="0"/>
+                      </a:endParaRPr>
+                    </a:p>
+                  </a:txBody>
+                  <a:tcPr marL="3810" marR="3810" marT="3810" marB="0" anchor="b"/>
+                </a:tc>
+                <a:extLst>
+                  <a:ext uri="{0D108BD9-81ED-4DB2-BD59-A6C34878D82A}">
+                    <a16:rowId xmlns:a16="http://schemas.microsoft.com/office/drawing/2014/main" val="1787713874"/>
+                  </a:ext>
+                </a:extLst>
+              </a:tr>
+              <a:tr h="182880">
+                <a:tc>
+                  <a:txBody>
+                    <a:bodyPr/>
+                    <a:lstStyle/>
+                    <a:p>
+                      <a:pPr algn="l" fontAlgn="ctr"/>
+                      <a:r>
+                        <a:rPr lang="en-US" sz="1800" u="none" strike="noStrike">
+                          <a:effectLst/>
+                        </a:rPr>
+                        <a:t>Annotated</a:t>
+                      </a:r>
+                      <a:endParaRPr lang="en-US" sz="1800" b="0" i="0" u="none" strike="noStrike">
+                        <a:solidFill>
+                          <a:srgbClr val="000000"/>
+                        </a:solidFill>
+                        <a:effectLst/>
+                        <a:latin typeface="Arial Unicode MS"/>
+                      </a:endParaRPr>
+                    </a:p>
+                  </a:txBody>
+                  <a:tcPr marL="3810" marR="3810" marT="3810" marB="0" anchor="ctr"/>
+                </a:tc>
+                <a:tc>
+                  <a:txBody>
+                    <a:bodyPr/>
+                    <a:lstStyle/>
+                    <a:p>
+                      <a:pPr algn="l" fontAlgn="b"/>
+                      <a:r>
+                        <a:rPr lang="en-US" sz="1800" u="none" strike="noStrike">
+                          <a:effectLst/>
+                        </a:rPr>
+                        <a:t>CCRG-1</a:t>
+                      </a:r>
+                      <a:endParaRPr lang="en-US" sz="1800" b="0" i="0" u="none" strike="noStrike">
+                        <a:solidFill>
+                          <a:srgbClr val="000000"/>
+                        </a:solidFill>
+                        <a:effectLst/>
+                        <a:latin typeface="Calibri" panose="020F0502020204030204" pitchFamily="34" charset="0"/>
+                      </a:endParaRPr>
+                    </a:p>
+                  </a:txBody>
+                  <a:tcPr marL="3810" marR="3810" marT="3810" marB="0" anchor="b"/>
+                </a:tc>
+                <a:tc>
+                  <a:txBody>
+                    <a:bodyPr/>
+                    <a:lstStyle/>
+                    <a:p>
+                      <a:pPr algn="r" fontAlgn="b"/>
+                      <a:r>
+                        <a:rPr lang="en-IL" sz="1800" u="none" strike="noStrike" dirty="0">
+                          <a:effectLst/>
+                        </a:rPr>
+                        <a:t>1</a:t>
+                      </a:r>
+                      <a:endParaRPr lang="en-IL" sz="1800" b="0" i="0" u="none" strike="noStrike" dirty="0">
+                        <a:solidFill>
+                          <a:srgbClr val="000000"/>
+                        </a:solidFill>
+                        <a:effectLst/>
+                        <a:latin typeface="Calibri" panose="020F0502020204030204" pitchFamily="34" charset="0"/>
+                      </a:endParaRPr>
+                    </a:p>
+                  </a:txBody>
+                  <a:tcPr marL="3810" marR="3810" marT="3810" marB="0" anchor="b"/>
+                </a:tc>
+                <a:extLst>
+                  <a:ext uri="{0D108BD9-81ED-4DB2-BD59-A6C34878D82A}">
+                    <a16:rowId xmlns:a16="http://schemas.microsoft.com/office/drawing/2014/main" val="3720248142"/>
+                  </a:ext>
+                </a:extLst>
+              </a:tr>
+              <a:tr h="182880">
+                <a:tc>
+                  <a:txBody>
+                    <a:bodyPr/>
+                    <a:lstStyle/>
+                    <a:p>
+                      <a:pPr algn="l" fontAlgn="ctr"/>
+                      <a:endParaRPr lang="en-IL" sz="1800" b="0" i="0" u="none" strike="noStrike">
+                        <a:solidFill>
+                          <a:srgbClr val="000000"/>
+                        </a:solidFill>
+                        <a:effectLst/>
+                        <a:latin typeface="Arial Unicode MS"/>
+                      </a:endParaRPr>
+                    </a:p>
+                  </a:txBody>
+                  <a:tcPr marL="3810" marR="3810" marT="3810" marB="0" anchor="ctr"/>
+                </a:tc>
+                <a:tc>
+                  <a:txBody>
+                    <a:bodyPr/>
+                    <a:lstStyle/>
+                    <a:p>
+                      <a:pPr algn="l" fontAlgn="b"/>
+                      <a:r>
+                        <a:rPr lang="en-US" sz="1800" u="none" strike="noStrike">
+                          <a:effectLst/>
+                        </a:rPr>
+                        <a:t>CCRG-2</a:t>
+                      </a:r>
+                      <a:endParaRPr lang="en-US" sz="1800" b="0" i="0" u="none" strike="noStrike">
+                        <a:solidFill>
+                          <a:srgbClr val="000000"/>
+                        </a:solidFill>
+                        <a:effectLst/>
+                        <a:latin typeface="Calibri" panose="020F0502020204030204" pitchFamily="34" charset="0"/>
+                      </a:endParaRPr>
+                    </a:p>
+                  </a:txBody>
+                  <a:tcPr marL="3810" marR="3810" marT="3810" marB="0" anchor="b"/>
+                </a:tc>
+                <a:tc>
+                  <a:txBody>
+                    <a:bodyPr/>
+                    <a:lstStyle/>
+                    <a:p>
+                      <a:pPr algn="r" fontAlgn="b"/>
+                      <a:r>
+                        <a:rPr lang="en-IL" sz="1800" u="none" strike="noStrike">
+                          <a:effectLst/>
+                        </a:rPr>
+                        <a:t>2</a:t>
+                      </a:r>
+                      <a:endParaRPr lang="en-IL" sz="1800" b="0" i="0" u="none" strike="noStrike">
+                        <a:solidFill>
+                          <a:srgbClr val="000000"/>
+                        </a:solidFill>
+                        <a:effectLst/>
+                        <a:latin typeface="Calibri" panose="020F0502020204030204" pitchFamily="34" charset="0"/>
+                      </a:endParaRPr>
+                    </a:p>
+                  </a:txBody>
+                  <a:tcPr marL="3810" marR="3810" marT="3810" marB="0" anchor="b"/>
+                </a:tc>
+                <a:extLst>
+                  <a:ext uri="{0D108BD9-81ED-4DB2-BD59-A6C34878D82A}">
+                    <a16:rowId xmlns:a16="http://schemas.microsoft.com/office/drawing/2014/main" val="4059276927"/>
+                  </a:ext>
+                </a:extLst>
+              </a:tr>
+              <a:tr h="182880">
+                <a:tc>
+                  <a:txBody>
+                    <a:bodyPr/>
+                    <a:lstStyle/>
+                    <a:p>
+                      <a:pPr algn="l" fontAlgn="ctr"/>
+                      <a:endParaRPr lang="en-IL" sz="1800" b="0" i="0" u="none" strike="noStrike">
+                        <a:solidFill>
+                          <a:srgbClr val="000000"/>
+                        </a:solidFill>
+                        <a:effectLst/>
+                        <a:latin typeface="Arial Unicode MS"/>
+                      </a:endParaRPr>
+                    </a:p>
+                  </a:txBody>
+                  <a:tcPr marL="3810" marR="3810" marT="3810" marB="0" anchor="ctr"/>
+                </a:tc>
+                <a:tc>
+                  <a:txBody>
+                    <a:bodyPr/>
+                    <a:lstStyle/>
+                    <a:p>
+                      <a:pPr algn="l" fontAlgn="b"/>
+                      <a:r>
+                        <a:rPr lang="en-US" sz="1800" u="none" strike="noStrike">
+                          <a:effectLst/>
+                        </a:rPr>
+                        <a:t>ProcA</a:t>
+                      </a:r>
+                      <a:endParaRPr lang="en-US" sz="1800" b="0" i="0" u="none" strike="noStrike">
+                        <a:solidFill>
+                          <a:srgbClr val="000000"/>
+                        </a:solidFill>
+                        <a:effectLst/>
+                        <a:latin typeface="Calibri" panose="020F0502020204030204" pitchFamily="34" charset="0"/>
+                      </a:endParaRPr>
+                    </a:p>
+                  </a:txBody>
+                  <a:tcPr marL="3810" marR="3810" marT="3810" marB="0" anchor="b"/>
+                </a:tc>
+                <a:tc>
+                  <a:txBody>
+                    <a:bodyPr/>
+                    <a:lstStyle/>
+                    <a:p>
+                      <a:pPr algn="r" fontAlgn="b"/>
+                      <a:r>
+                        <a:rPr lang="en-IL" sz="1800" u="none" strike="noStrike">
+                          <a:effectLst/>
+                        </a:rPr>
+                        <a:t>16</a:t>
+                      </a:r>
+                      <a:endParaRPr lang="en-IL" sz="1800" b="0" i="0" u="none" strike="noStrike">
+                        <a:solidFill>
+                          <a:srgbClr val="000000"/>
+                        </a:solidFill>
+                        <a:effectLst/>
+                        <a:latin typeface="Calibri" panose="020F0502020204030204" pitchFamily="34" charset="0"/>
+                      </a:endParaRPr>
+                    </a:p>
+                  </a:txBody>
+                  <a:tcPr marL="3810" marR="3810" marT="3810" marB="0" anchor="b"/>
+                </a:tc>
+                <a:extLst>
+                  <a:ext uri="{0D108BD9-81ED-4DB2-BD59-A6C34878D82A}">
+                    <a16:rowId xmlns:a16="http://schemas.microsoft.com/office/drawing/2014/main" val="1283292771"/>
+                  </a:ext>
+                </a:extLst>
+              </a:tr>
+              <a:tr h="182880">
+                <a:tc>
+                  <a:txBody>
+                    <a:bodyPr/>
+                    <a:lstStyle/>
+                    <a:p>
+                      <a:pPr algn="l" fontAlgn="ctr"/>
+                      <a:r>
+                        <a:rPr lang="en-US" sz="1800" u="none" strike="noStrike" dirty="0">
+                          <a:effectLst/>
+                        </a:rPr>
+                        <a:t>in frame</a:t>
+                      </a:r>
+                      <a:endParaRPr lang="en-US" sz="1800" b="0" i="0" u="none" strike="noStrike" dirty="0">
+                        <a:solidFill>
+                          <a:srgbClr val="000000"/>
+                        </a:solidFill>
+                        <a:effectLst/>
+                        <a:latin typeface="Arial Unicode MS"/>
+                      </a:endParaRPr>
+                    </a:p>
+                  </a:txBody>
+                  <a:tcPr marL="3810" marR="3810" marT="3810" marB="0" anchor="ctr"/>
+                </a:tc>
+                <a:tc>
+                  <a:txBody>
+                    <a:bodyPr/>
+                    <a:lstStyle/>
+                    <a:p>
+                      <a:pPr algn="l" fontAlgn="b"/>
+                      <a:r>
+                        <a:rPr lang="en-US" sz="1800" u="none" strike="noStrike">
+                          <a:effectLst/>
+                        </a:rPr>
+                        <a:t>ProcA</a:t>
+                      </a:r>
+                      <a:endParaRPr lang="en-US" sz="1800" b="0" i="0" u="none" strike="noStrike">
+                        <a:solidFill>
+                          <a:srgbClr val="000000"/>
+                        </a:solidFill>
+                        <a:effectLst/>
+                        <a:latin typeface="Calibri" panose="020F0502020204030204" pitchFamily="34" charset="0"/>
+                      </a:endParaRPr>
+                    </a:p>
+                  </a:txBody>
+                  <a:tcPr marL="3810" marR="3810" marT="3810" marB="0" anchor="b"/>
+                </a:tc>
+                <a:tc>
+                  <a:txBody>
+                    <a:bodyPr/>
+                    <a:lstStyle/>
+                    <a:p>
+                      <a:pPr algn="r" fontAlgn="b"/>
+                      <a:r>
+                        <a:rPr lang="en-IL" sz="1800" u="none" strike="noStrike" dirty="0">
+                          <a:effectLst/>
+                        </a:rPr>
+                        <a:t>3</a:t>
+                      </a:r>
+                      <a:endParaRPr lang="en-IL" sz="1800" b="0" i="0" u="none" strike="noStrike" dirty="0">
+                        <a:solidFill>
+                          <a:srgbClr val="000000"/>
+                        </a:solidFill>
+                        <a:effectLst/>
+                        <a:latin typeface="Calibri" panose="020F0502020204030204" pitchFamily="34" charset="0"/>
+                      </a:endParaRPr>
+                    </a:p>
+                  </a:txBody>
+                  <a:tcPr marL="3810" marR="3810" marT="3810" marB="0" anchor="b"/>
+                </a:tc>
+                <a:extLst>
+                  <a:ext uri="{0D108BD9-81ED-4DB2-BD59-A6C34878D82A}">
+                    <a16:rowId xmlns:a16="http://schemas.microsoft.com/office/drawing/2014/main" val="4247617929"/>
+                  </a:ext>
+                </a:extLst>
+              </a:tr>
+              <a:tr h="182880">
+                <a:tc>
+                  <a:txBody>
+                    <a:bodyPr/>
+                    <a:lstStyle/>
+                    <a:p>
+                      <a:pPr algn="l" fontAlgn="ctr"/>
+                      <a:r>
+                        <a:rPr lang="en-US" sz="1800" u="none" strike="noStrike" dirty="0">
+                          <a:effectLst/>
+                        </a:rPr>
+                        <a:t>out of flame</a:t>
+                      </a:r>
+                      <a:endParaRPr lang="en-US" sz="1800" b="0" i="0" u="none" strike="noStrike" dirty="0">
+                        <a:solidFill>
+                          <a:srgbClr val="000000"/>
+                        </a:solidFill>
+                        <a:effectLst/>
+                        <a:latin typeface="Arial Unicode MS"/>
+                      </a:endParaRPr>
+                    </a:p>
+                  </a:txBody>
+                  <a:tcPr marL="3810" marR="3810" marT="3810" marB="0" anchor="ctr"/>
+                </a:tc>
+                <a:tc>
+                  <a:txBody>
+                    <a:bodyPr/>
+                    <a:lstStyle/>
+                    <a:p>
+                      <a:pPr algn="l" fontAlgn="b"/>
+                      <a:r>
+                        <a:rPr lang="en-US" sz="1800" u="none" strike="noStrike">
+                          <a:effectLst/>
+                        </a:rPr>
+                        <a:t>ProcA</a:t>
+                      </a:r>
+                      <a:endParaRPr lang="en-US" sz="1800" b="0" i="0" u="none" strike="noStrike">
+                        <a:solidFill>
+                          <a:srgbClr val="000000"/>
+                        </a:solidFill>
+                        <a:effectLst/>
+                        <a:latin typeface="Calibri" panose="020F0502020204030204" pitchFamily="34" charset="0"/>
+                      </a:endParaRPr>
+                    </a:p>
+                  </a:txBody>
+                  <a:tcPr marL="3810" marR="3810" marT="3810" marB="0" anchor="b"/>
+                </a:tc>
+                <a:tc>
+                  <a:txBody>
+                    <a:bodyPr/>
+                    <a:lstStyle/>
+                    <a:p>
+                      <a:pPr algn="r" fontAlgn="b"/>
+                      <a:r>
+                        <a:rPr lang="en-IL" sz="1800" u="none" strike="noStrike" dirty="0">
+                          <a:effectLst/>
+                        </a:rPr>
+                        <a:t>1</a:t>
+                      </a:r>
+                      <a:endParaRPr lang="en-IL" sz="1800" b="0" i="0" u="none" strike="noStrike" dirty="0">
+                        <a:solidFill>
+                          <a:srgbClr val="000000"/>
+                        </a:solidFill>
+                        <a:effectLst/>
+                        <a:latin typeface="Calibri" panose="020F0502020204030204" pitchFamily="34" charset="0"/>
+                      </a:endParaRPr>
+                    </a:p>
+                  </a:txBody>
+                  <a:tcPr marL="3810" marR="3810" marT="3810" marB="0" anchor="b"/>
+                </a:tc>
+                <a:extLst>
+                  <a:ext uri="{0D108BD9-81ED-4DB2-BD59-A6C34878D82A}">
+                    <a16:rowId xmlns:a16="http://schemas.microsoft.com/office/drawing/2014/main" val="1399384639"/>
+                  </a:ext>
+                </a:extLst>
+              </a:tr>
+            </a:tbl>
+          </a:graphicData>
+        </a:graphic>
+      </p:graphicFrame>
+      <p:graphicFrame>
+        <p:nvGraphicFramePr>
+          <p:cNvPr id="4" name="Table 3">
+            <a:extLst>
+              <a:ext uri="{FF2B5EF4-FFF2-40B4-BE49-F238E27FC236}">
+                <a16:creationId xmlns:a16="http://schemas.microsoft.com/office/drawing/2014/main" id="{8BA4FF7A-EB45-4A8E-A34F-F38DD23B19BB}"/>
+              </a:ext>
+            </a:extLst>
+          </p:cNvPr>
+          <p:cNvGraphicFramePr>
+            <a:graphicFrameLocks noGrp="1"/>
+          </p:cNvGraphicFramePr>
+          <p:nvPr>
+            <p:extLst>
+              <p:ext uri="{D42A27DB-BD31-4B8C-83A1-F6EECF244321}">
+                <p14:modId xmlns:p14="http://schemas.microsoft.com/office/powerpoint/2010/main" val="3486280685"/>
+              </p:ext>
+            </p:extLst>
+          </p:nvPr>
+        </p:nvGraphicFramePr>
+        <p:xfrm>
+          <a:off x="8757138" y="3019476"/>
+          <a:ext cx="2240686" cy="2743200"/>
+        </p:xfrm>
+        <a:graphic>
+          <a:graphicData uri="http://schemas.openxmlformats.org/drawingml/2006/table">
+            <a:tbl>
+              <a:tblPr bandRow="1">
+                <a:tableStyleId>{3B4B98B0-60AC-42C2-AFA5-B58CD77FA1E5}</a:tableStyleId>
+              </a:tblPr>
+              <a:tblGrid>
+                <a:gridCol w="1299909">
+                  <a:extLst>
+                    <a:ext uri="{9D8B030D-6E8A-4147-A177-3AD203B41FA5}">
+                      <a16:colId xmlns:a16="http://schemas.microsoft.com/office/drawing/2014/main" val="4113237348"/>
+                    </a:ext>
+                  </a:extLst>
+                </a:gridCol>
+                <a:gridCol w="940777">
+                  <a:extLst>
+                    <a:ext uri="{9D8B030D-6E8A-4147-A177-3AD203B41FA5}">
+                      <a16:colId xmlns:a16="http://schemas.microsoft.com/office/drawing/2014/main" val="3080986292"/>
+                    </a:ext>
+                  </a:extLst>
+                </a:gridCol>
+              </a:tblGrid>
+              <a:tr h="548640">
+                <a:tc>
+                  <a:txBody>
+                    <a:bodyPr/>
+                    <a:lstStyle/>
+                    <a:p>
+                      <a:pPr algn="l" fontAlgn="ctr"/>
+                      <a:r>
+                        <a:rPr lang="en-US" sz="1800" u="none" strike="noStrike" dirty="0">
+                          <a:effectLst/>
+                        </a:rPr>
+                        <a:t>Annotated</a:t>
+                      </a:r>
+                      <a:endParaRPr lang="en-US" sz="1800" b="0" i="0" u="none" strike="noStrike" dirty="0">
+                        <a:solidFill>
+                          <a:srgbClr val="000000"/>
+                        </a:solidFill>
+                        <a:effectLst/>
+                        <a:latin typeface="Arial Unicode MS"/>
+                      </a:endParaRPr>
+                    </a:p>
+                  </a:txBody>
+                  <a:tcPr marL="3810" marR="3810" marT="3810" marB="0" anchor="ctr"/>
+                </a:tc>
+                <a:tc>
+                  <a:txBody>
+                    <a:bodyPr/>
+                    <a:lstStyle/>
+                    <a:p>
+                      <a:pPr algn="r" fontAlgn="b"/>
+                      <a:r>
+                        <a:rPr lang="en-IL" sz="1800" u="none" strike="noStrike">
+                          <a:effectLst/>
+                        </a:rPr>
+                        <a:t>143</a:t>
+                      </a:r>
+                      <a:endParaRPr lang="en-IL" sz="1800" b="0" i="0" u="none" strike="noStrike">
+                        <a:solidFill>
+                          <a:srgbClr val="000000"/>
+                        </a:solidFill>
+                        <a:effectLst/>
+                        <a:latin typeface="Calibri" panose="020F0502020204030204" pitchFamily="34" charset="0"/>
+                      </a:endParaRPr>
+                    </a:p>
+                  </a:txBody>
+                  <a:tcPr marL="3810" marR="3810" marT="3810" marB="0" anchor="b"/>
+                </a:tc>
+                <a:extLst>
+                  <a:ext uri="{0D108BD9-81ED-4DB2-BD59-A6C34878D82A}">
+                    <a16:rowId xmlns:a16="http://schemas.microsoft.com/office/drawing/2014/main" val="3153968828"/>
+                  </a:ext>
+                </a:extLst>
+              </a:tr>
+              <a:tr h="548640">
+                <a:tc>
+                  <a:txBody>
+                    <a:bodyPr/>
+                    <a:lstStyle/>
+                    <a:p>
+                      <a:pPr algn="l" fontAlgn="ctr"/>
+                      <a:r>
+                        <a:rPr lang="en-US" sz="1800" u="none" strike="noStrike">
+                          <a:effectLst/>
+                        </a:rPr>
+                        <a:t>Intergenic</a:t>
+                      </a:r>
+                      <a:endParaRPr lang="en-US" sz="1800" b="0" i="0" u="none" strike="noStrike">
+                        <a:solidFill>
+                          <a:srgbClr val="000000"/>
+                        </a:solidFill>
+                        <a:effectLst/>
+                        <a:latin typeface="Arial Unicode MS"/>
+                      </a:endParaRPr>
+                    </a:p>
+                  </a:txBody>
+                  <a:tcPr marL="3810" marR="3810" marT="3810" marB="0" anchor="ctr"/>
+                </a:tc>
+                <a:tc>
+                  <a:txBody>
+                    <a:bodyPr/>
+                    <a:lstStyle/>
+                    <a:p>
+                      <a:pPr algn="r" fontAlgn="b"/>
+                      <a:r>
+                        <a:rPr lang="en-IL" sz="1800" u="none" strike="noStrike">
+                          <a:effectLst/>
+                        </a:rPr>
+                        <a:t>30</a:t>
+                      </a:r>
+                      <a:endParaRPr lang="en-IL" sz="1800" b="0" i="0" u="none" strike="noStrike">
+                        <a:solidFill>
+                          <a:srgbClr val="000000"/>
+                        </a:solidFill>
+                        <a:effectLst/>
+                        <a:latin typeface="Calibri" panose="020F0502020204030204" pitchFamily="34" charset="0"/>
+                      </a:endParaRPr>
+                    </a:p>
+                  </a:txBody>
+                  <a:tcPr marL="3810" marR="3810" marT="3810" marB="0" anchor="b"/>
+                </a:tc>
+                <a:extLst>
+                  <a:ext uri="{0D108BD9-81ED-4DB2-BD59-A6C34878D82A}">
+                    <a16:rowId xmlns:a16="http://schemas.microsoft.com/office/drawing/2014/main" val="1802904625"/>
+                  </a:ext>
+                </a:extLst>
+              </a:tr>
+              <a:tr h="548640">
+                <a:tc>
+                  <a:txBody>
+                    <a:bodyPr/>
+                    <a:lstStyle/>
+                    <a:p>
+                      <a:pPr algn="l" fontAlgn="ctr"/>
+                      <a:r>
+                        <a:rPr lang="en-US" sz="1800" u="none" strike="noStrike">
+                          <a:effectLst/>
+                        </a:rPr>
+                        <a:t>Out of Frame</a:t>
+                      </a:r>
+                      <a:endParaRPr lang="en-US" sz="1800" b="0" i="0" u="none" strike="noStrike">
+                        <a:solidFill>
+                          <a:srgbClr val="000000"/>
+                        </a:solidFill>
+                        <a:effectLst/>
+                        <a:latin typeface="Arial Unicode MS"/>
+                      </a:endParaRPr>
+                    </a:p>
+                  </a:txBody>
+                  <a:tcPr marL="3810" marR="3810" marT="3810" marB="0" anchor="ctr"/>
+                </a:tc>
+                <a:tc>
+                  <a:txBody>
+                    <a:bodyPr/>
+                    <a:lstStyle/>
+                    <a:p>
+                      <a:pPr algn="r" fontAlgn="b"/>
+                      <a:r>
+                        <a:rPr lang="en-IL" sz="1800" u="none" strike="noStrike">
+                          <a:effectLst/>
+                        </a:rPr>
+                        <a:t>29</a:t>
+                      </a:r>
+                      <a:endParaRPr lang="en-IL" sz="1800" b="0" i="0" u="none" strike="noStrike">
+                        <a:solidFill>
+                          <a:srgbClr val="000000"/>
+                        </a:solidFill>
+                        <a:effectLst/>
+                        <a:latin typeface="Calibri" panose="020F0502020204030204" pitchFamily="34" charset="0"/>
+                      </a:endParaRPr>
+                    </a:p>
+                  </a:txBody>
+                  <a:tcPr marL="3810" marR="3810" marT="3810" marB="0" anchor="b"/>
+                </a:tc>
+                <a:extLst>
+                  <a:ext uri="{0D108BD9-81ED-4DB2-BD59-A6C34878D82A}">
+                    <a16:rowId xmlns:a16="http://schemas.microsoft.com/office/drawing/2014/main" val="3410680688"/>
+                  </a:ext>
+                </a:extLst>
+              </a:tr>
+              <a:tr h="548640">
+                <a:tc>
+                  <a:txBody>
+                    <a:bodyPr/>
+                    <a:lstStyle/>
+                    <a:p>
+                      <a:pPr algn="l" fontAlgn="ctr"/>
+                      <a:r>
+                        <a:rPr lang="en-US" sz="1800" u="none" strike="noStrike">
+                          <a:effectLst/>
+                        </a:rPr>
+                        <a:t>In Frame</a:t>
+                      </a:r>
+                      <a:endParaRPr lang="en-US" sz="1800" b="0" i="0" u="none" strike="noStrike">
+                        <a:solidFill>
+                          <a:srgbClr val="000000"/>
+                        </a:solidFill>
+                        <a:effectLst/>
+                        <a:latin typeface="Arial Unicode MS"/>
+                      </a:endParaRPr>
+                    </a:p>
+                  </a:txBody>
+                  <a:tcPr marL="3810" marR="3810" marT="3810" marB="0" anchor="ctr"/>
+                </a:tc>
+                <a:tc>
+                  <a:txBody>
+                    <a:bodyPr/>
+                    <a:lstStyle/>
+                    <a:p>
+                      <a:pPr algn="r" fontAlgn="b"/>
+                      <a:r>
+                        <a:rPr lang="en-IL" sz="1800" u="none" strike="noStrike">
+                          <a:effectLst/>
+                        </a:rPr>
+                        <a:t>24</a:t>
+                      </a:r>
+                      <a:endParaRPr lang="en-IL" sz="1800" b="0" i="0" u="none" strike="noStrike">
+                        <a:solidFill>
+                          <a:srgbClr val="000000"/>
+                        </a:solidFill>
+                        <a:effectLst/>
+                        <a:latin typeface="Calibri" panose="020F0502020204030204" pitchFamily="34" charset="0"/>
+                      </a:endParaRPr>
+                    </a:p>
+                  </a:txBody>
+                  <a:tcPr marL="3810" marR="3810" marT="3810" marB="0" anchor="b"/>
+                </a:tc>
+                <a:extLst>
+                  <a:ext uri="{0D108BD9-81ED-4DB2-BD59-A6C34878D82A}">
+                    <a16:rowId xmlns:a16="http://schemas.microsoft.com/office/drawing/2014/main" val="3558871403"/>
+                  </a:ext>
+                </a:extLst>
+              </a:tr>
+              <a:tr h="548640">
+                <a:tc>
+                  <a:txBody>
+                    <a:bodyPr/>
+                    <a:lstStyle/>
+                    <a:p>
+                      <a:pPr algn="l" fontAlgn="ctr"/>
+                      <a:r>
+                        <a:rPr lang="en-US" sz="1800" u="none" strike="noStrike">
+                          <a:effectLst/>
+                        </a:rPr>
+                        <a:t>Antisense</a:t>
+                      </a:r>
+                      <a:endParaRPr lang="en-US" sz="1800" b="0" i="0" u="none" strike="noStrike">
+                        <a:solidFill>
+                          <a:srgbClr val="000000"/>
+                        </a:solidFill>
+                        <a:effectLst/>
+                        <a:latin typeface="Arial Unicode MS"/>
+                      </a:endParaRPr>
+                    </a:p>
+                  </a:txBody>
+                  <a:tcPr marL="3810" marR="3810" marT="3810" marB="0" anchor="ctr"/>
+                </a:tc>
+                <a:tc>
+                  <a:txBody>
+                    <a:bodyPr/>
+                    <a:lstStyle/>
+                    <a:p>
+                      <a:pPr algn="r" fontAlgn="b"/>
+                      <a:r>
+                        <a:rPr lang="en-IL" sz="1800" u="none" strike="noStrike" dirty="0">
+                          <a:effectLst/>
+                        </a:rPr>
+                        <a:t>8</a:t>
+                      </a:r>
+                      <a:endParaRPr lang="en-IL" sz="1800" b="0" i="0" u="none" strike="noStrike" dirty="0">
+                        <a:solidFill>
+                          <a:srgbClr val="000000"/>
+                        </a:solidFill>
+                        <a:effectLst/>
+                        <a:latin typeface="Calibri" panose="020F0502020204030204" pitchFamily="34" charset="0"/>
+                      </a:endParaRPr>
+                    </a:p>
+                  </a:txBody>
+                  <a:tcPr marL="3810" marR="3810" marT="3810" marB="0" anchor="b"/>
+                </a:tc>
+                <a:extLst>
+                  <a:ext uri="{0D108BD9-81ED-4DB2-BD59-A6C34878D82A}">
+                    <a16:rowId xmlns:a16="http://schemas.microsoft.com/office/drawing/2014/main" val="1181892377"/>
+                  </a:ext>
+                </a:extLst>
+              </a:tr>
+            </a:tbl>
+          </a:graphicData>
+        </a:graphic>
+      </p:graphicFrame>
+      <p:sp>
+        <p:nvSpPr>
+          <p:cNvPr id="5" name="TextBox 4">
+            <a:extLst>
+              <a:ext uri="{FF2B5EF4-FFF2-40B4-BE49-F238E27FC236}">
+                <a16:creationId xmlns:a16="http://schemas.microsoft.com/office/drawing/2014/main" id="{33DAAE87-626C-4668-A2E5-7BD2A3347E39}"/>
+              </a:ext>
+            </a:extLst>
+          </p:cNvPr>
+          <p:cNvSpPr txBox="1"/>
+          <p:nvPr/>
+        </p:nvSpPr>
+        <p:spPr>
+          <a:xfrm>
+            <a:off x="2656720" y="532637"/>
+            <a:ext cx="5058051" cy="523220"/>
+          </a:xfrm>
+          <a:prstGeom prst="rect">
+            <a:avLst/>
+          </a:prstGeom>
+          <a:noFill/>
+        </p:spPr>
+        <p:txBody>
+          <a:bodyPr wrap="none" rtlCol="0">
+            <a:spAutoFit/>
+          </a:bodyPr>
+          <a:lstStyle/>
+          <a:p>
+            <a:r>
+              <a:rPr lang="en-US" sz="2800" dirty="0"/>
+              <a:t>Breakdown of SORFS found in MS</a:t>
+            </a:r>
+            <a:endParaRPr lang="LID4096" sz="2800" dirty="0"/>
+          </a:p>
+        </p:txBody>
+      </p:sp>
+    </p:spTree>
+    <p:extLst>
+      <p:ext uri="{BB962C8B-B14F-4D97-AF65-F5344CB8AC3E}">
+        <p14:creationId xmlns:p14="http://schemas.microsoft.com/office/powerpoint/2010/main" val="535980175"/>
+      </p:ext>
+    </p:extLst>
+  </p:cSld>
+  <p:clrMapOvr>
+    <a:masterClrMapping/>
+  </p:clrMapOvr>
+</p:sld>
+</file>
+
+<file path=ppt/slides/slide11.xml><?xml version="1.0" encoding="utf-8"?>
+<p:sld xmlns:a="http://schemas.openxmlformats.org/drawingml/2006/main" xmlns:r="http://schemas.openxmlformats.org/officeDocument/2006/relationships" xmlns:p="http://schemas.openxmlformats.org/presentationml/2006/main">
+  <p:cSld>
+    <p:spTree>
+      <p:nvGrpSpPr>
+        <p:cNvPr id="1" name=""/>
+        <p:cNvGrpSpPr/>
+        <p:nvPr/>
+      </p:nvGrpSpPr>
+      <p:grpSpPr>
+        <a:xfrm>
+          <a:off x="0" y="0"/>
+          <a:ext cx="0" cy="0"/>
+          <a:chOff x="0" y="0"/>
+          <a:chExt cx="0" cy="0"/>
+        </a:xfrm>
+      </p:grpSpPr>
+      <p:sp>
+        <p:nvSpPr>
+          <p:cNvPr id="4" name="Rectangle 3">
+            <a:extLst>
+              <a:ext uri="{FF2B5EF4-FFF2-40B4-BE49-F238E27FC236}">
+                <a16:creationId xmlns:a16="http://schemas.microsoft.com/office/drawing/2014/main" id="{5AE7A094-6E67-4251-9A71-A8E802CB7C41}"/>
+              </a:ext>
+            </a:extLst>
+          </p:cNvPr>
+          <p:cNvSpPr/>
+          <p:nvPr/>
+        </p:nvSpPr>
+        <p:spPr>
+          <a:xfrm>
+            <a:off x="560145" y="2033189"/>
+            <a:ext cx="10266400" cy="3970318"/>
+          </a:xfrm>
+          <a:prstGeom prst="rect">
+            <a:avLst/>
+          </a:prstGeom>
+        </p:spPr>
+        <p:txBody>
+          <a:bodyPr wrap="square">
+            <a:spAutoFit/>
+          </a:bodyPr>
+          <a:lstStyle/>
+          <a:p>
+            <a:r>
+              <a:rPr lang="en-US" sz="1400" dirty="0" err="1">
+                <a:latin typeface="Courier New" panose="02070309020205020404" pitchFamily="49" charset="0"/>
+                <a:cs typeface="Courier New" panose="02070309020205020404" pitchFamily="49" charset="0"/>
+              </a:rPr>
+              <a:t>cluster_id</a:t>
+            </a:r>
+            <a:r>
+              <a:rPr lang="en-US" sz="1400" dirty="0">
+                <a:latin typeface="Courier New" panose="02070309020205020404" pitchFamily="49" charset="0"/>
+                <a:cs typeface="Courier New" panose="02070309020205020404" pitchFamily="49" charset="0"/>
+              </a:rPr>
+              <a:t>  family2       product                                                   </a:t>
+            </a:r>
+          </a:p>
+          <a:p>
+            <a:r>
+              <a:rPr lang="en-US" sz="1400" b="1" dirty="0">
+                <a:latin typeface="Courier New" panose="02070309020205020404" pitchFamily="49" charset="0"/>
+                <a:cs typeface="Courier New" panose="02070309020205020404" pitchFamily="49" charset="0"/>
+              </a:rPr>
+              <a:t>1         </a:t>
+            </a:r>
+            <a:r>
+              <a:rPr lang="en-US" sz="1400" b="1" dirty="0" err="1">
+                <a:latin typeface="Courier New" panose="02070309020205020404" pitchFamily="49" charset="0"/>
+                <a:cs typeface="Courier New" panose="02070309020205020404" pitchFamily="49" charset="0"/>
+              </a:rPr>
+              <a:t>ProcA</a:t>
+            </a:r>
+            <a:r>
+              <a:rPr lang="en-US" sz="1400" b="1" dirty="0">
+                <a:latin typeface="Courier New" panose="02070309020205020404" pitchFamily="49" charset="0"/>
+                <a:cs typeface="Courier New" panose="02070309020205020404" pitchFamily="49" charset="0"/>
+              </a:rPr>
+              <a:t>         Nif11-like leader peptide family natural product precursor    18</a:t>
+            </a:r>
+          </a:p>
+          <a:p>
+            <a:r>
+              <a:rPr lang="en-US" sz="1400" b="1" dirty="0">
+                <a:latin typeface="Courier New" panose="02070309020205020404" pitchFamily="49" charset="0"/>
+                <a:cs typeface="Courier New" panose="02070309020205020404" pitchFamily="49" charset="0"/>
+              </a:rPr>
+              <a:t>                          </a:t>
+            </a:r>
+            <a:r>
+              <a:rPr lang="en-US" sz="1400" b="1" dirty="0" err="1">
+                <a:latin typeface="Courier New" panose="02070309020205020404" pitchFamily="49" charset="0"/>
+                <a:cs typeface="Courier New" panose="02070309020205020404" pitchFamily="49" charset="0"/>
+              </a:rPr>
+              <a:t>lantipeptide</a:t>
+            </a:r>
+            <a:r>
+              <a:rPr lang="en-US" sz="1400" b="1" dirty="0">
+                <a:latin typeface="Courier New" panose="02070309020205020404" pitchFamily="49" charset="0"/>
+                <a:cs typeface="Courier New" panose="02070309020205020404" pitchFamily="49" charset="0"/>
+              </a:rPr>
+              <a:t>                                                   1</a:t>
+            </a:r>
+          </a:p>
+          <a:p>
+            <a:r>
+              <a:rPr lang="en-US" sz="1400" dirty="0">
+                <a:latin typeface="Courier New" panose="02070309020205020404" pitchFamily="49" charset="0"/>
+                <a:cs typeface="Courier New" panose="02070309020205020404" pitchFamily="49" charset="0"/>
+              </a:rPr>
+              <a:t>2         N/A                                                                          2</a:t>
+            </a:r>
+          </a:p>
+          <a:p>
+            <a:r>
+              <a:rPr lang="en-US" sz="1400" dirty="0">
+                <a:latin typeface="Courier New" panose="02070309020205020404" pitchFamily="49" charset="0"/>
+                <a:cs typeface="Courier New" panose="02070309020205020404" pitchFamily="49" charset="0"/>
+              </a:rPr>
+              <a:t>            hypothetical  </a:t>
+            </a:r>
+            <a:r>
+              <a:rPr lang="en-US" sz="1400" dirty="0" err="1">
+                <a:latin typeface="Courier New" panose="02070309020205020404" pitchFamily="49" charset="0"/>
+                <a:cs typeface="Courier New" panose="02070309020205020404" pitchFamily="49" charset="0"/>
+              </a:rPr>
+              <a:t>hypothetical</a:t>
+            </a:r>
+            <a:r>
+              <a:rPr lang="en-US" sz="1400" dirty="0">
+                <a:latin typeface="Courier New" panose="02070309020205020404" pitchFamily="49" charset="0"/>
+                <a:cs typeface="Courier New" panose="02070309020205020404" pitchFamily="49" charset="0"/>
+              </a:rPr>
+              <a:t> protein                                           1</a:t>
+            </a:r>
+          </a:p>
+          <a:p>
+            <a:r>
+              <a:rPr lang="en-US" sz="1400" b="1" dirty="0">
+                <a:latin typeface="Courier New" panose="02070309020205020404" pitchFamily="49" charset="0"/>
+                <a:cs typeface="Courier New" panose="02070309020205020404" pitchFamily="49" charset="0"/>
+              </a:rPr>
+              <a:t>3         HLIP          high light inducible protein                                   7</a:t>
+            </a:r>
+          </a:p>
+          <a:p>
+            <a:r>
+              <a:rPr lang="en-US" sz="1400" b="1" dirty="0">
+                <a:latin typeface="Courier New" panose="02070309020205020404" pitchFamily="49" charset="0"/>
+                <a:cs typeface="Courier New" panose="02070309020205020404" pitchFamily="49" charset="0"/>
+              </a:rPr>
+              <a:t>            other         ssl1498 family light-harvesting-like protein                   1</a:t>
+            </a:r>
+          </a:p>
+          <a:p>
+            <a:r>
+              <a:rPr lang="en-US" sz="1400" dirty="0">
+                <a:latin typeface="Courier New" panose="02070309020205020404" pitchFamily="49" charset="0"/>
+                <a:cs typeface="Courier New" panose="02070309020205020404" pitchFamily="49" charset="0"/>
+              </a:rPr>
+              <a:t>4         hypothetical  </a:t>
+            </a:r>
+            <a:r>
+              <a:rPr lang="en-US" sz="1400" dirty="0" err="1">
+                <a:latin typeface="Courier New" panose="02070309020205020404" pitchFamily="49" charset="0"/>
+                <a:cs typeface="Courier New" panose="02070309020205020404" pitchFamily="49" charset="0"/>
+              </a:rPr>
+              <a:t>hypothetical</a:t>
+            </a:r>
+            <a:r>
+              <a:rPr lang="en-US" sz="1400" dirty="0">
+                <a:latin typeface="Courier New" panose="02070309020205020404" pitchFamily="49" charset="0"/>
+                <a:cs typeface="Courier New" panose="02070309020205020404" pitchFamily="49" charset="0"/>
+              </a:rPr>
+              <a:t> protein                                           2</a:t>
+            </a:r>
+          </a:p>
+          <a:p>
+            <a:r>
+              <a:rPr lang="en-US" sz="1400" b="1" dirty="0">
+                <a:latin typeface="Courier New" panose="02070309020205020404" pitchFamily="49" charset="0"/>
+                <a:cs typeface="Courier New" panose="02070309020205020404" pitchFamily="49" charset="0"/>
+              </a:rPr>
+              <a:t>5         hypothetical  </a:t>
+            </a:r>
+            <a:r>
+              <a:rPr lang="en-US" sz="1400" b="1" dirty="0" err="1">
+                <a:latin typeface="Courier New" panose="02070309020205020404" pitchFamily="49" charset="0"/>
+                <a:cs typeface="Courier New" panose="02070309020205020404" pitchFamily="49" charset="0"/>
+              </a:rPr>
+              <a:t>hypothetical</a:t>
+            </a:r>
+            <a:r>
+              <a:rPr lang="en-US" sz="1400" b="1" dirty="0">
+                <a:latin typeface="Courier New" panose="02070309020205020404" pitchFamily="49" charset="0"/>
+                <a:cs typeface="Courier New" panose="02070309020205020404" pitchFamily="49" charset="0"/>
+              </a:rPr>
+              <a:t> protein                                           2</a:t>
+            </a:r>
+          </a:p>
+          <a:p>
+            <a:r>
+              <a:rPr lang="en-US" sz="1400" dirty="0">
+                <a:latin typeface="Courier New" panose="02070309020205020404" pitchFamily="49" charset="0"/>
+                <a:cs typeface="Courier New" panose="02070309020205020404" pitchFamily="49" charset="0"/>
+              </a:rPr>
+              <a:t>6         hypothetical  </a:t>
+            </a:r>
+            <a:r>
+              <a:rPr lang="en-US" sz="1400" dirty="0" err="1">
+                <a:latin typeface="Courier New" panose="02070309020205020404" pitchFamily="49" charset="0"/>
+                <a:cs typeface="Courier New" panose="02070309020205020404" pitchFamily="49" charset="0"/>
+              </a:rPr>
+              <a:t>hypothetical</a:t>
+            </a:r>
+            <a:r>
+              <a:rPr lang="en-US" sz="1400" dirty="0">
+                <a:latin typeface="Courier New" panose="02070309020205020404" pitchFamily="49" charset="0"/>
+                <a:cs typeface="Courier New" panose="02070309020205020404" pitchFamily="49" charset="0"/>
+              </a:rPr>
+              <a:t> protein                                           2</a:t>
+            </a:r>
+          </a:p>
+          <a:p>
+            <a:r>
+              <a:rPr lang="en-US" sz="1400" b="1" dirty="0">
+                <a:latin typeface="Courier New" panose="02070309020205020404" pitchFamily="49" charset="0"/>
+                <a:cs typeface="Courier New" panose="02070309020205020404" pitchFamily="49" charset="0"/>
+              </a:rPr>
+              <a:t>7         hypothetical  </a:t>
+            </a:r>
+            <a:r>
+              <a:rPr lang="en-US" sz="1400" b="1" dirty="0" err="1">
+                <a:latin typeface="Courier New" panose="02070309020205020404" pitchFamily="49" charset="0"/>
+                <a:cs typeface="Courier New" panose="02070309020205020404" pitchFamily="49" charset="0"/>
+              </a:rPr>
+              <a:t>hypothetical</a:t>
+            </a:r>
+            <a:r>
+              <a:rPr lang="en-US" sz="1400" b="1" dirty="0">
+                <a:latin typeface="Courier New" panose="02070309020205020404" pitchFamily="49" charset="0"/>
+                <a:cs typeface="Courier New" panose="02070309020205020404" pitchFamily="49" charset="0"/>
+              </a:rPr>
+              <a:t> protein                                           2</a:t>
+            </a:r>
+          </a:p>
+          <a:p>
+            <a:r>
+              <a:rPr lang="en-US" sz="1400" dirty="0">
+                <a:latin typeface="Courier New" panose="02070309020205020404" pitchFamily="49" charset="0"/>
+                <a:cs typeface="Courier New" panose="02070309020205020404" pitchFamily="49" charset="0"/>
+              </a:rPr>
+              <a:t>8         hypothetical  </a:t>
+            </a:r>
+            <a:r>
+              <a:rPr lang="en-US" sz="1400" dirty="0" err="1">
+                <a:latin typeface="Courier New" panose="02070309020205020404" pitchFamily="49" charset="0"/>
+                <a:cs typeface="Courier New" panose="02070309020205020404" pitchFamily="49" charset="0"/>
+              </a:rPr>
+              <a:t>hypothetical</a:t>
+            </a:r>
+            <a:r>
+              <a:rPr lang="en-US" sz="1400" dirty="0">
+                <a:latin typeface="Courier New" panose="02070309020205020404" pitchFamily="49" charset="0"/>
+                <a:cs typeface="Courier New" panose="02070309020205020404" pitchFamily="49" charset="0"/>
+              </a:rPr>
+              <a:t> protein                                           1</a:t>
+            </a:r>
+          </a:p>
+          <a:p>
+            <a:r>
+              <a:rPr lang="en-US" sz="1400" dirty="0">
+                <a:latin typeface="Courier New" panose="02070309020205020404" pitchFamily="49" charset="0"/>
+                <a:cs typeface="Courier New" panose="02070309020205020404" pitchFamily="49" charset="0"/>
+              </a:rPr>
+              <a:t>            other         RNA recognition motif-containing protein                       1</a:t>
+            </a:r>
+          </a:p>
+          <a:p>
+            <a:r>
+              <a:rPr lang="en-US" sz="1400" b="1" dirty="0">
+                <a:latin typeface="Courier New" panose="02070309020205020404" pitchFamily="49" charset="0"/>
+                <a:cs typeface="Courier New" panose="02070309020205020404" pitchFamily="49" charset="0"/>
+              </a:rPr>
+              <a:t>9         CCRG-2        </a:t>
+            </a:r>
+            <a:r>
+              <a:rPr lang="en-US" sz="1400" b="1" dirty="0" err="1">
+                <a:latin typeface="Courier New" panose="02070309020205020404" pitchFamily="49" charset="0"/>
+                <a:cs typeface="Courier New" panose="02070309020205020404" pitchFamily="49" charset="0"/>
+              </a:rPr>
+              <a:t>CCRG-2</a:t>
+            </a:r>
+            <a:r>
+              <a:rPr lang="en-US" sz="1400" b="1" dirty="0">
+                <a:latin typeface="Courier New" panose="02070309020205020404" pitchFamily="49" charset="0"/>
+                <a:cs typeface="Courier New" panose="02070309020205020404" pitchFamily="49" charset="0"/>
+              </a:rPr>
+              <a:t> family </a:t>
+            </a:r>
+            <a:r>
+              <a:rPr lang="en-US" sz="1400" b="1" dirty="0" err="1">
+                <a:latin typeface="Courier New" panose="02070309020205020404" pitchFamily="49" charset="0"/>
+                <a:cs typeface="Courier New" panose="02070309020205020404" pitchFamily="49" charset="0"/>
+              </a:rPr>
+              <a:t>RiPP</a:t>
+            </a:r>
+            <a:r>
+              <a:rPr lang="en-US" sz="1400" b="1" dirty="0">
+                <a:latin typeface="Courier New" panose="02070309020205020404" pitchFamily="49" charset="0"/>
+                <a:cs typeface="Courier New" panose="02070309020205020404" pitchFamily="49" charset="0"/>
+              </a:rPr>
+              <a:t>                                             1</a:t>
+            </a:r>
+          </a:p>
+          <a:p>
+            <a:r>
+              <a:rPr lang="en-US" sz="1400" b="1" dirty="0">
+                <a:latin typeface="Courier New" panose="02070309020205020404" pitchFamily="49" charset="0"/>
+                <a:cs typeface="Courier New" panose="02070309020205020404" pitchFamily="49" charset="0"/>
+              </a:rPr>
+              <a:t>                          hypothetical protein                                           1</a:t>
+            </a:r>
+          </a:p>
+          <a:p>
+            <a:r>
+              <a:rPr lang="en-US" sz="1400" b="1" dirty="0">
+                <a:latin typeface="Courier New" panose="02070309020205020404" pitchFamily="49" charset="0"/>
+                <a:cs typeface="Courier New" panose="02070309020205020404" pitchFamily="49" charset="0"/>
+              </a:rPr>
+              <a:t>            other         bacteriocin                                                    2</a:t>
+            </a:r>
+          </a:p>
+          <a:p>
+            <a:r>
+              <a:rPr lang="en-US" sz="1400" dirty="0">
+                <a:latin typeface="Courier New" panose="02070309020205020404" pitchFamily="49" charset="0"/>
+                <a:cs typeface="Courier New" panose="02070309020205020404" pitchFamily="49" charset="0"/>
+              </a:rPr>
+              <a:t>10        other         </a:t>
+            </a:r>
+            <a:r>
+              <a:rPr lang="en-US" sz="1400" dirty="0" err="1">
+                <a:latin typeface="Courier New" panose="02070309020205020404" pitchFamily="49" charset="0"/>
+                <a:cs typeface="Courier New" panose="02070309020205020404" pitchFamily="49" charset="0"/>
+              </a:rPr>
+              <a:t>carboxysome</a:t>
+            </a:r>
+            <a:r>
+              <a:rPr lang="en-US" sz="1400" dirty="0">
+                <a:latin typeface="Courier New" panose="02070309020205020404" pitchFamily="49" charset="0"/>
+                <a:cs typeface="Courier New" panose="02070309020205020404" pitchFamily="49" charset="0"/>
+              </a:rPr>
+              <a:t> peptide A                                          1</a:t>
+            </a:r>
+          </a:p>
+          <a:p>
+            <a:r>
+              <a:rPr lang="en-US" sz="1400" dirty="0">
+                <a:latin typeface="Courier New" panose="02070309020205020404" pitchFamily="49" charset="0"/>
+                <a:cs typeface="Courier New" panose="02070309020205020404" pitchFamily="49" charset="0"/>
+              </a:rPr>
+              <a:t>                          </a:t>
+            </a:r>
+            <a:r>
+              <a:rPr lang="en-US" sz="1400" dirty="0" err="1">
+                <a:latin typeface="Courier New" panose="02070309020205020404" pitchFamily="49" charset="0"/>
+                <a:cs typeface="Courier New" panose="02070309020205020404" pitchFamily="49" charset="0"/>
+              </a:rPr>
+              <a:t>carboxysome</a:t>
+            </a:r>
+            <a:r>
+              <a:rPr lang="en-US" sz="1400" dirty="0">
+                <a:latin typeface="Courier New" panose="02070309020205020404" pitchFamily="49" charset="0"/>
+                <a:cs typeface="Courier New" panose="02070309020205020404" pitchFamily="49" charset="0"/>
+              </a:rPr>
+              <a:t> peptide B                                          1</a:t>
+            </a:r>
+            <a:endParaRPr lang="LID4096" sz="1400" dirty="0">
+              <a:latin typeface="Courier New" panose="02070309020205020404" pitchFamily="49" charset="0"/>
+              <a:cs typeface="Courier New" panose="02070309020205020404" pitchFamily="49" charset="0"/>
+            </a:endParaRPr>
+          </a:p>
+        </p:txBody>
+      </p:sp>
+      <p:sp>
+        <p:nvSpPr>
+          <p:cNvPr id="6" name="Rectangle 5">
+            <a:extLst>
+              <a:ext uri="{FF2B5EF4-FFF2-40B4-BE49-F238E27FC236}">
+                <a16:creationId xmlns:a16="http://schemas.microsoft.com/office/drawing/2014/main" id="{2BE56196-0EC6-4A3D-8D45-7CD2D931DB6D}"/>
+              </a:ext>
+            </a:extLst>
+          </p:cNvPr>
+          <p:cNvSpPr/>
+          <p:nvPr/>
+        </p:nvSpPr>
+        <p:spPr>
+          <a:xfrm>
+            <a:off x="9045819" y="666422"/>
+            <a:ext cx="3317631" cy="1477328"/>
+          </a:xfrm>
+          <a:prstGeom prst="rect">
+            <a:avLst/>
+          </a:prstGeom>
+        </p:spPr>
+        <p:txBody>
+          <a:bodyPr wrap="square">
+            <a:spAutoFit/>
+          </a:bodyPr>
+          <a:lstStyle/>
+          <a:p>
+            <a:r>
+              <a:rPr lang="en-US" dirty="0">
+                <a:latin typeface="Courier New" panose="02070309020205020404" pitchFamily="49" charset="0"/>
+                <a:cs typeface="Courier New" panose="02070309020205020404" pitchFamily="49" charset="0"/>
+              </a:rPr>
+              <a:t>Annotated       108</a:t>
+            </a:r>
+          </a:p>
+          <a:p>
+            <a:r>
+              <a:rPr lang="en-US" dirty="0">
+                <a:latin typeface="Courier New" panose="02070309020205020404" pitchFamily="49" charset="0"/>
+                <a:cs typeface="Courier New" panose="02070309020205020404" pitchFamily="49" charset="0"/>
+              </a:rPr>
+              <a:t>Intergenic       28</a:t>
+            </a:r>
+          </a:p>
+          <a:p>
+            <a:r>
+              <a:rPr lang="en-US" dirty="0">
+                <a:latin typeface="Courier New" panose="02070309020205020404" pitchFamily="49" charset="0"/>
+                <a:cs typeface="Courier New" panose="02070309020205020404" pitchFamily="49" charset="0"/>
+              </a:rPr>
+              <a:t>Out of Frame     23</a:t>
+            </a:r>
+          </a:p>
+          <a:p>
+            <a:r>
+              <a:rPr lang="en-US" dirty="0">
+                <a:latin typeface="Courier New" panose="02070309020205020404" pitchFamily="49" charset="0"/>
+                <a:cs typeface="Courier New" panose="02070309020205020404" pitchFamily="49" charset="0"/>
+              </a:rPr>
+              <a:t>In Frame          8</a:t>
+            </a:r>
+          </a:p>
+          <a:p>
+            <a:r>
+              <a:rPr lang="en-US" dirty="0">
+                <a:latin typeface="Courier New" panose="02070309020205020404" pitchFamily="49" charset="0"/>
+                <a:cs typeface="Courier New" panose="02070309020205020404" pitchFamily="49" charset="0"/>
+              </a:rPr>
+              <a:t>Antisense         8</a:t>
+            </a:r>
+            <a:endParaRPr lang="LID4096" dirty="0">
+              <a:latin typeface="Courier New" panose="02070309020205020404" pitchFamily="49" charset="0"/>
+              <a:cs typeface="Courier New" panose="02070309020205020404" pitchFamily="49" charset="0"/>
+            </a:endParaRPr>
+          </a:p>
+        </p:txBody>
+      </p:sp>
+      <p:sp>
+        <p:nvSpPr>
+          <p:cNvPr id="7" name="TextBox 6">
+            <a:extLst>
+              <a:ext uri="{FF2B5EF4-FFF2-40B4-BE49-F238E27FC236}">
+                <a16:creationId xmlns:a16="http://schemas.microsoft.com/office/drawing/2014/main" id="{18C7F295-D682-4E30-9E43-1A2196BE8C73}"/>
+              </a:ext>
+            </a:extLst>
+          </p:cNvPr>
+          <p:cNvSpPr txBox="1"/>
+          <p:nvPr/>
+        </p:nvSpPr>
+        <p:spPr>
+          <a:xfrm>
+            <a:off x="8972550" y="109903"/>
+            <a:ext cx="2088520" cy="646331"/>
+          </a:xfrm>
+          <a:prstGeom prst="rect">
+            <a:avLst/>
+          </a:prstGeom>
+          <a:noFill/>
+        </p:spPr>
+        <p:txBody>
+          <a:bodyPr wrap="none" rtlCol="0">
+            <a:spAutoFit/>
+          </a:bodyPr>
+          <a:lstStyle/>
+          <a:p>
+            <a:r>
+              <a:rPr lang="en-US" sz="3600" dirty="0"/>
+              <a:t>No cluster</a:t>
+            </a:r>
+            <a:endParaRPr lang="LID4096" sz="3600" dirty="0"/>
+          </a:p>
+        </p:txBody>
+      </p:sp>
+      <p:sp>
+        <p:nvSpPr>
+          <p:cNvPr id="8" name="TextBox 7">
+            <a:extLst>
+              <a:ext uri="{FF2B5EF4-FFF2-40B4-BE49-F238E27FC236}">
+                <a16:creationId xmlns:a16="http://schemas.microsoft.com/office/drawing/2014/main" id="{4754EC9A-A677-4510-B49B-58228C330AAB}"/>
+              </a:ext>
+            </a:extLst>
+          </p:cNvPr>
+          <p:cNvSpPr txBox="1"/>
+          <p:nvPr/>
+        </p:nvSpPr>
+        <p:spPr>
+          <a:xfrm>
+            <a:off x="1608992" y="606669"/>
+            <a:ext cx="5119415" cy="584775"/>
+          </a:xfrm>
+          <a:prstGeom prst="rect">
+            <a:avLst/>
+          </a:prstGeom>
+          <a:noFill/>
+        </p:spPr>
+        <p:txBody>
+          <a:bodyPr wrap="none" rtlCol="0">
+            <a:spAutoFit/>
+          </a:bodyPr>
+          <a:lstStyle/>
+          <a:p>
+            <a:r>
+              <a:rPr lang="en-US" sz="3200" dirty="0"/>
+              <a:t>Clustering according to BLAST</a:t>
+            </a:r>
+            <a:endParaRPr lang="LID4096" sz="3200" dirty="0"/>
+          </a:p>
+        </p:txBody>
+      </p:sp>
+    </p:spTree>
+    <p:extLst>
+      <p:ext uri="{BB962C8B-B14F-4D97-AF65-F5344CB8AC3E}">
+        <p14:creationId xmlns:p14="http://schemas.microsoft.com/office/powerpoint/2010/main" val="2802775689"/>
+      </p:ext>
+    </p:extLst>
+  </p:cSld>
+  <p:clrMapOvr>
+    <a:masterClrMapping/>
+  </p:clrMapOvr>
+</p:sld>
+</file>
+
+<file path=ppt/slides/slide12.xml><?xml version="1.0" encoding="utf-8"?>
+<p:sld xmlns:a="http://schemas.openxmlformats.org/drawingml/2006/main" xmlns:r="http://schemas.openxmlformats.org/officeDocument/2006/relationships" xmlns:p="http://schemas.openxmlformats.org/presentationml/2006/main">
+  <p:cSld>
+    <p:spTree>
+      <p:nvGrpSpPr>
+        <p:cNvPr id="1" name=""/>
+        <p:cNvGrpSpPr/>
+        <p:nvPr/>
+      </p:nvGrpSpPr>
+      <p:grpSpPr>
+        <a:xfrm>
+          <a:off x="0" y="0"/>
+          <a:ext cx="0" cy="0"/>
+          <a:chOff x="0" y="0"/>
+          <a:chExt cx="0" cy="0"/>
+        </a:xfrm>
+      </p:grpSpPr>
+      <p:sp>
+        <p:nvSpPr>
+          <p:cNvPr id="3" name="Rectangle 2">
+            <a:extLst>
+              <a:ext uri="{FF2B5EF4-FFF2-40B4-BE49-F238E27FC236}">
+                <a16:creationId xmlns:a16="http://schemas.microsoft.com/office/drawing/2014/main" id="{0D8CC77D-5E41-4BF1-8CE4-565F528D9E2D}"/>
+              </a:ext>
+            </a:extLst>
+          </p:cNvPr>
+          <p:cNvSpPr/>
+          <p:nvPr/>
+        </p:nvSpPr>
+        <p:spPr>
+          <a:xfrm>
+            <a:off x="1060938" y="579153"/>
+            <a:ext cx="10659209" cy="5262979"/>
+          </a:xfrm>
+          <a:prstGeom prst="rect">
+            <a:avLst/>
+          </a:prstGeom>
+        </p:spPr>
+        <p:txBody>
+          <a:bodyPr wrap="square">
+            <a:spAutoFit/>
+          </a:bodyPr>
+          <a:lstStyle/>
+          <a:p>
+            <a:r>
+              <a:rPr lang="en-US" sz="1200" b="1" dirty="0">
+                <a:latin typeface="Courier New" panose="02070309020205020404" pitchFamily="49" charset="0"/>
+                <a:cs typeface="Courier New" panose="02070309020205020404" pitchFamily="49" charset="0"/>
+              </a:rPr>
+              <a:t>Family        product                                                                                     </a:t>
+            </a:r>
+          </a:p>
+          <a:p>
+            <a:r>
+              <a:rPr lang="en-US" sz="1200" dirty="0">
+                <a:latin typeface="Courier New" panose="02070309020205020404" pitchFamily="49" charset="0"/>
+                <a:cs typeface="Courier New" panose="02070309020205020404" pitchFamily="49" charset="0"/>
+              </a:rPr>
+              <a:t>CCRG-1        guanylate-binding protein                                                                        1</a:t>
+            </a:r>
+          </a:p>
+          <a:p>
+            <a:r>
+              <a:rPr lang="en-US" sz="1200" dirty="0">
+                <a:latin typeface="Courier New" panose="02070309020205020404" pitchFamily="49" charset="0"/>
+                <a:cs typeface="Courier New" panose="02070309020205020404" pitchFamily="49" charset="0"/>
+              </a:rPr>
+              <a:t>CCRG-2        </a:t>
+            </a:r>
+            <a:r>
+              <a:rPr lang="en-US" sz="1200" dirty="0" err="1">
+                <a:latin typeface="Courier New" panose="02070309020205020404" pitchFamily="49" charset="0"/>
+                <a:cs typeface="Courier New" panose="02070309020205020404" pitchFamily="49" charset="0"/>
+              </a:rPr>
+              <a:t>CCRG-2</a:t>
+            </a:r>
+            <a:r>
+              <a:rPr lang="en-US" sz="1200" dirty="0">
+                <a:latin typeface="Courier New" panose="02070309020205020404" pitchFamily="49" charset="0"/>
+                <a:cs typeface="Courier New" panose="02070309020205020404" pitchFamily="49" charset="0"/>
+              </a:rPr>
+              <a:t> family </a:t>
+            </a:r>
+            <a:r>
+              <a:rPr lang="en-US" sz="1200" dirty="0" err="1">
+                <a:latin typeface="Courier New" panose="02070309020205020404" pitchFamily="49" charset="0"/>
+                <a:cs typeface="Courier New" panose="02070309020205020404" pitchFamily="49" charset="0"/>
+              </a:rPr>
+              <a:t>RiPP</a:t>
+            </a:r>
+            <a:r>
+              <a:rPr lang="en-US" sz="1200" dirty="0">
+                <a:latin typeface="Courier New" panose="02070309020205020404" pitchFamily="49" charset="0"/>
+                <a:cs typeface="Courier New" panose="02070309020205020404" pitchFamily="49" charset="0"/>
+              </a:rPr>
+              <a:t>                                                                               1</a:t>
+            </a:r>
+          </a:p>
+          <a:p>
+            <a:r>
+              <a:rPr lang="en-US" sz="1200" dirty="0">
+                <a:latin typeface="Courier New" panose="02070309020205020404" pitchFamily="49" charset="0"/>
+                <a:cs typeface="Courier New" panose="02070309020205020404" pitchFamily="49" charset="0"/>
+              </a:rPr>
+              <a:t>              hypothetical protein                                                                             1</a:t>
+            </a:r>
+          </a:p>
+          <a:p>
+            <a:r>
+              <a:rPr lang="en-US" sz="1200" dirty="0">
+                <a:latin typeface="Courier New" panose="02070309020205020404" pitchFamily="49" charset="0"/>
+                <a:cs typeface="Courier New" panose="02070309020205020404" pitchFamily="49" charset="0"/>
+              </a:rPr>
+              <a:t>DUF           DUF4278 domain-containing protein                                                                2</a:t>
+            </a:r>
+          </a:p>
+          <a:p>
+            <a:r>
+              <a:rPr lang="en-US" sz="1200" dirty="0">
+                <a:latin typeface="Courier New" panose="02070309020205020404" pitchFamily="49" charset="0"/>
+                <a:cs typeface="Courier New" panose="02070309020205020404" pitchFamily="49" charset="0"/>
+              </a:rPr>
+              <a:t>              DUF1816 domain-containing protein                                                                1</a:t>
+            </a:r>
+          </a:p>
+          <a:p>
+            <a:r>
+              <a:rPr lang="en-US" sz="1200" dirty="0">
+                <a:latin typeface="Courier New" panose="02070309020205020404" pitchFamily="49" charset="0"/>
+                <a:cs typeface="Courier New" panose="02070309020205020404" pitchFamily="49" charset="0"/>
+              </a:rPr>
+              <a:t>              DUF1995 family protein                                                                           1</a:t>
+            </a:r>
+          </a:p>
+          <a:p>
+            <a:r>
+              <a:rPr lang="en-US" sz="1200" dirty="0">
+                <a:latin typeface="Courier New" panose="02070309020205020404" pitchFamily="49" charset="0"/>
+                <a:cs typeface="Courier New" panose="02070309020205020404" pitchFamily="49" charset="0"/>
+              </a:rPr>
+              <a:t>              DUF2470 domain-containing protein                                                                1</a:t>
+            </a:r>
+          </a:p>
+          <a:p>
+            <a:r>
+              <a:rPr lang="en-US" sz="1200" dirty="0">
+                <a:latin typeface="Courier New" panose="02070309020205020404" pitchFamily="49" charset="0"/>
+                <a:cs typeface="Courier New" panose="02070309020205020404" pitchFamily="49" charset="0"/>
+              </a:rPr>
+              <a:t>              DUF2555 domain-containing protein                                                                1</a:t>
+            </a:r>
+          </a:p>
+          <a:p>
+            <a:r>
+              <a:rPr lang="en-US" sz="1200" dirty="0">
+                <a:latin typeface="Courier New" panose="02070309020205020404" pitchFamily="49" charset="0"/>
+                <a:cs typeface="Courier New" panose="02070309020205020404" pitchFamily="49" charset="0"/>
+              </a:rPr>
+              <a:t>              DUF2839 domain-containing protein                                                                1</a:t>
+            </a:r>
+          </a:p>
+          <a:p>
+            <a:r>
+              <a:rPr lang="en-US" sz="1200" dirty="0">
+                <a:latin typeface="Courier New" panose="02070309020205020404" pitchFamily="49" charset="0"/>
+                <a:cs typeface="Courier New" panose="02070309020205020404" pitchFamily="49" charset="0"/>
+              </a:rPr>
+              <a:t>              DUF2862 domain-containing protein                                                                1</a:t>
+            </a:r>
+          </a:p>
+          <a:p>
+            <a:r>
+              <a:rPr lang="en-US" sz="1200" dirty="0">
+                <a:latin typeface="Courier New" panose="02070309020205020404" pitchFamily="49" charset="0"/>
+                <a:cs typeface="Courier New" panose="02070309020205020404" pitchFamily="49" charset="0"/>
+              </a:rPr>
+              <a:t>              DUF2949 domain-containing protein                                                                1</a:t>
+            </a:r>
+          </a:p>
+          <a:p>
+            <a:r>
+              <a:rPr lang="en-US" sz="1200" dirty="0">
+                <a:latin typeface="Courier New" panose="02070309020205020404" pitchFamily="49" charset="0"/>
+                <a:cs typeface="Courier New" panose="02070309020205020404" pitchFamily="49" charset="0"/>
+              </a:rPr>
+              <a:t>              DUF2973 domain-containing protein                                                                1</a:t>
+            </a:r>
+          </a:p>
+          <a:p>
+            <a:r>
+              <a:rPr lang="en-US" sz="1200" dirty="0">
+                <a:latin typeface="Courier New" panose="02070309020205020404" pitchFamily="49" charset="0"/>
+                <a:cs typeface="Courier New" panose="02070309020205020404" pitchFamily="49" charset="0"/>
+              </a:rPr>
+              <a:t>              DUF2996 domain-containing protein                                                                1</a:t>
+            </a:r>
+          </a:p>
+          <a:p>
+            <a:r>
+              <a:rPr lang="en-US" sz="1200" dirty="0">
+                <a:latin typeface="Courier New" panose="02070309020205020404" pitchFamily="49" charset="0"/>
+                <a:cs typeface="Courier New" panose="02070309020205020404" pitchFamily="49" charset="0"/>
+              </a:rPr>
+              <a:t>              DUF3136 domain-containing protein                                                                1</a:t>
+            </a:r>
+          </a:p>
+          <a:p>
+            <a:r>
+              <a:rPr lang="en-US" sz="1200" dirty="0">
+                <a:latin typeface="Courier New" panose="02070309020205020404" pitchFamily="49" charset="0"/>
+                <a:cs typeface="Courier New" panose="02070309020205020404" pitchFamily="49" charset="0"/>
+              </a:rPr>
+              <a:t>              DUF3148 domain-containing protein                                                                1</a:t>
+            </a:r>
+          </a:p>
+          <a:p>
+            <a:r>
+              <a:rPr lang="en-US" sz="1200" dirty="0">
+                <a:latin typeface="Courier New" panose="02070309020205020404" pitchFamily="49" charset="0"/>
+                <a:cs typeface="Courier New" panose="02070309020205020404" pitchFamily="49" charset="0"/>
+              </a:rPr>
+              <a:t>              DUF3181 family protein                                                                           1</a:t>
+            </a:r>
+          </a:p>
+          <a:p>
+            <a:r>
+              <a:rPr lang="en-US" sz="1200" dirty="0">
+                <a:latin typeface="Courier New" panose="02070309020205020404" pitchFamily="49" charset="0"/>
+                <a:cs typeface="Courier New" panose="02070309020205020404" pitchFamily="49" charset="0"/>
+              </a:rPr>
+              <a:t>              DUF3188 domain-containing protein                                                                1</a:t>
+            </a:r>
+          </a:p>
+          <a:p>
+            <a:r>
+              <a:rPr lang="en-US" sz="1200" dirty="0">
+                <a:latin typeface="Courier New" panose="02070309020205020404" pitchFamily="49" charset="0"/>
+                <a:cs typeface="Courier New" panose="02070309020205020404" pitchFamily="49" charset="0"/>
+              </a:rPr>
+              <a:t>              DUF3252 domain-containing protein                                                                1</a:t>
+            </a:r>
+          </a:p>
+          <a:p>
+            <a:r>
+              <a:rPr lang="en-US" sz="1200" dirty="0">
+                <a:latin typeface="Courier New" panose="02070309020205020404" pitchFamily="49" charset="0"/>
+                <a:cs typeface="Courier New" panose="02070309020205020404" pitchFamily="49" charset="0"/>
+              </a:rPr>
+              <a:t>              DUF3303 family protein                                                                           1</a:t>
+            </a:r>
+          </a:p>
+          <a:p>
+            <a:r>
+              <a:rPr lang="en-US" sz="1200" dirty="0">
+                <a:latin typeface="Courier New" panose="02070309020205020404" pitchFamily="49" charset="0"/>
+                <a:cs typeface="Courier New" panose="02070309020205020404" pitchFamily="49" charset="0"/>
+              </a:rPr>
+              <a:t>              DUF3721 domain-containing protein                                                                1</a:t>
+            </a:r>
+          </a:p>
+          <a:p>
+            <a:r>
+              <a:rPr lang="en-US" sz="1200" dirty="0">
+                <a:latin typeface="Courier New" panose="02070309020205020404" pitchFamily="49" charset="0"/>
+                <a:cs typeface="Courier New" panose="02070309020205020404" pitchFamily="49" charset="0"/>
+              </a:rPr>
+              <a:t>              DUF3764 family protein                                                                           1</a:t>
+            </a:r>
+          </a:p>
+          <a:p>
+            <a:r>
+              <a:rPr lang="en-US" sz="1200" dirty="0">
+                <a:latin typeface="Courier New" panose="02070309020205020404" pitchFamily="49" charset="0"/>
+                <a:cs typeface="Courier New" panose="02070309020205020404" pitchFamily="49" charset="0"/>
+              </a:rPr>
+              <a:t>              DUF751 family protein                                                                            1</a:t>
+            </a:r>
+          </a:p>
+          <a:p>
+            <a:r>
+              <a:rPr lang="en-US" sz="1200" dirty="0">
+                <a:latin typeface="Courier New" panose="02070309020205020404" pitchFamily="49" charset="0"/>
+                <a:cs typeface="Courier New" panose="02070309020205020404" pitchFamily="49" charset="0"/>
+              </a:rPr>
+              <a:t>HLIP          high light inducible protein                                                                     7</a:t>
+            </a:r>
+          </a:p>
+          <a:p>
+            <a:r>
+              <a:rPr lang="en-US" sz="1200" dirty="0">
+                <a:latin typeface="Courier New" panose="02070309020205020404" pitchFamily="49" charset="0"/>
+                <a:cs typeface="Courier New" panose="02070309020205020404" pitchFamily="49" charset="0"/>
+              </a:rPr>
+              <a:t>N/A                                                                                                           30</a:t>
+            </a:r>
+          </a:p>
+          <a:p>
+            <a:r>
+              <a:rPr lang="en-US" sz="1200" dirty="0" err="1">
+                <a:latin typeface="Courier New" panose="02070309020205020404" pitchFamily="49" charset="0"/>
+                <a:cs typeface="Courier New" panose="02070309020205020404" pitchFamily="49" charset="0"/>
+              </a:rPr>
+              <a:t>ProcA</a:t>
+            </a:r>
+            <a:r>
+              <a:rPr lang="en-US" sz="1200" dirty="0">
+                <a:latin typeface="Courier New" panose="02070309020205020404" pitchFamily="49" charset="0"/>
+                <a:cs typeface="Courier New" panose="02070309020205020404" pitchFamily="49" charset="0"/>
+              </a:rPr>
+              <a:t>         Nif11-like leader peptide family natural product precursor                                      19</a:t>
+            </a:r>
+          </a:p>
+          <a:p>
+            <a:r>
+              <a:rPr lang="en-US" sz="1200" dirty="0">
+                <a:latin typeface="Courier New" panose="02070309020205020404" pitchFamily="49" charset="0"/>
+                <a:cs typeface="Courier New" panose="02070309020205020404" pitchFamily="49" charset="0"/>
+              </a:rPr>
+              <a:t>              </a:t>
+            </a:r>
+            <a:r>
+              <a:rPr lang="en-US" sz="1200" dirty="0" err="1">
+                <a:latin typeface="Courier New" panose="02070309020205020404" pitchFamily="49" charset="0"/>
+                <a:cs typeface="Courier New" panose="02070309020205020404" pitchFamily="49" charset="0"/>
+              </a:rPr>
+              <a:t>lantipeptide</a:t>
+            </a:r>
+            <a:r>
+              <a:rPr lang="en-US" sz="1200" dirty="0">
+                <a:latin typeface="Courier New" panose="02070309020205020404" pitchFamily="49" charset="0"/>
+                <a:cs typeface="Courier New" panose="02070309020205020404" pitchFamily="49" charset="0"/>
+              </a:rPr>
+              <a:t>                                                                                     1</a:t>
+            </a:r>
+          </a:p>
+          <a:p>
+            <a:r>
+              <a:rPr lang="en-US" sz="1200" dirty="0">
+                <a:latin typeface="Courier New" panose="02070309020205020404" pitchFamily="49" charset="0"/>
+                <a:cs typeface="Courier New" panose="02070309020205020404" pitchFamily="49" charset="0"/>
+              </a:rPr>
+              <a:t>hypothetical  </a:t>
+            </a:r>
+            <a:r>
+              <a:rPr lang="en-US" sz="1200" dirty="0" err="1">
+                <a:latin typeface="Courier New" panose="02070309020205020404" pitchFamily="49" charset="0"/>
+                <a:cs typeface="Courier New" panose="02070309020205020404" pitchFamily="49" charset="0"/>
+              </a:rPr>
+              <a:t>hypothetical</a:t>
+            </a:r>
+            <a:r>
+              <a:rPr lang="en-US" sz="1200" dirty="0">
+                <a:latin typeface="Courier New" panose="02070309020205020404" pitchFamily="49" charset="0"/>
+                <a:cs typeface="Courier New" panose="02070309020205020404" pitchFamily="49" charset="0"/>
+              </a:rPr>
+              <a:t> protein                                                                            78</a:t>
+            </a:r>
+            <a:endParaRPr lang="LID4096" sz="1200" dirty="0">
+              <a:latin typeface="Courier New" panose="02070309020205020404" pitchFamily="49" charset="0"/>
+              <a:cs typeface="Courier New" panose="02070309020205020404" pitchFamily="49" charset="0"/>
+            </a:endParaRPr>
+          </a:p>
+        </p:txBody>
+      </p:sp>
+    </p:spTree>
+    <p:extLst>
+      <p:ext uri="{BB962C8B-B14F-4D97-AF65-F5344CB8AC3E}">
+        <p14:creationId xmlns:p14="http://schemas.microsoft.com/office/powerpoint/2010/main" val="2089791563"/>
+      </p:ext>
+    </p:extLst>
+  </p:cSld>
+  <p:clrMapOvr>
+    <a:masterClrMapping/>
+  </p:clrMapOvr>
+</p:sld>
+</file>
+
+<file path=ppt/slides/slide13.xml><?xml version="1.0" encoding="utf-8"?>
+<p:sld xmlns:a="http://schemas.openxmlformats.org/drawingml/2006/main" xmlns:r="http://schemas.openxmlformats.org/officeDocument/2006/relationships" xmlns:p="http://schemas.openxmlformats.org/presentationml/2006/main">
+  <p:cSld>
+    <p:spTree>
+      <p:nvGrpSpPr>
+        <p:cNvPr id="1" name=""/>
+        <p:cNvGrpSpPr/>
+        <p:nvPr/>
+      </p:nvGrpSpPr>
+      <p:grpSpPr>
+        <a:xfrm>
+          <a:off x="0" y="0"/>
+          <a:ext cx="0" cy="0"/>
+          <a:chOff x="0" y="0"/>
+          <a:chExt cx="0" cy="0"/>
+        </a:xfrm>
+      </p:grpSpPr>
+      <p:sp>
+        <p:nvSpPr>
+          <p:cNvPr id="3" name="Rectangle 2">
+            <a:extLst>
+              <a:ext uri="{FF2B5EF4-FFF2-40B4-BE49-F238E27FC236}">
+                <a16:creationId xmlns:a16="http://schemas.microsoft.com/office/drawing/2014/main" id="{9842EB42-23B2-4476-8B8E-DDA6CB0D594C}"/>
+              </a:ext>
+            </a:extLst>
+          </p:cNvPr>
+          <p:cNvSpPr/>
+          <p:nvPr/>
+        </p:nvSpPr>
+        <p:spPr>
+          <a:xfrm>
+            <a:off x="722298" y="892670"/>
+            <a:ext cx="11625943" cy="4154984"/>
+          </a:xfrm>
+          <a:prstGeom prst="rect">
+            <a:avLst/>
+          </a:prstGeom>
+        </p:spPr>
+        <p:txBody>
+          <a:bodyPr wrap="square">
+            <a:spAutoFit/>
+          </a:bodyPr>
+          <a:lstStyle/>
+          <a:p>
+            <a:r>
+              <a:rPr lang="en-US" sz="1200" dirty="0">
+                <a:latin typeface="Courier New" panose="02070309020205020404" pitchFamily="49" charset="0"/>
+                <a:cs typeface="Courier New" panose="02070309020205020404" pitchFamily="49" charset="0"/>
+              </a:rPr>
+              <a:t>photosystem   </a:t>
+            </a:r>
+            <a:r>
+              <a:rPr lang="en-US" sz="1200" dirty="0" err="1">
+                <a:latin typeface="Courier New" panose="02070309020205020404" pitchFamily="49" charset="0"/>
+                <a:cs typeface="Courier New" panose="02070309020205020404" pitchFamily="49" charset="0"/>
+              </a:rPr>
+              <a:t>photosystem</a:t>
+            </a:r>
+            <a:r>
+              <a:rPr lang="en-US" sz="1200" dirty="0">
+                <a:latin typeface="Courier New" panose="02070309020205020404" pitchFamily="49" charset="0"/>
+                <a:cs typeface="Courier New" panose="02070309020205020404" pitchFamily="49" charset="0"/>
+              </a:rPr>
+              <a:t> I core protein </a:t>
+            </a:r>
+            <a:r>
+              <a:rPr lang="en-US" sz="1200" dirty="0" err="1">
+                <a:latin typeface="Courier New" panose="02070309020205020404" pitchFamily="49" charset="0"/>
+                <a:cs typeface="Courier New" panose="02070309020205020404" pitchFamily="49" charset="0"/>
+              </a:rPr>
+              <a:t>PsaB</a:t>
+            </a:r>
+            <a:r>
+              <a:rPr lang="en-US" sz="1200" dirty="0">
+                <a:latin typeface="Courier New" panose="02070309020205020404" pitchFamily="49" charset="0"/>
+                <a:cs typeface="Courier New" panose="02070309020205020404" pitchFamily="49" charset="0"/>
+              </a:rPr>
+              <a:t>                                                                  1</a:t>
+            </a:r>
+          </a:p>
+          <a:p>
+            <a:r>
+              <a:rPr lang="en-US" sz="1200" dirty="0">
+                <a:latin typeface="Courier New" panose="02070309020205020404" pitchFamily="49" charset="0"/>
+                <a:cs typeface="Courier New" panose="02070309020205020404" pitchFamily="49" charset="0"/>
+              </a:rPr>
+              <a:t>              photosystem I iron-sulfur center protein </a:t>
+            </a:r>
+            <a:r>
+              <a:rPr lang="en-US" sz="1200" dirty="0" err="1">
+                <a:latin typeface="Courier New" panose="02070309020205020404" pitchFamily="49" charset="0"/>
+                <a:cs typeface="Courier New" panose="02070309020205020404" pitchFamily="49" charset="0"/>
+              </a:rPr>
+              <a:t>PsaC</a:t>
+            </a:r>
+            <a:r>
+              <a:rPr lang="en-US" sz="1200" dirty="0">
+                <a:latin typeface="Courier New" panose="02070309020205020404" pitchFamily="49" charset="0"/>
+                <a:cs typeface="Courier New" panose="02070309020205020404" pitchFamily="49" charset="0"/>
+              </a:rPr>
+              <a:t>                                                    1</a:t>
+            </a:r>
+          </a:p>
+          <a:p>
+            <a:r>
+              <a:rPr lang="en-US" sz="1200" dirty="0">
+                <a:latin typeface="Courier New" panose="02070309020205020404" pitchFamily="49" charset="0"/>
+                <a:cs typeface="Courier New" panose="02070309020205020404" pitchFamily="49" charset="0"/>
+              </a:rPr>
+              <a:t>              photosystem I reaction center subunit IV                                                         1</a:t>
+            </a:r>
+          </a:p>
+          <a:p>
+            <a:r>
+              <a:rPr lang="en-US" sz="1200" dirty="0">
+                <a:latin typeface="Courier New" panose="02070309020205020404" pitchFamily="49" charset="0"/>
+                <a:cs typeface="Courier New" panose="02070309020205020404" pitchFamily="49" charset="0"/>
+              </a:rPr>
+              <a:t>              photosystem I reaction center subunit </a:t>
+            </a:r>
+            <a:r>
+              <a:rPr lang="en-US" sz="1200" dirty="0" err="1">
+                <a:latin typeface="Courier New" panose="02070309020205020404" pitchFamily="49" charset="0"/>
+                <a:cs typeface="Courier New" panose="02070309020205020404" pitchFamily="49" charset="0"/>
+              </a:rPr>
+              <a:t>PsaK</a:t>
+            </a:r>
+            <a:r>
+              <a:rPr lang="en-US" sz="1200" dirty="0">
+                <a:latin typeface="Courier New" panose="02070309020205020404" pitchFamily="49" charset="0"/>
+                <a:cs typeface="Courier New" panose="02070309020205020404" pitchFamily="49" charset="0"/>
+              </a:rPr>
+              <a:t>                                                       1</a:t>
+            </a:r>
+          </a:p>
+          <a:p>
+            <a:r>
+              <a:rPr lang="en-US" sz="1200" dirty="0">
+                <a:latin typeface="Courier New" panose="02070309020205020404" pitchFamily="49" charset="0"/>
+                <a:cs typeface="Courier New" panose="02070309020205020404" pitchFamily="49" charset="0"/>
+              </a:rPr>
+              <a:t>              photosystem II protein Y                                                                         1</a:t>
+            </a:r>
+          </a:p>
+          <a:p>
+            <a:r>
+              <a:rPr lang="en-US" sz="1200" dirty="0">
+                <a:latin typeface="Courier New" panose="02070309020205020404" pitchFamily="49" charset="0"/>
+                <a:cs typeface="Courier New" panose="02070309020205020404" pitchFamily="49" charset="0"/>
+              </a:rPr>
+              <a:t>              photosystem II reaction center protein J                                                         1</a:t>
+            </a:r>
+          </a:p>
+          <a:p>
+            <a:r>
+              <a:rPr lang="en-US" sz="1200" dirty="0">
+                <a:latin typeface="Courier New" panose="02070309020205020404" pitchFamily="49" charset="0"/>
+                <a:cs typeface="Courier New" panose="02070309020205020404" pitchFamily="49" charset="0"/>
+              </a:rPr>
+              <a:t>              photosystem II reaction center protein L                                                         1</a:t>
+            </a:r>
+          </a:p>
+          <a:p>
+            <a:r>
+              <a:rPr lang="en-US" sz="1200" dirty="0">
+                <a:latin typeface="Courier New" panose="02070309020205020404" pitchFamily="49" charset="0"/>
+                <a:cs typeface="Courier New" panose="02070309020205020404" pitchFamily="49" charset="0"/>
+              </a:rPr>
+              <a:t>              photosystem II reaction center protein </a:t>
+            </a:r>
+            <a:r>
+              <a:rPr lang="en-US" sz="1200" dirty="0" err="1">
+                <a:latin typeface="Courier New" panose="02070309020205020404" pitchFamily="49" charset="0"/>
+                <a:cs typeface="Courier New" panose="02070309020205020404" pitchFamily="49" charset="0"/>
+              </a:rPr>
+              <a:t>PsbH</a:t>
+            </a:r>
+            <a:r>
+              <a:rPr lang="en-US" sz="1200" dirty="0">
+                <a:latin typeface="Courier New" panose="02070309020205020404" pitchFamily="49" charset="0"/>
+                <a:cs typeface="Courier New" panose="02070309020205020404" pitchFamily="49" charset="0"/>
+              </a:rPr>
+              <a:t>                                                      1</a:t>
+            </a:r>
+          </a:p>
+          <a:p>
+            <a:r>
+              <a:rPr lang="en-US" sz="1200" dirty="0">
+                <a:latin typeface="Courier New" panose="02070309020205020404" pitchFamily="49" charset="0"/>
+                <a:cs typeface="Courier New" panose="02070309020205020404" pitchFamily="49" charset="0"/>
+              </a:rPr>
+              <a:t>              photosystem II reaction center protein </a:t>
+            </a:r>
+            <a:r>
+              <a:rPr lang="en-US" sz="1200" dirty="0" err="1">
+                <a:latin typeface="Courier New" panose="02070309020205020404" pitchFamily="49" charset="0"/>
+                <a:cs typeface="Courier New" panose="02070309020205020404" pitchFamily="49" charset="0"/>
+              </a:rPr>
+              <a:t>PsbN</a:t>
+            </a:r>
+            <a:r>
+              <a:rPr lang="en-US" sz="1200" dirty="0">
+                <a:latin typeface="Courier New" panose="02070309020205020404" pitchFamily="49" charset="0"/>
+                <a:cs typeface="Courier New" panose="02070309020205020404" pitchFamily="49" charset="0"/>
+              </a:rPr>
+              <a:t>                                                      1</a:t>
+            </a:r>
+          </a:p>
+          <a:p>
+            <a:r>
+              <a:rPr lang="en-US" sz="1200" dirty="0">
+                <a:latin typeface="Courier New" panose="02070309020205020404" pitchFamily="49" charset="0"/>
+                <a:cs typeface="Courier New" panose="02070309020205020404" pitchFamily="49" charset="0"/>
+              </a:rPr>
+              <a:t>ribosomal     30S ribosomal protein S13                                                                        1</a:t>
+            </a:r>
+          </a:p>
+          <a:p>
+            <a:r>
+              <a:rPr lang="en-US" sz="1200" dirty="0">
+                <a:latin typeface="Courier New" panose="02070309020205020404" pitchFamily="49" charset="0"/>
+                <a:cs typeface="Courier New" panose="02070309020205020404" pitchFamily="49" charset="0"/>
+              </a:rPr>
+              <a:t>              30S ribosomal protein S15                                                                        1</a:t>
+            </a:r>
+          </a:p>
+          <a:p>
+            <a:r>
+              <a:rPr lang="en-US" sz="1200" dirty="0">
+                <a:latin typeface="Courier New" panose="02070309020205020404" pitchFamily="49" charset="0"/>
+                <a:cs typeface="Courier New" panose="02070309020205020404" pitchFamily="49" charset="0"/>
+              </a:rPr>
+              <a:t>              30S ribosomal protein S17                                                                        1</a:t>
+            </a:r>
+          </a:p>
+          <a:p>
+            <a:r>
+              <a:rPr lang="en-US" sz="1200" dirty="0">
+                <a:latin typeface="Courier New" panose="02070309020205020404" pitchFamily="49" charset="0"/>
+                <a:cs typeface="Courier New" panose="02070309020205020404" pitchFamily="49" charset="0"/>
+              </a:rPr>
+              <a:t>              30S ribosomal protein S18                                                                        1</a:t>
+            </a:r>
+          </a:p>
+          <a:p>
+            <a:r>
+              <a:rPr lang="en-US" sz="1200" dirty="0">
+                <a:latin typeface="Courier New" panose="02070309020205020404" pitchFamily="49" charset="0"/>
+                <a:cs typeface="Courier New" panose="02070309020205020404" pitchFamily="49" charset="0"/>
+              </a:rPr>
+              <a:t>              30S ribosomal protein S19                                                                        1</a:t>
+            </a:r>
+          </a:p>
+          <a:p>
+            <a:r>
+              <a:rPr lang="en-US" sz="1200" dirty="0">
+                <a:latin typeface="Courier New" panose="02070309020205020404" pitchFamily="49" charset="0"/>
+                <a:cs typeface="Courier New" panose="02070309020205020404" pitchFamily="49" charset="0"/>
+              </a:rPr>
+              <a:t>              30S ribosomal protein S21                                                                        1</a:t>
+            </a:r>
+          </a:p>
+          <a:p>
+            <a:r>
+              <a:rPr lang="en-US" sz="1200" dirty="0">
+                <a:latin typeface="Courier New" panose="02070309020205020404" pitchFamily="49" charset="0"/>
+                <a:cs typeface="Courier New" panose="02070309020205020404" pitchFamily="49" charset="0"/>
+              </a:rPr>
+              <a:t>              50S ribosomal protein L27                                                                        1</a:t>
+            </a:r>
+          </a:p>
+          <a:p>
+            <a:r>
+              <a:rPr lang="en-US" sz="1200" dirty="0">
+                <a:latin typeface="Courier New" panose="02070309020205020404" pitchFamily="49" charset="0"/>
+                <a:cs typeface="Courier New" panose="02070309020205020404" pitchFamily="49" charset="0"/>
+              </a:rPr>
+              <a:t>              50S ribosomal protein L28                                                                        1</a:t>
+            </a:r>
+          </a:p>
+          <a:p>
+            <a:r>
+              <a:rPr lang="en-US" sz="1200" dirty="0">
+                <a:latin typeface="Courier New" panose="02070309020205020404" pitchFamily="49" charset="0"/>
+                <a:cs typeface="Courier New" panose="02070309020205020404" pitchFamily="49" charset="0"/>
+              </a:rPr>
+              <a:t>              50S ribosomal protein L29                                                                        1</a:t>
+            </a:r>
+          </a:p>
+          <a:p>
+            <a:r>
+              <a:rPr lang="en-US" sz="1200" dirty="0">
+                <a:latin typeface="Courier New" panose="02070309020205020404" pitchFamily="49" charset="0"/>
+                <a:cs typeface="Courier New" panose="02070309020205020404" pitchFamily="49" charset="0"/>
+              </a:rPr>
+              <a:t>              50S ribosomal protein L31                                                                        1</a:t>
+            </a:r>
+          </a:p>
+          <a:p>
+            <a:r>
+              <a:rPr lang="en-US" sz="1200" dirty="0">
+                <a:latin typeface="Courier New" panose="02070309020205020404" pitchFamily="49" charset="0"/>
+                <a:cs typeface="Courier New" panose="02070309020205020404" pitchFamily="49" charset="0"/>
+              </a:rPr>
+              <a:t>              50S ribosomal protein L32                                                                        1</a:t>
+            </a:r>
+          </a:p>
+          <a:p>
+            <a:r>
+              <a:rPr lang="en-US" sz="1200" dirty="0">
+                <a:latin typeface="Courier New" panose="02070309020205020404" pitchFamily="49" charset="0"/>
+                <a:cs typeface="Courier New" panose="02070309020205020404" pitchFamily="49" charset="0"/>
+              </a:rPr>
+              <a:t>              50S ribosomal protein L33                                                                        1</a:t>
+            </a:r>
+          </a:p>
+          <a:p>
+            <a:r>
+              <a:rPr lang="en-US" sz="1200" dirty="0">
+                <a:latin typeface="Courier New" panose="02070309020205020404" pitchFamily="49" charset="0"/>
+                <a:cs typeface="Courier New" panose="02070309020205020404" pitchFamily="49" charset="0"/>
+              </a:rPr>
+              <a:t>              50S ribosomal protein L36                                                                        1</a:t>
+            </a:r>
+            <a:endParaRPr lang="LID4096" sz="1200" dirty="0">
+              <a:latin typeface="Courier New" panose="02070309020205020404" pitchFamily="49" charset="0"/>
+              <a:cs typeface="Courier New" panose="02070309020205020404" pitchFamily="49" charset="0"/>
+            </a:endParaRPr>
+          </a:p>
+        </p:txBody>
+      </p:sp>
+    </p:spTree>
+    <p:extLst>
+      <p:ext uri="{BB962C8B-B14F-4D97-AF65-F5344CB8AC3E}">
+        <p14:creationId xmlns:p14="http://schemas.microsoft.com/office/powerpoint/2010/main" val="2350208819"/>
+      </p:ext>
+    </p:extLst>
+  </p:cSld>
+  <p:clrMapOvr>
+    <a:masterClrMapping/>
+  </p:clrMapOvr>
+</p:sld>
+</file>
+
+<file path=ppt/slides/slide14.xml><?xml version="1.0" encoding="utf-8"?>
+<p:sld xmlns:a="http://schemas.openxmlformats.org/drawingml/2006/main" xmlns:r="http://schemas.openxmlformats.org/officeDocument/2006/relationships" xmlns:p="http://schemas.openxmlformats.org/presentationml/2006/main">
+  <p:cSld>
+    <p:spTree>
+      <p:nvGrpSpPr>
+        <p:cNvPr id="1" name=""/>
+        <p:cNvGrpSpPr/>
+        <p:nvPr/>
+      </p:nvGrpSpPr>
+      <p:grpSpPr>
+        <a:xfrm>
+          <a:off x="0" y="0"/>
+          <a:ext cx="0" cy="0"/>
+          <a:chOff x="0" y="0"/>
+          <a:chExt cx="0" cy="0"/>
+        </a:xfrm>
+      </p:grpSpPr>
+      <p:sp>
+        <p:nvSpPr>
+          <p:cNvPr id="3" name="Rectangle 2">
+            <a:extLst>
+              <a:ext uri="{FF2B5EF4-FFF2-40B4-BE49-F238E27FC236}">
+                <a16:creationId xmlns:a16="http://schemas.microsoft.com/office/drawing/2014/main" id="{3EABAD05-30A5-4C34-9CA3-D7D486DADEDB}"/>
+              </a:ext>
+            </a:extLst>
+          </p:cNvPr>
+          <p:cNvSpPr/>
+          <p:nvPr/>
+        </p:nvSpPr>
+        <p:spPr>
+          <a:xfrm>
+            <a:off x="448409" y="81930"/>
+            <a:ext cx="11065119" cy="6694140"/>
+          </a:xfrm>
+          <a:prstGeom prst="rect">
+            <a:avLst/>
+          </a:prstGeom>
+        </p:spPr>
+        <p:txBody>
+          <a:bodyPr wrap="square">
+            <a:spAutoFit/>
+          </a:bodyPr>
+          <a:lstStyle/>
+          <a:p>
+            <a:r>
+              <a:rPr lang="en-US" sz="1100" dirty="0">
+                <a:latin typeface="Courier New" panose="02070309020205020404" pitchFamily="49" charset="0"/>
+                <a:cs typeface="Courier New" panose="02070309020205020404" pitchFamily="49" charset="0"/>
+              </a:rPr>
+              <a:t>bacteriocin                                                                                     2</a:t>
+            </a:r>
+          </a:p>
+          <a:p>
+            <a:r>
+              <a:rPr lang="en-US" sz="1100" dirty="0">
+                <a:latin typeface="Courier New" panose="02070309020205020404" pitchFamily="49" charset="0"/>
+                <a:cs typeface="Courier New" panose="02070309020205020404" pitchFamily="49" charset="0"/>
+              </a:rPr>
+              <a:t>2Fe-2S iron-sulfur cluster binding domain-containing protein                                    2</a:t>
+            </a:r>
+          </a:p>
+          <a:p>
+            <a:r>
+              <a:rPr lang="en-US" sz="1100" dirty="0" err="1">
+                <a:latin typeface="Courier New" panose="02070309020205020404" pitchFamily="49" charset="0"/>
+                <a:cs typeface="Courier New" panose="02070309020205020404" pitchFamily="49" charset="0"/>
+              </a:rPr>
+              <a:t>NifU</a:t>
+            </a:r>
+            <a:r>
+              <a:rPr lang="en-US" sz="1100" dirty="0">
+                <a:latin typeface="Courier New" panose="02070309020205020404" pitchFamily="49" charset="0"/>
+                <a:cs typeface="Courier New" panose="02070309020205020404" pitchFamily="49" charset="0"/>
+              </a:rPr>
+              <a:t> family protein                                                                             1</a:t>
+            </a:r>
+          </a:p>
+          <a:p>
+            <a:r>
+              <a:rPr lang="en-US" sz="1100" dirty="0" err="1">
+                <a:latin typeface="Courier New" panose="02070309020205020404" pitchFamily="49" charset="0"/>
+                <a:cs typeface="Courier New" panose="02070309020205020404" pitchFamily="49" charset="0"/>
+              </a:rPr>
+              <a:t>YlxR</a:t>
+            </a:r>
+            <a:r>
+              <a:rPr lang="en-US" sz="1100" dirty="0">
+                <a:latin typeface="Courier New" panose="02070309020205020404" pitchFamily="49" charset="0"/>
+                <a:cs typeface="Courier New" panose="02070309020205020404" pitchFamily="49" charset="0"/>
+              </a:rPr>
+              <a:t> family protein                                                                             1</a:t>
+            </a:r>
+          </a:p>
+          <a:p>
+            <a:r>
+              <a:rPr lang="en-US" sz="1100" dirty="0">
+                <a:latin typeface="Courier New" panose="02070309020205020404" pitchFamily="49" charset="0"/>
+                <a:cs typeface="Courier New" panose="02070309020205020404" pitchFamily="49" charset="0"/>
+              </a:rPr>
+              <a:t>ssl1498 family light-harvesting-like protein                                                    1</a:t>
+            </a:r>
+          </a:p>
+          <a:p>
+            <a:r>
+              <a:rPr lang="en-US" sz="1100" dirty="0">
+                <a:latin typeface="Courier New" panose="02070309020205020404" pitchFamily="49" charset="0"/>
+                <a:cs typeface="Courier New" panose="02070309020205020404" pitchFamily="49" charset="0"/>
+              </a:rPr>
+              <a:t>cytochrome b559 subunit alpha                                                                   1</a:t>
+            </a:r>
+          </a:p>
+          <a:p>
+            <a:r>
+              <a:rPr lang="en-US" sz="1100" dirty="0">
+                <a:latin typeface="Courier New" panose="02070309020205020404" pitchFamily="49" charset="0"/>
+                <a:cs typeface="Courier New" panose="02070309020205020404" pitchFamily="49" charset="0"/>
+              </a:rPr>
+              <a:t>pterin-4-alpha-carbinolamine dehydratase                                                        1</a:t>
+            </a:r>
+          </a:p>
+          <a:p>
+            <a:r>
+              <a:rPr lang="en-US" sz="1100" dirty="0">
+                <a:latin typeface="Courier New" panose="02070309020205020404" pitchFamily="49" charset="0"/>
+                <a:cs typeface="Courier New" panose="02070309020205020404" pitchFamily="49" charset="0"/>
+              </a:rPr>
+              <a:t>ion transporter                                                                                 1</a:t>
+            </a:r>
+          </a:p>
+          <a:p>
+            <a:r>
+              <a:rPr lang="en-US" sz="1100" dirty="0" err="1">
+                <a:latin typeface="Courier New" panose="02070309020205020404" pitchFamily="49" charset="0"/>
+                <a:cs typeface="Courier New" panose="02070309020205020404" pitchFamily="49" charset="0"/>
+              </a:rPr>
+              <a:t>carboxysome</a:t>
+            </a:r>
+            <a:r>
+              <a:rPr lang="en-US" sz="1100" dirty="0">
+                <a:latin typeface="Courier New" panose="02070309020205020404" pitchFamily="49" charset="0"/>
+                <a:cs typeface="Courier New" panose="02070309020205020404" pitchFamily="49" charset="0"/>
+              </a:rPr>
+              <a:t> peptide B                                                                           1</a:t>
+            </a:r>
+          </a:p>
+          <a:p>
+            <a:r>
+              <a:rPr lang="en-US" sz="1100" dirty="0">
+                <a:latin typeface="Courier New" panose="02070309020205020404" pitchFamily="49" charset="0"/>
+                <a:cs typeface="Courier New" panose="02070309020205020404" pitchFamily="49" charset="0"/>
+              </a:rPr>
+              <a:t>translation initiation factor IF-1                                                              1</a:t>
+            </a:r>
+          </a:p>
+          <a:p>
+            <a:r>
+              <a:rPr lang="en-US" sz="1100" dirty="0">
+                <a:latin typeface="Courier New" panose="02070309020205020404" pitchFamily="49" charset="0"/>
+                <a:cs typeface="Courier New" panose="02070309020205020404" pitchFamily="49" charset="0"/>
+              </a:rPr>
+              <a:t>response regulator transcription factor                                                         1</a:t>
+            </a:r>
+          </a:p>
+          <a:p>
+            <a:r>
+              <a:rPr lang="en-US" sz="1100" dirty="0" err="1">
+                <a:latin typeface="Courier New" panose="02070309020205020404" pitchFamily="49" charset="0"/>
+                <a:cs typeface="Courier New" panose="02070309020205020404" pitchFamily="49" charset="0"/>
+              </a:rPr>
+              <a:t>PipX</a:t>
+            </a:r>
+            <a:r>
+              <a:rPr lang="en-US" sz="1100" dirty="0">
+                <a:latin typeface="Courier New" panose="02070309020205020404" pitchFamily="49" charset="0"/>
+                <a:cs typeface="Courier New" panose="02070309020205020404" pitchFamily="49" charset="0"/>
+              </a:rPr>
+              <a:t> family protein                                                                             1</a:t>
+            </a:r>
+          </a:p>
+          <a:p>
+            <a:r>
+              <a:rPr lang="en-US" sz="1100" dirty="0" err="1">
+                <a:latin typeface="Courier New" panose="02070309020205020404" pitchFamily="49" charset="0"/>
+                <a:cs typeface="Courier New" panose="02070309020205020404" pitchFamily="49" charset="0"/>
+              </a:rPr>
+              <a:t>BolA</a:t>
+            </a:r>
+            <a:r>
+              <a:rPr lang="en-US" sz="1100" dirty="0">
+                <a:latin typeface="Courier New" panose="02070309020205020404" pitchFamily="49" charset="0"/>
+                <a:cs typeface="Courier New" panose="02070309020205020404" pitchFamily="49" charset="0"/>
+              </a:rPr>
+              <a:t> family transcriptional regulator                                                           1</a:t>
+            </a:r>
+          </a:p>
+          <a:p>
+            <a:r>
+              <a:rPr lang="en-US" sz="1100" dirty="0">
+                <a:latin typeface="Courier New" panose="02070309020205020404" pitchFamily="49" charset="0"/>
+                <a:cs typeface="Courier New" panose="02070309020205020404" pitchFamily="49" charset="0"/>
+              </a:rPr>
+              <a:t>MEKHLA domain-containing protein                                                                1</a:t>
+            </a:r>
+          </a:p>
+          <a:p>
+            <a:r>
+              <a:rPr lang="en-US" sz="1100" dirty="0">
+                <a:latin typeface="Courier New" panose="02070309020205020404" pitchFamily="49" charset="0"/>
+                <a:cs typeface="Courier New" panose="02070309020205020404" pitchFamily="49" charset="0"/>
+              </a:rPr>
+              <a:t>chemotaxis protein                                                                              1</a:t>
+            </a:r>
+          </a:p>
+          <a:p>
+            <a:r>
+              <a:rPr lang="en-US" sz="1100" dirty="0" err="1">
+                <a:latin typeface="Courier New" panose="02070309020205020404" pitchFamily="49" charset="0"/>
+                <a:cs typeface="Courier New" panose="02070309020205020404" pitchFamily="49" charset="0"/>
+              </a:rPr>
+              <a:t>YciI</a:t>
+            </a:r>
+            <a:r>
+              <a:rPr lang="en-US" sz="1100" dirty="0">
+                <a:latin typeface="Courier New" panose="02070309020205020404" pitchFamily="49" charset="0"/>
+                <a:cs typeface="Courier New" panose="02070309020205020404" pitchFamily="49" charset="0"/>
+              </a:rPr>
+              <a:t> family protein                                                                             1</a:t>
+            </a:r>
+          </a:p>
+          <a:p>
+            <a:r>
+              <a:rPr lang="en-US" sz="1100" dirty="0" err="1">
+                <a:latin typeface="Courier New" panose="02070309020205020404" pitchFamily="49" charset="0"/>
+                <a:cs typeface="Courier New" panose="02070309020205020404" pitchFamily="49" charset="0"/>
+              </a:rPr>
+              <a:t>glutaredoxin</a:t>
+            </a:r>
+            <a:r>
+              <a:rPr lang="en-US" sz="1100" dirty="0">
+                <a:latin typeface="Courier New" panose="02070309020205020404" pitchFamily="49" charset="0"/>
+                <a:cs typeface="Courier New" panose="02070309020205020404" pitchFamily="49" charset="0"/>
+              </a:rPr>
+              <a:t> 3                                                                                  1</a:t>
+            </a:r>
+          </a:p>
+          <a:p>
+            <a:r>
+              <a:rPr lang="en-US" sz="1100" dirty="0">
+                <a:latin typeface="Courier New" panose="02070309020205020404" pitchFamily="49" charset="0"/>
+                <a:cs typeface="Courier New" panose="02070309020205020404" pitchFamily="49" charset="0"/>
+              </a:rPr>
+              <a:t>SDR family NAD(P)-dependent oxidoreductase                                                      1</a:t>
+            </a:r>
+          </a:p>
+          <a:p>
+            <a:r>
+              <a:rPr lang="en-US" sz="1100" dirty="0">
+                <a:latin typeface="Courier New" panose="02070309020205020404" pitchFamily="49" charset="0"/>
+                <a:cs typeface="Courier New" panose="02070309020205020404" pitchFamily="49" charset="0"/>
+              </a:rPr>
+              <a:t>NAD(P)H-quinone oxidoreductase subunit O                                                        1</a:t>
+            </a:r>
+          </a:p>
+          <a:p>
+            <a:r>
+              <a:rPr lang="en-US" sz="1100" dirty="0">
+                <a:latin typeface="Courier New" panose="02070309020205020404" pitchFamily="49" charset="0"/>
+                <a:cs typeface="Courier New" panose="02070309020205020404" pitchFamily="49" charset="0"/>
+              </a:rPr>
+              <a:t>transcriptional repressor                                                                       1</a:t>
+            </a:r>
+          </a:p>
+          <a:p>
+            <a:r>
+              <a:rPr lang="en-US" sz="1100" dirty="0">
+                <a:latin typeface="Courier New" panose="02070309020205020404" pitchFamily="49" charset="0"/>
+                <a:cs typeface="Courier New" panose="02070309020205020404" pitchFamily="49" charset="0"/>
+              </a:rPr>
+              <a:t>Pr2TM family membrane protein                                                                   1</a:t>
+            </a:r>
+          </a:p>
+          <a:p>
+            <a:r>
+              <a:rPr lang="en-US" sz="1100" dirty="0" err="1">
+                <a:latin typeface="Courier New" panose="02070309020205020404" pitchFamily="49" charset="0"/>
+                <a:cs typeface="Courier New" panose="02070309020205020404" pitchFamily="49" charset="0"/>
+              </a:rPr>
+              <a:t>CopG</a:t>
+            </a:r>
+            <a:r>
+              <a:rPr lang="en-US" sz="1100" dirty="0">
+                <a:latin typeface="Courier New" panose="02070309020205020404" pitchFamily="49" charset="0"/>
+                <a:cs typeface="Courier New" panose="02070309020205020404" pitchFamily="49" charset="0"/>
+              </a:rPr>
+              <a:t> family transcriptional regulator                                                           1</a:t>
+            </a:r>
+          </a:p>
+          <a:p>
+            <a:r>
+              <a:rPr lang="en-US" sz="1100" dirty="0">
+                <a:latin typeface="Courier New" panose="02070309020205020404" pitchFamily="49" charset="0"/>
+                <a:cs typeface="Courier New" panose="02070309020205020404" pitchFamily="49" charset="0"/>
+              </a:rPr>
+              <a:t>ATP-dependent </a:t>
+            </a:r>
+            <a:r>
+              <a:rPr lang="en-US" sz="1100" dirty="0" err="1">
+                <a:latin typeface="Courier New" panose="02070309020205020404" pitchFamily="49" charset="0"/>
+                <a:cs typeface="Courier New" panose="02070309020205020404" pitchFamily="49" charset="0"/>
+              </a:rPr>
+              <a:t>Clp</a:t>
+            </a:r>
+            <a:r>
+              <a:rPr lang="en-US" sz="1100" dirty="0">
+                <a:latin typeface="Courier New" panose="02070309020205020404" pitchFamily="49" charset="0"/>
+                <a:cs typeface="Courier New" panose="02070309020205020404" pitchFamily="49" charset="0"/>
+              </a:rPr>
+              <a:t> protease adapter </a:t>
+            </a:r>
+            <a:r>
+              <a:rPr lang="en-US" sz="1100" dirty="0" err="1">
+                <a:latin typeface="Courier New" panose="02070309020205020404" pitchFamily="49" charset="0"/>
+                <a:cs typeface="Courier New" panose="02070309020205020404" pitchFamily="49" charset="0"/>
+              </a:rPr>
+              <a:t>ClpS</a:t>
+            </a:r>
+            <a:r>
+              <a:rPr lang="en-US" sz="1100" dirty="0">
+                <a:latin typeface="Courier New" panose="02070309020205020404" pitchFamily="49" charset="0"/>
+                <a:cs typeface="Courier New" panose="02070309020205020404" pitchFamily="49" charset="0"/>
+              </a:rPr>
+              <a:t>                                                         1</a:t>
+            </a:r>
+          </a:p>
+          <a:p>
+            <a:r>
+              <a:rPr lang="en-US" sz="1100" dirty="0">
+                <a:latin typeface="Courier New" panose="02070309020205020404" pitchFamily="49" charset="0"/>
+                <a:cs typeface="Courier New" panose="02070309020205020404" pitchFamily="49" charset="0"/>
+              </a:rPr>
+              <a:t>RNA methyltransferase                                                                           1</a:t>
+            </a:r>
+          </a:p>
+          <a:p>
+            <a:r>
+              <a:rPr lang="en-US" sz="1100" dirty="0">
+                <a:latin typeface="Courier New" panose="02070309020205020404" pitchFamily="49" charset="0"/>
+                <a:cs typeface="Courier New" panose="02070309020205020404" pitchFamily="49" charset="0"/>
+              </a:rPr>
+              <a:t>DNA mismatch repair protein </a:t>
+            </a:r>
+            <a:r>
+              <a:rPr lang="en-US" sz="1100" dirty="0" err="1">
+                <a:latin typeface="Courier New" panose="02070309020205020404" pitchFamily="49" charset="0"/>
+                <a:cs typeface="Courier New" panose="02070309020205020404" pitchFamily="49" charset="0"/>
+              </a:rPr>
+              <a:t>MutS</a:t>
+            </a:r>
+            <a:r>
+              <a:rPr lang="en-US" sz="1100" dirty="0">
+                <a:latin typeface="Courier New" panose="02070309020205020404" pitchFamily="49" charset="0"/>
+                <a:cs typeface="Courier New" panose="02070309020205020404" pitchFamily="49" charset="0"/>
+              </a:rPr>
+              <a:t>                                                                1</a:t>
+            </a:r>
+          </a:p>
+          <a:p>
+            <a:r>
+              <a:rPr lang="en-US" sz="1100" dirty="0">
+                <a:latin typeface="Courier New" panose="02070309020205020404" pitchFamily="49" charset="0"/>
+                <a:cs typeface="Courier New" panose="02070309020205020404" pitchFamily="49" charset="0"/>
+              </a:rPr>
+              <a:t>pentapeptide repeat-containing protein                                                          1</a:t>
+            </a:r>
+          </a:p>
+          <a:p>
+            <a:r>
+              <a:rPr lang="en-US" sz="1100" dirty="0">
+                <a:latin typeface="Courier New" panose="02070309020205020404" pitchFamily="49" charset="0"/>
+                <a:cs typeface="Courier New" panose="02070309020205020404" pitchFamily="49" charset="0"/>
+              </a:rPr>
+              <a:t>16S rRNA (cytidine(1402)-2'-O)-methyltransferase                                                1</a:t>
+            </a:r>
+          </a:p>
+          <a:p>
+            <a:r>
+              <a:rPr lang="en-US" sz="1100" dirty="0">
+                <a:latin typeface="Courier New" panose="02070309020205020404" pitchFamily="49" charset="0"/>
+                <a:cs typeface="Courier New" panose="02070309020205020404" pitchFamily="49" charset="0"/>
+              </a:rPr>
+              <a:t>RNA recognition motif-containing protein                                                        1</a:t>
+            </a:r>
+          </a:p>
+          <a:p>
+            <a:r>
+              <a:rPr lang="en-US" sz="1100" dirty="0">
+                <a:latin typeface="Courier New" panose="02070309020205020404" pitchFamily="49" charset="0"/>
+                <a:cs typeface="Courier New" panose="02070309020205020404" pitchFamily="49" charset="0"/>
+              </a:rPr>
+              <a:t>sulfur carrier protein </a:t>
+            </a:r>
+            <a:r>
+              <a:rPr lang="en-US" sz="1100" dirty="0" err="1">
+                <a:latin typeface="Courier New" panose="02070309020205020404" pitchFamily="49" charset="0"/>
+                <a:cs typeface="Courier New" panose="02070309020205020404" pitchFamily="49" charset="0"/>
+              </a:rPr>
+              <a:t>ThiS</a:t>
+            </a:r>
+            <a:r>
+              <a:rPr lang="en-US" sz="1100" dirty="0">
+                <a:latin typeface="Courier New" panose="02070309020205020404" pitchFamily="49" charset="0"/>
+                <a:cs typeface="Courier New" panose="02070309020205020404" pitchFamily="49" charset="0"/>
+              </a:rPr>
+              <a:t>                                                                     1</a:t>
+            </a:r>
+          </a:p>
+          <a:p>
+            <a:r>
+              <a:rPr lang="en-US" sz="1100" dirty="0">
+                <a:latin typeface="Courier New" panose="02070309020205020404" pitchFamily="49" charset="0"/>
+                <a:cs typeface="Courier New" panose="02070309020205020404" pitchFamily="49" charset="0"/>
+              </a:rPr>
+              <a:t>rubredoxin                                                                                      1</a:t>
+            </a:r>
+          </a:p>
+          <a:p>
+            <a:r>
+              <a:rPr lang="en-US" sz="1100" dirty="0">
+                <a:latin typeface="Courier New" panose="02070309020205020404" pitchFamily="49" charset="0"/>
+                <a:cs typeface="Courier New" panose="02070309020205020404" pitchFamily="49" charset="0"/>
+              </a:rPr>
+              <a:t>4a-hydroxytetrahydrobiopterin dehydratase                                                       1</a:t>
+            </a:r>
+          </a:p>
+          <a:p>
+            <a:r>
+              <a:rPr lang="en-US" sz="1100" dirty="0">
+                <a:latin typeface="Courier New" panose="02070309020205020404" pitchFamily="49" charset="0"/>
+                <a:cs typeface="Courier New" panose="02070309020205020404" pitchFamily="49" charset="0"/>
+              </a:rPr>
+              <a:t>flagellar basal body rod protein                                                                1</a:t>
+            </a:r>
+          </a:p>
+          <a:p>
+            <a:r>
+              <a:rPr lang="en-US" sz="1100" dirty="0">
+                <a:latin typeface="Courier New" panose="02070309020205020404" pitchFamily="49" charset="0"/>
+                <a:cs typeface="Courier New" panose="02070309020205020404" pitchFamily="49" charset="0"/>
+              </a:rPr>
+              <a:t>HU family DNA-binding protein                                                                   1</a:t>
+            </a:r>
+          </a:p>
+          <a:p>
+            <a:r>
+              <a:rPr lang="en-US" sz="1100" dirty="0">
+                <a:latin typeface="Courier New" panose="02070309020205020404" pitchFamily="49" charset="0"/>
+                <a:cs typeface="Courier New" panose="02070309020205020404" pitchFamily="49" charset="0"/>
+              </a:rPr>
+              <a:t>NAD(P)-dependent oxidoreductase                                                                 1</a:t>
+            </a:r>
+          </a:p>
+          <a:p>
+            <a:r>
+              <a:rPr lang="en-US" sz="1100" dirty="0">
+                <a:latin typeface="Courier New" panose="02070309020205020404" pitchFamily="49" charset="0"/>
+                <a:cs typeface="Courier New" panose="02070309020205020404" pitchFamily="49" charset="0"/>
+              </a:rPr>
+              <a:t>FADH(2)-oxidizing methylenetetrahydrofolate--tRNA-(uracil(54)-C(5))- methyltransferase </a:t>
+            </a:r>
+            <a:r>
+              <a:rPr lang="en-US" sz="1100" dirty="0" err="1">
+                <a:latin typeface="Courier New" panose="02070309020205020404" pitchFamily="49" charset="0"/>
+                <a:cs typeface="Courier New" panose="02070309020205020404" pitchFamily="49" charset="0"/>
+              </a:rPr>
+              <a:t>TrmFO</a:t>
+            </a:r>
+            <a:r>
+              <a:rPr lang="en-US" sz="1100" dirty="0">
+                <a:latin typeface="Courier New" panose="02070309020205020404" pitchFamily="49" charset="0"/>
+                <a:cs typeface="Courier New" panose="02070309020205020404" pitchFamily="49" charset="0"/>
+              </a:rPr>
+              <a:t>    1</a:t>
+            </a:r>
+          </a:p>
+          <a:p>
+            <a:r>
+              <a:rPr lang="en-US" sz="1100" dirty="0" err="1">
+                <a:latin typeface="Courier New" panose="02070309020205020404" pitchFamily="49" charset="0"/>
+                <a:cs typeface="Courier New" panose="02070309020205020404" pitchFamily="49" charset="0"/>
+              </a:rPr>
+              <a:t>carboxysome</a:t>
+            </a:r>
+            <a:r>
+              <a:rPr lang="en-US" sz="1100" dirty="0">
+                <a:latin typeface="Courier New" panose="02070309020205020404" pitchFamily="49" charset="0"/>
+                <a:cs typeface="Courier New" panose="02070309020205020404" pitchFamily="49" charset="0"/>
+              </a:rPr>
+              <a:t> peptide A                                                                           1</a:t>
+            </a:r>
+          </a:p>
+          <a:p>
+            <a:r>
+              <a:rPr lang="en-US" sz="1100" dirty="0">
+                <a:latin typeface="Courier New" panose="02070309020205020404" pitchFamily="49" charset="0"/>
+                <a:cs typeface="Courier New" panose="02070309020205020404" pitchFamily="49" charset="0"/>
+              </a:rPr>
+              <a:t>chlororespiratory reduction protein 7                                                           1</a:t>
+            </a:r>
+          </a:p>
+          <a:p>
+            <a:r>
+              <a:rPr lang="en-US" sz="1100" dirty="0">
+                <a:latin typeface="Courier New" panose="02070309020205020404" pitchFamily="49" charset="0"/>
+                <a:cs typeface="Courier New" panose="02070309020205020404" pitchFamily="49" charset="0"/>
+              </a:rPr>
+              <a:t>Asp-tRNA(</a:t>
+            </a:r>
+            <a:r>
+              <a:rPr lang="en-US" sz="1100" dirty="0" err="1">
+                <a:latin typeface="Courier New" panose="02070309020205020404" pitchFamily="49" charset="0"/>
+                <a:cs typeface="Courier New" panose="02070309020205020404" pitchFamily="49" charset="0"/>
+              </a:rPr>
+              <a:t>Asn</a:t>
+            </a:r>
+            <a:r>
+              <a:rPr lang="en-US" sz="1100" dirty="0">
+                <a:latin typeface="Courier New" panose="02070309020205020404" pitchFamily="49" charset="0"/>
+                <a:cs typeface="Courier New" panose="02070309020205020404" pitchFamily="49" charset="0"/>
+              </a:rPr>
+              <a:t>)/Glu-tRNA(</a:t>
+            </a:r>
+            <a:r>
+              <a:rPr lang="en-US" sz="1100" dirty="0" err="1">
+                <a:latin typeface="Courier New" panose="02070309020205020404" pitchFamily="49" charset="0"/>
+                <a:cs typeface="Courier New" panose="02070309020205020404" pitchFamily="49" charset="0"/>
+              </a:rPr>
+              <a:t>Gln</a:t>
+            </a:r>
+            <a:r>
+              <a:rPr lang="en-US" sz="1100" dirty="0">
+                <a:latin typeface="Courier New" panose="02070309020205020404" pitchFamily="49" charset="0"/>
+                <a:cs typeface="Courier New" panose="02070309020205020404" pitchFamily="49" charset="0"/>
+              </a:rPr>
+              <a:t>) </a:t>
+            </a:r>
+            <a:r>
+              <a:rPr lang="en-US" sz="1100" dirty="0" err="1">
+                <a:latin typeface="Courier New" panose="02070309020205020404" pitchFamily="49" charset="0"/>
+                <a:cs typeface="Courier New" panose="02070309020205020404" pitchFamily="49" charset="0"/>
+              </a:rPr>
+              <a:t>amidotransferase</a:t>
+            </a:r>
+            <a:r>
+              <a:rPr lang="en-US" sz="1100" dirty="0">
+                <a:latin typeface="Courier New" panose="02070309020205020404" pitchFamily="49" charset="0"/>
+                <a:cs typeface="Courier New" panose="02070309020205020404" pitchFamily="49" charset="0"/>
+              </a:rPr>
+              <a:t> subunit </a:t>
+            </a:r>
+            <a:r>
+              <a:rPr lang="en-US" sz="1100" dirty="0" err="1">
+                <a:latin typeface="Courier New" panose="02070309020205020404" pitchFamily="49" charset="0"/>
+                <a:cs typeface="Courier New" panose="02070309020205020404" pitchFamily="49" charset="0"/>
+              </a:rPr>
+              <a:t>GatC</a:t>
+            </a:r>
+            <a:r>
+              <a:rPr lang="en-US" sz="1100" dirty="0">
+                <a:latin typeface="Courier New" panose="02070309020205020404" pitchFamily="49" charset="0"/>
+                <a:cs typeface="Courier New" panose="02070309020205020404" pitchFamily="49" charset="0"/>
+              </a:rPr>
+              <a:t>                                       1</a:t>
+            </a:r>
+          </a:p>
+          <a:p>
+            <a:r>
+              <a:rPr lang="en-US" sz="1100" dirty="0" err="1">
+                <a:latin typeface="Courier New" panose="02070309020205020404" pitchFamily="49" charset="0"/>
+                <a:cs typeface="Courier New" panose="02070309020205020404" pitchFamily="49" charset="0"/>
+              </a:rPr>
+              <a:t>cupin</a:t>
+            </a:r>
+            <a:r>
+              <a:rPr lang="en-US" sz="1100" dirty="0">
+                <a:latin typeface="Courier New" panose="02070309020205020404" pitchFamily="49" charset="0"/>
+                <a:cs typeface="Courier New" panose="02070309020205020404" pitchFamily="49" charset="0"/>
+              </a:rPr>
+              <a:t> domain-containing protein                                                                 1</a:t>
+            </a:r>
+            <a:endParaRPr lang="LID4096" sz="1100" dirty="0">
+              <a:latin typeface="Courier New" panose="02070309020205020404" pitchFamily="49" charset="0"/>
+              <a:cs typeface="Courier New" panose="02070309020205020404" pitchFamily="49" charset="0"/>
+            </a:endParaRPr>
+          </a:p>
+        </p:txBody>
+      </p:sp>
+    </p:spTree>
+    <p:extLst>
+      <p:ext uri="{BB962C8B-B14F-4D97-AF65-F5344CB8AC3E}">
+        <p14:creationId xmlns:p14="http://schemas.microsoft.com/office/powerpoint/2010/main" val="4048339804"/>
+      </p:ext>
+    </p:extLst>
+  </p:cSld>
+  <p:clrMapOvr>
+    <a:masterClrMapping/>
+  </p:clrMapOvr>
+</p:sld>
+</file>
+
 <file path=ppt/slides/slide2.xml><?xml version="1.0" encoding="utf-8"?>
 <p:sld xmlns:a="http://schemas.openxmlformats.org/drawingml/2006/main" xmlns:r="http://schemas.openxmlformats.org/officeDocument/2006/relationships" xmlns:p="http://schemas.openxmlformats.org/presentationml/2006/main">
   <p:cSld>
@@ -4422,6 +8117,1795 @@
 <file path=ppt/slides/slide5.xml><?xml version="1.0" encoding="utf-8"?>
 <p:sld xmlns:a="http://schemas.openxmlformats.org/drawingml/2006/main" xmlns:r="http://schemas.openxmlformats.org/officeDocument/2006/relationships" xmlns:p="http://schemas.openxmlformats.org/presentationml/2006/main">
   <p:cSld>
+    <p:bg>
+      <p:bgPr>
+        <a:solidFill>
+          <a:schemeClr val="bg1"/>
+        </a:solidFill>
+        <a:effectLst/>
+      </p:bgPr>
+    </p:bg>
+    <p:spTree>
+      <p:nvGrpSpPr>
+        <p:cNvPr id="1" name=""/>
+        <p:cNvGrpSpPr/>
+        <p:nvPr/>
+      </p:nvGrpSpPr>
+      <p:grpSpPr>
+        <a:xfrm>
+          <a:off x="0" y="0"/>
+          <a:ext cx="0" cy="0"/>
+          <a:chOff x="0" y="0"/>
+          <a:chExt cx="0" cy="0"/>
+        </a:xfrm>
+      </p:grpSpPr>
+      <p:sp>
+        <p:nvSpPr>
+          <p:cNvPr id="7" name="Rectangle 6">
+            <a:extLst>
+              <a:ext uri="{FF2B5EF4-FFF2-40B4-BE49-F238E27FC236}">
+                <a16:creationId xmlns:a16="http://schemas.microsoft.com/office/drawing/2014/main" id="{B9FF99BD-075F-4761-A995-6FC574BD25EA}"/>
+              </a:ext>
+              <a:ext uri="{C183D7F6-B498-43B3-948B-1728B52AA6E4}">
+                <adec:decorative xmlns:adec="http://schemas.microsoft.com/office/drawing/2017/decorative" val="1"/>
+              </a:ext>
+            </a:extLst>
+          </p:cNvPr>
+          <p:cNvSpPr>
+            <a:spLocks noGrp="1" noRot="1" noChangeAspect="1" noMove="1" noResize="1" noEditPoints="1" noAdjustHandles="1" noChangeArrowheads="1" noChangeShapeType="1" noTextEdit="1"/>
+          </p:cNvSpPr>
+          <p:nvPr>
+            <p:extLst>
+              <p:ext uri="{386F3935-93C4-4BCD-93E2-E3B085C9AB24}">
+                <p16:designElem xmlns:p16="http://schemas.microsoft.com/office/powerpoint/2015/main" val="1"/>
+              </p:ext>
+            </p:extLst>
+          </p:nvPr>
+        </p:nvSpPr>
+        <p:spPr>
+          <a:xfrm>
+            <a:off x="0" y="0"/>
+            <a:ext cx="12192000" cy="6858000"/>
+          </a:xfrm>
+          <a:prstGeom prst="rect">
+            <a:avLst/>
+          </a:prstGeom>
+          <a:solidFill>
+            <a:schemeClr val="bg1">
+              <a:lumMod val="65000"/>
+            </a:schemeClr>
+          </a:solidFill>
+          <a:ln>
+            <a:noFill/>
+          </a:ln>
+        </p:spPr>
+        <p:style>
+          <a:lnRef idx="2">
+            <a:schemeClr val="accent1">
+              <a:shade val="50000"/>
+            </a:schemeClr>
+          </a:lnRef>
+          <a:fillRef idx="1">
+            <a:schemeClr val="accent1"/>
+          </a:fillRef>
+          <a:effectRef idx="0">
+            <a:schemeClr val="accent1"/>
+          </a:effectRef>
+          <a:fontRef idx="minor">
+            <a:schemeClr val="lt1"/>
+          </a:fontRef>
+        </p:style>
+        <p:txBody>
+          <a:bodyPr rtlCol="0" anchor="ctr"/>
+          <a:lstStyle/>
+          <a:p>
+            <a:pPr algn="ctr"/>
+            <a:endParaRPr lang="en-US"/>
+          </a:p>
+        </p:txBody>
+      </p:sp>
+      <p:sp>
+        <p:nvSpPr>
+          <p:cNvPr id="9" name="Rectangle 8">
+            <a:extLst>
+              <a:ext uri="{FF2B5EF4-FFF2-40B4-BE49-F238E27FC236}">
+                <a16:creationId xmlns:a16="http://schemas.microsoft.com/office/drawing/2014/main" id="{A7B21A54-9BA3-4EA9-B460-5A829ADD9051}"/>
+              </a:ext>
+              <a:ext uri="{C183D7F6-B498-43B3-948B-1728B52AA6E4}">
+                <adec:decorative xmlns:adec="http://schemas.microsoft.com/office/drawing/2017/decorative" val="1"/>
+              </a:ext>
+            </a:extLst>
+          </p:cNvPr>
+          <p:cNvSpPr>
+            <a:spLocks noGrp="1" noRot="1" noChangeAspect="1" noMove="1" noResize="1" noEditPoints="1" noAdjustHandles="1" noChangeArrowheads="1" noChangeShapeType="1" noTextEdit="1"/>
+          </p:cNvSpPr>
+          <p:nvPr>
+            <p:extLst>
+              <p:ext uri="{386F3935-93C4-4BCD-93E2-E3B085C9AB24}">
+                <p16:designElem xmlns:p16="http://schemas.microsoft.com/office/powerpoint/2015/main" val="1"/>
+              </p:ext>
+            </p:extLst>
+          </p:nvPr>
+        </p:nvSpPr>
+        <p:spPr>
+          <a:xfrm>
+            <a:off x="477012" y="480060"/>
+            <a:ext cx="11237976" cy="5897880"/>
+          </a:xfrm>
+          <a:prstGeom prst="rect">
+            <a:avLst/>
+          </a:prstGeom>
+          <a:noFill/>
+          <a:ln>
+            <a:solidFill>
+              <a:schemeClr val="bg1"/>
+            </a:solidFill>
+          </a:ln>
+        </p:spPr>
+        <p:style>
+          <a:lnRef idx="2">
+            <a:schemeClr val="accent1">
+              <a:shade val="50000"/>
+            </a:schemeClr>
+          </a:lnRef>
+          <a:fillRef idx="1">
+            <a:schemeClr val="accent1"/>
+          </a:fillRef>
+          <a:effectRef idx="0">
+            <a:schemeClr val="accent1"/>
+          </a:effectRef>
+          <a:fontRef idx="minor">
+            <a:schemeClr val="lt1"/>
+          </a:fontRef>
+        </p:style>
+        <p:txBody>
+          <a:bodyPr rtlCol="0" anchor="ctr"/>
+          <a:lstStyle/>
+          <a:p>
+            <a:pPr algn="ctr"/>
+            <a:endParaRPr lang="en-US"/>
+          </a:p>
+        </p:txBody>
+      </p:sp>
+      <p:sp>
+        <p:nvSpPr>
+          <p:cNvPr id="11" name="Rectangle 10">
+            <a:extLst>
+              <a:ext uri="{FF2B5EF4-FFF2-40B4-BE49-F238E27FC236}">
+                <a16:creationId xmlns:a16="http://schemas.microsoft.com/office/drawing/2014/main" id="{6FA8F714-B9D8-488A-8CCA-E9948FF913A9}"/>
+              </a:ext>
+              <a:ext uri="{C183D7F6-B498-43B3-948B-1728B52AA6E4}">
+                <adec:decorative xmlns:adec="http://schemas.microsoft.com/office/drawing/2017/decorative" val="1"/>
+              </a:ext>
+            </a:extLst>
+          </p:cNvPr>
+          <p:cNvSpPr>
+            <a:spLocks noGrp="1" noRot="1" noChangeAspect="1" noMove="1" noResize="1" noEditPoints="1" noAdjustHandles="1" noChangeArrowheads="1" noChangeShapeType="1" noTextEdit="1"/>
+          </p:cNvSpPr>
+          <p:nvPr>
+            <p:extLst>
+              <p:ext uri="{386F3935-93C4-4BCD-93E2-E3B085C9AB24}">
+                <p16:designElem xmlns:p16="http://schemas.microsoft.com/office/powerpoint/2015/main" val="1"/>
+              </p:ext>
+            </p:extLst>
+          </p:nvPr>
+        </p:nvSpPr>
+        <p:spPr>
+          <a:xfrm>
+            <a:off x="643466" y="643468"/>
+            <a:ext cx="10905067" cy="5571066"/>
+          </a:xfrm>
+          <a:prstGeom prst="rect">
+            <a:avLst/>
+          </a:prstGeom>
+          <a:solidFill>
+            <a:srgbClr val="FFFFFF"/>
+          </a:solidFill>
+          <a:ln>
+            <a:noFill/>
+          </a:ln>
+        </p:spPr>
+        <p:style>
+          <a:lnRef idx="2">
+            <a:schemeClr val="accent1">
+              <a:shade val="50000"/>
+            </a:schemeClr>
+          </a:lnRef>
+          <a:fillRef idx="1">
+            <a:schemeClr val="accent1"/>
+          </a:fillRef>
+          <a:effectRef idx="0">
+            <a:schemeClr val="accent1"/>
+          </a:effectRef>
+          <a:fontRef idx="minor">
+            <a:schemeClr val="lt1"/>
+          </a:fontRef>
+        </p:style>
+        <p:txBody>
+          <a:bodyPr rtlCol="0" anchor="ctr"/>
+          <a:lstStyle/>
+          <a:p>
+            <a:pPr algn="ctr"/>
+            <a:endParaRPr lang="en-US"/>
+          </a:p>
+        </p:txBody>
+      </p:sp>
+      <p:graphicFrame>
+        <p:nvGraphicFramePr>
+          <p:cNvPr id="2" name="Table 1">
+            <a:extLst>
+              <a:ext uri="{FF2B5EF4-FFF2-40B4-BE49-F238E27FC236}">
+                <a16:creationId xmlns:a16="http://schemas.microsoft.com/office/drawing/2014/main" id="{1C54CD33-0408-4B9D-ADE7-DDD4712ACD8D}"/>
+              </a:ext>
+            </a:extLst>
+          </p:cNvPr>
+          <p:cNvGraphicFramePr>
+            <a:graphicFrameLocks noGrp="1"/>
+          </p:cNvGraphicFramePr>
+          <p:nvPr>
+            <p:extLst>
+              <p:ext uri="{D42A27DB-BD31-4B8C-83A1-F6EECF244321}">
+                <p14:modId xmlns:p14="http://schemas.microsoft.com/office/powerpoint/2010/main" val="213701351"/>
+              </p:ext>
+            </p:extLst>
+          </p:nvPr>
+        </p:nvGraphicFramePr>
+        <p:xfrm>
+          <a:off x="1120475" y="1540553"/>
+          <a:ext cx="8076276" cy="4279133"/>
+        </p:xfrm>
+        <a:graphic>
+          <a:graphicData uri="http://schemas.openxmlformats.org/drawingml/2006/table">
+            <a:tbl>
+              <a:tblPr firstRow="1">
+                <a:tableStyleId>{FABFCF23-3B69-468F-B69F-88F6DE6A72F2}</a:tableStyleId>
+              </a:tblPr>
+              <a:tblGrid>
+                <a:gridCol w="1505875">
+                  <a:extLst>
+                    <a:ext uri="{9D8B030D-6E8A-4147-A177-3AD203B41FA5}">
+                      <a16:colId xmlns:a16="http://schemas.microsoft.com/office/drawing/2014/main" val="324256236"/>
+                    </a:ext>
+                  </a:extLst>
+                </a:gridCol>
+                <a:gridCol w="4976916">
+                  <a:extLst>
+                    <a:ext uri="{9D8B030D-6E8A-4147-A177-3AD203B41FA5}">
+                      <a16:colId xmlns:a16="http://schemas.microsoft.com/office/drawing/2014/main" val="3678386256"/>
+                    </a:ext>
+                  </a:extLst>
+                </a:gridCol>
+                <a:gridCol w="935047">
+                  <a:extLst>
+                    <a:ext uri="{9D8B030D-6E8A-4147-A177-3AD203B41FA5}">
+                      <a16:colId xmlns:a16="http://schemas.microsoft.com/office/drawing/2014/main" val="3389067536"/>
+                    </a:ext>
+                  </a:extLst>
+                </a:gridCol>
+                <a:gridCol w="658438">
+                  <a:extLst>
+                    <a:ext uri="{9D8B030D-6E8A-4147-A177-3AD203B41FA5}">
+                      <a16:colId xmlns:a16="http://schemas.microsoft.com/office/drawing/2014/main" val="1788224193"/>
+                    </a:ext>
+                  </a:extLst>
+                </a:gridCol>
+              </a:tblGrid>
+              <a:tr h="380316">
+                <a:tc>
+                  <a:txBody>
+                    <a:bodyPr/>
+                    <a:lstStyle/>
+                    <a:p>
+                      <a:pPr algn="ctr" fontAlgn="ctr"/>
+                      <a:r>
+                        <a:rPr lang="en-US" sz="1800" u="none" strike="noStrike">
+                          <a:effectLst/>
+                        </a:rPr>
+                        <a:t>family</a:t>
+                      </a:r>
+                      <a:endParaRPr lang="en-US" sz="1800" b="1" i="0" u="none" strike="noStrike">
+                        <a:solidFill>
+                          <a:srgbClr val="000000"/>
+                        </a:solidFill>
+                        <a:effectLst/>
+                        <a:latin typeface="Calibri" panose="020F0502020204030204" pitchFamily="34" charset="0"/>
+                      </a:endParaRPr>
+                    </a:p>
+                  </a:txBody>
+                  <a:tcPr marL="4868" marR="4868" marT="4868" marB="0" anchor="ctr"/>
+                </a:tc>
+                <a:tc>
+                  <a:txBody>
+                    <a:bodyPr/>
+                    <a:lstStyle/>
+                    <a:p>
+                      <a:pPr algn="ctr" fontAlgn="ctr"/>
+                      <a:r>
+                        <a:rPr lang="en-US" sz="1800" u="none" strike="noStrike" dirty="0">
+                          <a:effectLst/>
+                        </a:rPr>
+                        <a:t>function</a:t>
+                      </a:r>
+                      <a:endParaRPr lang="en-US" sz="1800" b="1" i="0" u="none" strike="noStrike" dirty="0">
+                        <a:solidFill>
+                          <a:srgbClr val="000000"/>
+                        </a:solidFill>
+                        <a:effectLst/>
+                        <a:latin typeface="Calibri" panose="020F0502020204030204" pitchFamily="34" charset="0"/>
+                      </a:endParaRPr>
+                    </a:p>
+                  </a:txBody>
+                  <a:tcPr marL="4868" marR="4868" marT="4868" marB="0" anchor="ctr"/>
+                </a:tc>
+                <a:tc>
+                  <a:txBody>
+                    <a:bodyPr/>
+                    <a:lstStyle/>
+                    <a:p>
+                      <a:pPr algn="ctr" fontAlgn="ctr"/>
+                      <a:r>
+                        <a:rPr lang="en-IL" sz="1800" u="none" strike="noStrike" dirty="0">
+                          <a:effectLst/>
+                        </a:rPr>
+                        <a:t> </a:t>
+                      </a:r>
+                      <a:r>
+                        <a:rPr lang="en-US" sz="1800" u="none" strike="noStrike" dirty="0">
+                          <a:effectLst/>
+                        </a:rPr>
+                        <a:t>in </a:t>
+                      </a:r>
+                      <a:r>
+                        <a:rPr lang="en-US" sz="1800" u="none" strike="noStrike" dirty="0" err="1">
+                          <a:effectLst/>
+                        </a:rPr>
+                        <a:t>ncbi</a:t>
+                      </a:r>
+                      <a:endParaRPr lang="en-IL" sz="1800" b="1" i="0" u="none" strike="noStrike" dirty="0">
+                        <a:solidFill>
+                          <a:srgbClr val="000000"/>
+                        </a:solidFill>
+                        <a:effectLst/>
+                        <a:latin typeface="Calibri" panose="020F0502020204030204" pitchFamily="34" charset="0"/>
+                      </a:endParaRPr>
+                    </a:p>
+                  </a:txBody>
+                  <a:tcPr marL="4868" marR="4868" marT="4868" marB="0" anchor="ctr"/>
+                </a:tc>
+                <a:tc>
+                  <a:txBody>
+                    <a:bodyPr/>
+                    <a:lstStyle/>
+                    <a:p>
+                      <a:pPr algn="ctr" fontAlgn="ctr"/>
+                      <a:r>
+                        <a:rPr lang="en-US" sz="1800" u="none" strike="noStrike" dirty="0">
+                          <a:effectLst/>
+                        </a:rPr>
+                        <a:t>From ref</a:t>
+                      </a:r>
+                      <a:r>
+                        <a:rPr lang="en-IL" sz="1800" u="none" strike="noStrike" dirty="0">
+                          <a:effectLst/>
+                        </a:rPr>
+                        <a:t> </a:t>
+                      </a:r>
+                      <a:endParaRPr lang="en-IL" sz="1800" b="1" i="0" u="none" strike="noStrike" dirty="0">
+                        <a:solidFill>
+                          <a:srgbClr val="000000"/>
+                        </a:solidFill>
+                        <a:effectLst/>
+                        <a:latin typeface="Calibri" panose="020F0502020204030204" pitchFamily="34" charset="0"/>
+                      </a:endParaRPr>
+                    </a:p>
+                  </a:txBody>
+                  <a:tcPr marL="4868" marR="4868" marT="4868" marB="0" anchor="ctr"/>
+                </a:tc>
+                <a:extLst>
+                  <a:ext uri="{0D108BD9-81ED-4DB2-BD59-A6C34878D82A}">
+                    <a16:rowId xmlns:a16="http://schemas.microsoft.com/office/drawing/2014/main" val="130478615"/>
+                  </a:ext>
+                </a:extLst>
+              </a:tr>
+              <a:tr h="380316">
+                <a:tc>
+                  <a:txBody>
+                    <a:bodyPr/>
+                    <a:lstStyle/>
+                    <a:p>
+                      <a:pPr algn="ctr" fontAlgn="ctr"/>
+                      <a:r>
+                        <a:rPr lang="en-US" sz="1800" u="none" strike="noStrike" dirty="0">
+                          <a:effectLst/>
+                        </a:rPr>
+                        <a:t>ABC transporter</a:t>
+                      </a:r>
+                      <a:endParaRPr lang="en-US" sz="1800" b="1" i="0" u="none" strike="noStrike" dirty="0">
+                        <a:solidFill>
+                          <a:srgbClr val="000000"/>
+                        </a:solidFill>
+                        <a:effectLst/>
+                        <a:latin typeface="Calibri" panose="020F0502020204030204" pitchFamily="34" charset="0"/>
+                      </a:endParaRPr>
+                    </a:p>
+                  </a:txBody>
+                  <a:tcPr marL="4868" marR="4868" marT="4868" marB="0" anchor="ctr"/>
+                </a:tc>
+                <a:tc>
+                  <a:txBody>
+                    <a:bodyPr/>
+                    <a:lstStyle/>
+                    <a:p>
+                      <a:pPr algn="ctr" fontAlgn="ctr"/>
+                      <a:r>
+                        <a:rPr lang="en-US" sz="1800" u="none" strike="noStrike">
+                          <a:effectLst/>
+                        </a:rPr>
+                        <a:t>ATP-binding cassette domain-containing protein</a:t>
+                      </a:r>
+                      <a:endParaRPr lang="en-US" sz="1800" b="1" i="0" u="none" strike="noStrike">
+                        <a:solidFill>
+                          <a:srgbClr val="000000"/>
+                        </a:solidFill>
+                        <a:effectLst/>
+                        <a:latin typeface="Calibri" panose="020F0502020204030204" pitchFamily="34" charset="0"/>
+                      </a:endParaRPr>
+                    </a:p>
+                  </a:txBody>
+                  <a:tcPr marL="4868" marR="4868" marT="4868" marB="0" anchor="ctr"/>
+                </a:tc>
+                <a:tc>
+                  <a:txBody>
+                    <a:bodyPr/>
+                    <a:lstStyle/>
+                    <a:p>
+                      <a:pPr algn="r" fontAlgn="ctr"/>
+                      <a:r>
+                        <a:rPr lang="en-IL" sz="1800" u="none" strike="noStrike">
+                          <a:effectLst/>
+                        </a:rPr>
+                        <a:t>1</a:t>
+                      </a:r>
+                      <a:endParaRPr lang="en-IL" sz="1800" b="0" i="0" u="none" strike="noStrike">
+                        <a:solidFill>
+                          <a:srgbClr val="000000"/>
+                        </a:solidFill>
+                        <a:effectLst/>
+                        <a:latin typeface="Calibri" panose="020F0502020204030204" pitchFamily="34" charset="0"/>
+                      </a:endParaRPr>
+                    </a:p>
+                  </a:txBody>
+                  <a:tcPr marL="4868" marR="4868" marT="4868" marB="0" anchor="ctr"/>
+                </a:tc>
+                <a:tc>
+                  <a:txBody>
+                    <a:bodyPr/>
+                    <a:lstStyle/>
+                    <a:p>
+                      <a:pPr algn="r" fontAlgn="ctr"/>
+                      <a:r>
+                        <a:rPr lang="en-IL" sz="1800" u="none" strike="noStrike" dirty="0">
+                          <a:effectLst/>
+                        </a:rPr>
+                        <a:t>1</a:t>
+                      </a:r>
+                      <a:endParaRPr lang="en-IL" sz="1800" b="0" i="0" u="none" strike="noStrike" dirty="0">
+                        <a:solidFill>
+                          <a:srgbClr val="000000"/>
+                        </a:solidFill>
+                        <a:effectLst/>
+                        <a:latin typeface="Calibri" panose="020F0502020204030204" pitchFamily="34" charset="0"/>
+                      </a:endParaRPr>
+                    </a:p>
+                  </a:txBody>
+                  <a:tcPr marL="4868" marR="4868" marT="4868" marB="0" anchor="ctr"/>
+                </a:tc>
+                <a:extLst>
+                  <a:ext uri="{0D108BD9-81ED-4DB2-BD59-A6C34878D82A}">
+                    <a16:rowId xmlns:a16="http://schemas.microsoft.com/office/drawing/2014/main" val="3118831635"/>
+                  </a:ext>
+                </a:extLst>
+              </a:tr>
+              <a:tr h="380316">
+                <a:tc rowSpan="2">
+                  <a:txBody>
+                    <a:bodyPr/>
+                    <a:lstStyle/>
+                    <a:p>
+                      <a:pPr algn="ctr" fontAlgn="t"/>
+                      <a:r>
+                        <a:rPr lang="en-US" sz="1800" u="none" strike="noStrike" dirty="0">
+                          <a:effectLst/>
+                        </a:rPr>
+                        <a:t>CCRG-1</a:t>
+                      </a:r>
+                      <a:endParaRPr lang="en-US" sz="1800" b="1" i="0" u="none" strike="noStrike" dirty="0">
+                        <a:solidFill>
+                          <a:srgbClr val="000000"/>
+                        </a:solidFill>
+                        <a:effectLst/>
+                        <a:latin typeface="Calibri" panose="020F0502020204030204" pitchFamily="34" charset="0"/>
+                      </a:endParaRPr>
+                    </a:p>
+                  </a:txBody>
+                  <a:tcPr marL="4868" marR="4868" marT="4868" marB="0">
+                    <a:solidFill>
+                      <a:schemeClr val="accent1">
+                        <a:lumMod val="20000"/>
+                        <a:lumOff val="80000"/>
+                      </a:schemeClr>
+                    </a:solidFill>
+                  </a:tcPr>
+                </a:tc>
+                <a:tc>
+                  <a:txBody>
+                    <a:bodyPr/>
+                    <a:lstStyle/>
+                    <a:p>
+                      <a:pPr algn="ctr" fontAlgn="ctr"/>
+                      <a:r>
+                        <a:rPr lang="en-US" sz="1800" u="none" strike="noStrike" dirty="0">
+                          <a:effectLst/>
+                        </a:rPr>
+                        <a:t>guanylate-binding protein</a:t>
+                      </a:r>
+                      <a:endParaRPr lang="en-US" sz="1800" b="1" i="0" u="none" strike="noStrike" dirty="0">
+                        <a:solidFill>
+                          <a:srgbClr val="000000"/>
+                        </a:solidFill>
+                        <a:effectLst/>
+                        <a:latin typeface="Calibri" panose="020F0502020204030204" pitchFamily="34" charset="0"/>
+                      </a:endParaRPr>
+                    </a:p>
+                  </a:txBody>
+                  <a:tcPr marL="4868" marR="4868" marT="4868" marB="0" anchor="ctr">
+                    <a:solidFill>
+                      <a:schemeClr val="accent1">
+                        <a:lumMod val="20000"/>
+                        <a:lumOff val="80000"/>
+                      </a:schemeClr>
+                    </a:solidFill>
+                  </a:tcPr>
+                </a:tc>
+                <a:tc>
+                  <a:txBody>
+                    <a:bodyPr/>
+                    <a:lstStyle/>
+                    <a:p>
+                      <a:pPr algn="r" fontAlgn="ctr"/>
+                      <a:r>
+                        <a:rPr lang="en-IL" sz="1800" u="none" strike="noStrike">
+                          <a:effectLst/>
+                        </a:rPr>
+                        <a:t>1</a:t>
+                      </a:r>
+                      <a:endParaRPr lang="en-IL" sz="1800" b="0" i="0" u="none" strike="noStrike">
+                        <a:solidFill>
+                          <a:srgbClr val="000000"/>
+                        </a:solidFill>
+                        <a:effectLst/>
+                        <a:latin typeface="Calibri" panose="020F0502020204030204" pitchFamily="34" charset="0"/>
+                      </a:endParaRPr>
+                    </a:p>
+                  </a:txBody>
+                  <a:tcPr marL="4868" marR="4868" marT="4868" marB="0" anchor="ctr">
+                    <a:solidFill>
+                      <a:schemeClr val="accent1">
+                        <a:lumMod val="20000"/>
+                        <a:lumOff val="80000"/>
+                      </a:schemeClr>
+                    </a:solidFill>
+                  </a:tcPr>
+                </a:tc>
+                <a:tc>
+                  <a:txBody>
+                    <a:bodyPr/>
+                    <a:lstStyle/>
+                    <a:p>
+                      <a:pPr algn="r" fontAlgn="ctr"/>
+                      <a:r>
+                        <a:rPr lang="en-IL" sz="1800" u="none" strike="noStrike">
+                          <a:effectLst/>
+                        </a:rPr>
+                        <a:t>1</a:t>
+                      </a:r>
+                      <a:endParaRPr lang="en-IL" sz="1800" b="0" i="0" u="none" strike="noStrike">
+                        <a:solidFill>
+                          <a:srgbClr val="000000"/>
+                        </a:solidFill>
+                        <a:effectLst/>
+                        <a:latin typeface="Calibri" panose="020F0502020204030204" pitchFamily="34" charset="0"/>
+                      </a:endParaRPr>
+                    </a:p>
+                  </a:txBody>
+                  <a:tcPr marL="4868" marR="4868" marT="4868" marB="0" anchor="ctr">
+                    <a:solidFill>
+                      <a:schemeClr val="accent1">
+                        <a:lumMod val="20000"/>
+                        <a:lumOff val="80000"/>
+                      </a:schemeClr>
+                    </a:solidFill>
+                  </a:tcPr>
+                </a:tc>
+                <a:extLst>
+                  <a:ext uri="{0D108BD9-81ED-4DB2-BD59-A6C34878D82A}">
+                    <a16:rowId xmlns:a16="http://schemas.microsoft.com/office/drawing/2014/main" val="1880595121"/>
+                  </a:ext>
+                </a:extLst>
+              </a:tr>
+              <a:tr h="380316">
+                <a:tc vMerge="1">
+                  <a:txBody>
+                    <a:bodyPr/>
+                    <a:lstStyle/>
+                    <a:p>
+                      <a:endParaRPr lang="LID4096"/>
+                    </a:p>
+                  </a:txBody>
+                  <a:tcPr/>
+                </a:tc>
+                <a:tc>
+                  <a:txBody>
+                    <a:bodyPr/>
+                    <a:lstStyle/>
+                    <a:p>
+                      <a:pPr algn="ctr" fontAlgn="ctr"/>
+                      <a:r>
+                        <a:rPr lang="en-US" sz="1800" u="none" strike="noStrike" dirty="0">
+                          <a:effectLst/>
+                        </a:rPr>
+                        <a:t>hypothetical protein</a:t>
+                      </a:r>
+                      <a:endParaRPr lang="en-US" sz="1800" b="1" i="0" u="none" strike="noStrike" dirty="0">
+                        <a:solidFill>
+                          <a:srgbClr val="000000"/>
+                        </a:solidFill>
+                        <a:effectLst/>
+                        <a:latin typeface="Calibri" panose="020F0502020204030204" pitchFamily="34" charset="0"/>
+                      </a:endParaRPr>
+                    </a:p>
+                  </a:txBody>
+                  <a:tcPr marL="4868" marR="4868" marT="4868" marB="0" anchor="ctr">
+                    <a:solidFill>
+                      <a:schemeClr val="accent1">
+                        <a:lumMod val="20000"/>
+                        <a:lumOff val="80000"/>
+                      </a:schemeClr>
+                    </a:solidFill>
+                  </a:tcPr>
+                </a:tc>
+                <a:tc>
+                  <a:txBody>
+                    <a:bodyPr/>
+                    <a:lstStyle/>
+                    <a:p>
+                      <a:pPr algn="r" fontAlgn="ctr"/>
+                      <a:r>
+                        <a:rPr lang="en-IL" sz="1800" u="none" strike="noStrike" dirty="0">
+                          <a:effectLst/>
+                        </a:rPr>
+                        <a:t>2</a:t>
+                      </a:r>
+                      <a:endParaRPr lang="en-IL" sz="1800" b="0" i="0" u="none" strike="noStrike" dirty="0">
+                        <a:solidFill>
+                          <a:srgbClr val="000000"/>
+                        </a:solidFill>
+                        <a:effectLst/>
+                        <a:latin typeface="Calibri" panose="020F0502020204030204" pitchFamily="34" charset="0"/>
+                      </a:endParaRPr>
+                    </a:p>
+                  </a:txBody>
+                  <a:tcPr marL="4868" marR="4868" marT="4868" marB="0" anchor="ctr">
+                    <a:solidFill>
+                      <a:schemeClr val="accent1">
+                        <a:lumMod val="20000"/>
+                        <a:lumOff val="80000"/>
+                      </a:schemeClr>
+                    </a:solidFill>
+                  </a:tcPr>
+                </a:tc>
+                <a:tc>
+                  <a:txBody>
+                    <a:bodyPr/>
+                    <a:lstStyle/>
+                    <a:p>
+                      <a:pPr algn="r" fontAlgn="ctr"/>
+                      <a:r>
+                        <a:rPr lang="en-IL" sz="1800" u="none" strike="noStrike" dirty="0">
+                          <a:effectLst/>
+                        </a:rPr>
+                        <a:t>0</a:t>
+                      </a:r>
+                      <a:endParaRPr lang="en-IL" sz="1800" b="0" i="0" u="none" strike="noStrike" dirty="0">
+                        <a:solidFill>
+                          <a:srgbClr val="000000"/>
+                        </a:solidFill>
+                        <a:effectLst/>
+                        <a:latin typeface="Calibri" panose="020F0502020204030204" pitchFamily="34" charset="0"/>
+                      </a:endParaRPr>
+                    </a:p>
+                  </a:txBody>
+                  <a:tcPr marL="4868" marR="4868" marT="4868" marB="0" anchor="ctr">
+                    <a:solidFill>
+                      <a:schemeClr val="accent1">
+                        <a:lumMod val="20000"/>
+                        <a:lumOff val="80000"/>
+                      </a:schemeClr>
+                    </a:solidFill>
+                  </a:tcPr>
+                </a:tc>
+                <a:extLst>
+                  <a:ext uri="{0D108BD9-81ED-4DB2-BD59-A6C34878D82A}">
+                    <a16:rowId xmlns:a16="http://schemas.microsoft.com/office/drawing/2014/main" val="3527962565"/>
+                  </a:ext>
+                </a:extLst>
+              </a:tr>
+              <a:tr h="380316">
+                <a:tc rowSpan="3">
+                  <a:txBody>
+                    <a:bodyPr/>
+                    <a:lstStyle/>
+                    <a:p>
+                      <a:pPr algn="ctr" fontAlgn="t"/>
+                      <a:r>
+                        <a:rPr lang="en-US" sz="1800" u="none" strike="noStrike" dirty="0">
+                          <a:effectLst/>
+                        </a:rPr>
+                        <a:t>CCRG-2</a:t>
+                      </a:r>
+                      <a:endParaRPr lang="en-US" sz="1800" b="1" i="0" u="none" strike="noStrike" dirty="0">
+                        <a:solidFill>
+                          <a:srgbClr val="000000"/>
+                        </a:solidFill>
+                        <a:effectLst/>
+                        <a:latin typeface="Calibri" panose="020F0502020204030204" pitchFamily="34" charset="0"/>
+                      </a:endParaRPr>
+                    </a:p>
+                  </a:txBody>
+                  <a:tcPr marL="4868" marR="4868" marT="4868" marB="0"/>
+                </a:tc>
+                <a:tc>
+                  <a:txBody>
+                    <a:bodyPr/>
+                    <a:lstStyle/>
+                    <a:p>
+                      <a:pPr algn="ctr" fontAlgn="ctr"/>
+                      <a:r>
+                        <a:rPr lang="en-US" sz="1800" u="none" strike="noStrike" dirty="0">
+                          <a:effectLst/>
+                        </a:rPr>
+                        <a:t>CCRG-2 family </a:t>
+                      </a:r>
+                      <a:r>
+                        <a:rPr lang="en-US" sz="1800" u="none" strike="noStrike" dirty="0" err="1">
+                          <a:effectLst/>
+                        </a:rPr>
+                        <a:t>RiPP</a:t>
+                      </a:r>
+                      <a:endParaRPr lang="en-US" sz="1800" b="1" i="0" u="none" strike="noStrike" dirty="0">
+                        <a:solidFill>
+                          <a:srgbClr val="000000"/>
+                        </a:solidFill>
+                        <a:effectLst/>
+                        <a:latin typeface="Calibri" panose="020F0502020204030204" pitchFamily="34" charset="0"/>
+                      </a:endParaRPr>
+                    </a:p>
+                  </a:txBody>
+                  <a:tcPr marL="4868" marR="4868" marT="4868" marB="0" anchor="ctr"/>
+                </a:tc>
+                <a:tc>
+                  <a:txBody>
+                    <a:bodyPr/>
+                    <a:lstStyle/>
+                    <a:p>
+                      <a:pPr algn="r" fontAlgn="ctr"/>
+                      <a:r>
+                        <a:rPr lang="en-IL" sz="1800" u="none" strike="noStrike">
+                          <a:effectLst/>
+                        </a:rPr>
+                        <a:t>12</a:t>
+                      </a:r>
+                      <a:endParaRPr lang="en-IL" sz="1800" b="0" i="0" u="none" strike="noStrike">
+                        <a:solidFill>
+                          <a:srgbClr val="000000"/>
+                        </a:solidFill>
+                        <a:effectLst/>
+                        <a:latin typeface="Calibri" panose="020F0502020204030204" pitchFamily="34" charset="0"/>
+                      </a:endParaRPr>
+                    </a:p>
+                  </a:txBody>
+                  <a:tcPr marL="4868" marR="4868" marT="4868" marB="0" anchor="ctr"/>
+                </a:tc>
+                <a:tc>
+                  <a:txBody>
+                    <a:bodyPr/>
+                    <a:lstStyle/>
+                    <a:p>
+                      <a:pPr algn="r" fontAlgn="ctr"/>
+                      <a:r>
+                        <a:rPr lang="en-IL" sz="1800" u="none" strike="noStrike" dirty="0">
+                          <a:effectLst/>
+                        </a:rPr>
+                        <a:t>3</a:t>
+                      </a:r>
+                      <a:endParaRPr lang="en-IL" sz="1800" b="0" i="0" u="none" strike="noStrike" dirty="0">
+                        <a:solidFill>
+                          <a:srgbClr val="000000"/>
+                        </a:solidFill>
+                        <a:effectLst/>
+                        <a:latin typeface="Calibri" panose="020F0502020204030204" pitchFamily="34" charset="0"/>
+                      </a:endParaRPr>
+                    </a:p>
+                  </a:txBody>
+                  <a:tcPr marL="4868" marR="4868" marT="4868" marB="0" anchor="ctr"/>
+                </a:tc>
+                <a:extLst>
+                  <a:ext uri="{0D108BD9-81ED-4DB2-BD59-A6C34878D82A}">
+                    <a16:rowId xmlns:a16="http://schemas.microsoft.com/office/drawing/2014/main" val="3654196663"/>
+                  </a:ext>
+                </a:extLst>
+              </a:tr>
+              <a:tr h="380316">
+                <a:tc vMerge="1">
+                  <a:txBody>
+                    <a:bodyPr/>
+                    <a:lstStyle/>
+                    <a:p>
+                      <a:endParaRPr lang="LID4096"/>
+                    </a:p>
+                  </a:txBody>
+                  <a:tcPr/>
+                </a:tc>
+                <a:tc>
+                  <a:txBody>
+                    <a:bodyPr/>
+                    <a:lstStyle/>
+                    <a:p>
+                      <a:pPr algn="ctr" fontAlgn="ctr"/>
+                      <a:r>
+                        <a:rPr lang="en-US" sz="1800" u="none" strike="noStrike">
+                          <a:effectLst/>
+                        </a:rPr>
+                        <a:t>CCRG-2 family protein</a:t>
+                      </a:r>
+                      <a:endParaRPr lang="en-US" sz="1800" b="1" i="0" u="none" strike="noStrike">
+                        <a:solidFill>
+                          <a:srgbClr val="000000"/>
+                        </a:solidFill>
+                        <a:effectLst/>
+                        <a:latin typeface="Calibri" panose="020F0502020204030204" pitchFamily="34" charset="0"/>
+                      </a:endParaRPr>
+                    </a:p>
+                  </a:txBody>
+                  <a:tcPr marL="4868" marR="4868" marT="4868" marB="0" anchor="ctr"/>
+                </a:tc>
+                <a:tc>
+                  <a:txBody>
+                    <a:bodyPr/>
+                    <a:lstStyle/>
+                    <a:p>
+                      <a:pPr algn="r" fontAlgn="ctr"/>
+                      <a:r>
+                        <a:rPr lang="en-IL" sz="1800" u="none" strike="noStrike">
+                          <a:effectLst/>
+                        </a:rPr>
+                        <a:t>3</a:t>
+                      </a:r>
+                      <a:endParaRPr lang="en-IL" sz="1800" b="0" i="0" u="none" strike="noStrike">
+                        <a:solidFill>
+                          <a:srgbClr val="000000"/>
+                        </a:solidFill>
+                        <a:effectLst/>
+                        <a:latin typeface="Calibri" panose="020F0502020204030204" pitchFamily="34" charset="0"/>
+                      </a:endParaRPr>
+                    </a:p>
+                  </a:txBody>
+                  <a:tcPr marL="4868" marR="4868" marT="4868" marB="0" anchor="ctr"/>
+                </a:tc>
+                <a:tc>
+                  <a:txBody>
+                    <a:bodyPr/>
+                    <a:lstStyle/>
+                    <a:p>
+                      <a:pPr algn="r" fontAlgn="ctr"/>
+                      <a:r>
+                        <a:rPr lang="en-IL" sz="1800" u="none" strike="noStrike">
+                          <a:effectLst/>
+                        </a:rPr>
+                        <a:t>3</a:t>
+                      </a:r>
+                      <a:endParaRPr lang="en-IL" sz="1800" b="0" i="0" u="none" strike="noStrike">
+                        <a:solidFill>
+                          <a:srgbClr val="000000"/>
+                        </a:solidFill>
+                        <a:effectLst/>
+                        <a:latin typeface="Calibri" panose="020F0502020204030204" pitchFamily="34" charset="0"/>
+                      </a:endParaRPr>
+                    </a:p>
+                  </a:txBody>
+                  <a:tcPr marL="4868" marR="4868" marT="4868" marB="0" anchor="ctr"/>
+                </a:tc>
+                <a:extLst>
+                  <a:ext uri="{0D108BD9-81ED-4DB2-BD59-A6C34878D82A}">
+                    <a16:rowId xmlns:a16="http://schemas.microsoft.com/office/drawing/2014/main" val="101442908"/>
+                  </a:ext>
+                </a:extLst>
+              </a:tr>
+              <a:tr h="380316">
+                <a:tc vMerge="1">
+                  <a:txBody>
+                    <a:bodyPr/>
+                    <a:lstStyle/>
+                    <a:p>
+                      <a:endParaRPr lang="LID4096"/>
+                    </a:p>
+                  </a:txBody>
+                  <a:tcPr/>
+                </a:tc>
+                <a:tc>
+                  <a:txBody>
+                    <a:bodyPr/>
+                    <a:lstStyle/>
+                    <a:p>
+                      <a:pPr algn="ctr" fontAlgn="ctr"/>
+                      <a:r>
+                        <a:rPr lang="en-US" sz="1800" u="none" strike="noStrike">
+                          <a:effectLst/>
+                        </a:rPr>
+                        <a:t>hypothetical protein</a:t>
+                      </a:r>
+                      <a:endParaRPr lang="en-US" sz="1800" b="1" i="0" u="none" strike="noStrike">
+                        <a:solidFill>
+                          <a:srgbClr val="000000"/>
+                        </a:solidFill>
+                        <a:effectLst/>
+                        <a:latin typeface="Calibri" panose="020F0502020204030204" pitchFamily="34" charset="0"/>
+                      </a:endParaRPr>
+                    </a:p>
+                  </a:txBody>
+                  <a:tcPr marL="4868" marR="4868" marT="4868" marB="0" anchor="ctr"/>
+                </a:tc>
+                <a:tc>
+                  <a:txBody>
+                    <a:bodyPr/>
+                    <a:lstStyle/>
+                    <a:p>
+                      <a:pPr algn="r" fontAlgn="ctr"/>
+                      <a:r>
+                        <a:rPr lang="en-IL" sz="1800" u="none" strike="noStrike">
+                          <a:effectLst/>
+                        </a:rPr>
+                        <a:t>3</a:t>
+                      </a:r>
+                      <a:endParaRPr lang="en-IL" sz="1800" b="0" i="0" u="none" strike="noStrike">
+                        <a:solidFill>
+                          <a:srgbClr val="000000"/>
+                        </a:solidFill>
+                        <a:effectLst/>
+                        <a:latin typeface="Calibri" panose="020F0502020204030204" pitchFamily="34" charset="0"/>
+                      </a:endParaRPr>
+                    </a:p>
+                  </a:txBody>
+                  <a:tcPr marL="4868" marR="4868" marT="4868" marB="0" anchor="ctr"/>
+                </a:tc>
+                <a:tc>
+                  <a:txBody>
+                    <a:bodyPr/>
+                    <a:lstStyle/>
+                    <a:p>
+                      <a:pPr algn="r" fontAlgn="ctr"/>
+                      <a:r>
+                        <a:rPr lang="en-IL" sz="1800" u="none" strike="noStrike">
+                          <a:effectLst/>
+                        </a:rPr>
+                        <a:t>0</a:t>
+                      </a:r>
+                      <a:endParaRPr lang="en-IL" sz="1800" b="0" i="0" u="none" strike="noStrike">
+                        <a:solidFill>
+                          <a:srgbClr val="000000"/>
+                        </a:solidFill>
+                        <a:effectLst/>
+                        <a:latin typeface="Calibri" panose="020F0502020204030204" pitchFamily="34" charset="0"/>
+                      </a:endParaRPr>
+                    </a:p>
+                  </a:txBody>
+                  <a:tcPr marL="4868" marR="4868" marT="4868" marB="0" anchor="ctr"/>
+                </a:tc>
+                <a:extLst>
+                  <a:ext uri="{0D108BD9-81ED-4DB2-BD59-A6C34878D82A}">
+                    <a16:rowId xmlns:a16="http://schemas.microsoft.com/office/drawing/2014/main" val="3471693157"/>
+                  </a:ext>
+                </a:extLst>
+              </a:tr>
+              <a:tr h="683097">
+                <a:tc rowSpan="2">
+                  <a:txBody>
+                    <a:bodyPr/>
+                    <a:lstStyle/>
+                    <a:p>
+                      <a:pPr algn="ctr" fontAlgn="t"/>
+                      <a:r>
+                        <a:rPr lang="en-US" sz="1800" u="none" strike="noStrike" dirty="0" err="1">
+                          <a:effectLst/>
+                        </a:rPr>
+                        <a:t>ProcA</a:t>
+                      </a:r>
+                      <a:endParaRPr lang="en-US" sz="1800" b="1" i="0" u="none" strike="noStrike" dirty="0">
+                        <a:solidFill>
+                          <a:srgbClr val="000000"/>
+                        </a:solidFill>
+                        <a:effectLst/>
+                        <a:latin typeface="Calibri" panose="020F0502020204030204" pitchFamily="34" charset="0"/>
+                      </a:endParaRPr>
+                    </a:p>
+                  </a:txBody>
+                  <a:tcPr marL="4868" marR="4868" marT="4868" marB="0">
+                    <a:solidFill>
+                      <a:schemeClr val="accent1">
+                        <a:lumMod val="20000"/>
+                        <a:lumOff val="80000"/>
+                      </a:schemeClr>
+                    </a:solidFill>
+                  </a:tcPr>
+                </a:tc>
+                <a:tc>
+                  <a:txBody>
+                    <a:bodyPr/>
+                    <a:lstStyle/>
+                    <a:p>
+                      <a:pPr algn="ctr" fontAlgn="ctr"/>
+                      <a:r>
+                        <a:rPr lang="en-US" sz="1800" u="none" strike="noStrike" dirty="0">
+                          <a:effectLst/>
+                        </a:rPr>
+                        <a:t>Nif11-like leader peptide family natural product precursor</a:t>
+                      </a:r>
+                      <a:endParaRPr lang="en-US" sz="1800" b="1" i="0" u="none" strike="noStrike" dirty="0">
+                        <a:solidFill>
+                          <a:srgbClr val="000000"/>
+                        </a:solidFill>
+                        <a:effectLst/>
+                        <a:latin typeface="Calibri" panose="020F0502020204030204" pitchFamily="34" charset="0"/>
+                      </a:endParaRPr>
+                    </a:p>
+                  </a:txBody>
+                  <a:tcPr marL="4868" marR="4868" marT="4868" marB="0" anchor="ctr">
+                    <a:solidFill>
+                      <a:schemeClr val="accent1">
+                        <a:lumMod val="20000"/>
+                        <a:lumOff val="80000"/>
+                      </a:schemeClr>
+                    </a:solidFill>
+                  </a:tcPr>
+                </a:tc>
+                <a:tc>
+                  <a:txBody>
+                    <a:bodyPr/>
+                    <a:lstStyle/>
+                    <a:p>
+                      <a:pPr algn="r" fontAlgn="ctr"/>
+                      <a:r>
+                        <a:rPr lang="en-IL" sz="1800" u="none" strike="noStrike" dirty="0">
+                          <a:effectLst/>
+                        </a:rPr>
+                        <a:t>34</a:t>
+                      </a:r>
+                      <a:endParaRPr lang="en-IL" sz="1800" b="0" i="0" u="none" strike="noStrike" dirty="0">
+                        <a:solidFill>
+                          <a:srgbClr val="000000"/>
+                        </a:solidFill>
+                        <a:effectLst/>
+                        <a:latin typeface="Calibri" panose="020F0502020204030204" pitchFamily="34" charset="0"/>
+                      </a:endParaRPr>
+                    </a:p>
+                  </a:txBody>
+                  <a:tcPr marL="4868" marR="4868" marT="4868" marB="0" anchor="ctr">
+                    <a:solidFill>
+                      <a:schemeClr val="accent1">
+                        <a:lumMod val="20000"/>
+                        <a:lumOff val="80000"/>
+                      </a:schemeClr>
+                    </a:solidFill>
+                  </a:tcPr>
+                </a:tc>
+                <a:tc>
+                  <a:txBody>
+                    <a:bodyPr/>
+                    <a:lstStyle/>
+                    <a:p>
+                      <a:pPr algn="r" fontAlgn="ctr"/>
+                      <a:r>
+                        <a:rPr lang="en-IL" sz="1800" u="none" strike="noStrike">
+                          <a:effectLst/>
+                        </a:rPr>
+                        <a:t>14</a:t>
+                      </a:r>
+                      <a:endParaRPr lang="en-IL" sz="1800" b="0" i="0" u="none" strike="noStrike">
+                        <a:solidFill>
+                          <a:srgbClr val="000000"/>
+                        </a:solidFill>
+                        <a:effectLst/>
+                        <a:latin typeface="Calibri" panose="020F0502020204030204" pitchFamily="34" charset="0"/>
+                      </a:endParaRPr>
+                    </a:p>
+                  </a:txBody>
+                  <a:tcPr marL="4868" marR="4868" marT="4868" marB="0" anchor="ctr">
+                    <a:solidFill>
+                      <a:schemeClr val="accent1">
+                        <a:lumMod val="20000"/>
+                        <a:lumOff val="80000"/>
+                      </a:schemeClr>
+                    </a:solidFill>
+                  </a:tcPr>
+                </a:tc>
+                <a:extLst>
+                  <a:ext uri="{0D108BD9-81ED-4DB2-BD59-A6C34878D82A}">
+                    <a16:rowId xmlns:a16="http://schemas.microsoft.com/office/drawing/2014/main" val="3416361169"/>
+                  </a:ext>
+                </a:extLst>
+              </a:tr>
+              <a:tr h="380316">
+                <a:tc vMerge="1">
+                  <a:txBody>
+                    <a:bodyPr/>
+                    <a:lstStyle/>
+                    <a:p>
+                      <a:endParaRPr lang="LID4096"/>
+                    </a:p>
+                  </a:txBody>
+                  <a:tcPr/>
+                </a:tc>
+                <a:tc>
+                  <a:txBody>
+                    <a:bodyPr/>
+                    <a:lstStyle/>
+                    <a:p>
+                      <a:pPr algn="ctr" fontAlgn="ctr"/>
+                      <a:r>
+                        <a:rPr lang="en-US" sz="1800" u="none" strike="noStrike" dirty="0" err="1">
+                          <a:effectLst/>
+                        </a:rPr>
+                        <a:t>lantipeptide</a:t>
+                      </a:r>
+                      <a:endParaRPr lang="en-US" sz="1800" b="1" i="0" u="none" strike="noStrike" dirty="0">
+                        <a:solidFill>
+                          <a:srgbClr val="000000"/>
+                        </a:solidFill>
+                        <a:effectLst/>
+                        <a:latin typeface="Calibri" panose="020F0502020204030204" pitchFamily="34" charset="0"/>
+                      </a:endParaRPr>
+                    </a:p>
+                  </a:txBody>
+                  <a:tcPr marL="4868" marR="4868" marT="4868" marB="0" anchor="ctr">
+                    <a:solidFill>
+                      <a:schemeClr val="accent1">
+                        <a:lumMod val="20000"/>
+                        <a:lumOff val="80000"/>
+                      </a:schemeClr>
+                    </a:solidFill>
+                  </a:tcPr>
+                </a:tc>
+                <a:tc>
+                  <a:txBody>
+                    <a:bodyPr/>
+                    <a:lstStyle/>
+                    <a:p>
+                      <a:pPr algn="r" fontAlgn="ctr"/>
+                      <a:r>
+                        <a:rPr lang="en-IL" sz="1800" u="none" strike="noStrike" dirty="0">
+                          <a:effectLst/>
+                        </a:rPr>
+                        <a:t>1</a:t>
+                      </a:r>
+                      <a:endParaRPr lang="en-IL" sz="1800" b="0" i="0" u="none" strike="noStrike" dirty="0">
+                        <a:solidFill>
+                          <a:srgbClr val="000000"/>
+                        </a:solidFill>
+                        <a:effectLst/>
+                        <a:latin typeface="Calibri" panose="020F0502020204030204" pitchFamily="34" charset="0"/>
+                      </a:endParaRPr>
+                    </a:p>
+                  </a:txBody>
+                  <a:tcPr marL="4868" marR="4868" marT="4868" marB="0" anchor="ctr">
+                    <a:solidFill>
+                      <a:schemeClr val="accent1">
+                        <a:lumMod val="20000"/>
+                        <a:lumOff val="80000"/>
+                      </a:schemeClr>
+                    </a:solidFill>
+                  </a:tcPr>
+                </a:tc>
+                <a:tc>
+                  <a:txBody>
+                    <a:bodyPr/>
+                    <a:lstStyle/>
+                    <a:p>
+                      <a:pPr algn="r" fontAlgn="ctr"/>
+                      <a:r>
+                        <a:rPr lang="en-IL" sz="1800" u="none" strike="noStrike" dirty="0">
+                          <a:effectLst/>
+                        </a:rPr>
+                        <a:t>0</a:t>
+                      </a:r>
+                      <a:endParaRPr lang="en-IL" sz="1800" b="0" i="0" u="none" strike="noStrike" dirty="0">
+                        <a:solidFill>
+                          <a:srgbClr val="000000"/>
+                        </a:solidFill>
+                        <a:effectLst/>
+                        <a:latin typeface="Calibri" panose="020F0502020204030204" pitchFamily="34" charset="0"/>
+                      </a:endParaRPr>
+                    </a:p>
+                  </a:txBody>
+                  <a:tcPr marL="4868" marR="4868" marT="4868" marB="0" anchor="ctr">
+                    <a:solidFill>
+                      <a:schemeClr val="accent1">
+                        <a:lumMod val="20000"/>
+                        <a:lumOff val="80000"/>
+                      </a:schemeClr>
+                    </a:solidFill>
+                  </a:tcPr>
+                </a:tc>
+                <a:extLst>
+                  <a:ext uri="{0D108BD9-81ED-4DB2-BD59-A6C34878D82A}">
+                    <a16:rowId xmlns:a16="http://schemas.microsoft.com/office/drawing/2014/main" val="3038226367"/>
+                  </a:ext>
+                </a:extLst>
+              </a:tr>
+              <a:tr h="380316">
+                <a:tc>
+                  <a:txBody>
+                    <a:bodyPr/>
+                    <a:lstStyle/>
+                    <a:p>
+                      <a:pPr algn="ctr" fontAlgn="ctr"/>
+                      <a:r>
+                        <a:rPr lang="en-US" sz="1800" u="none" strike="noStrike">
+                          <a:effectLst/>
+                        </a:rPr>
+                        <a:t>procM</a:t>
+                      </a:r>
+                      <a:endParaRPr lang="en-US" sz="1800" b="1" i="0" u="none" strike="noStrike">
+                        <a:solidFill>
+                          <a:srgbClr val="000000"/>
+                        </a:solidFill>
+                        <a:effectLst/>
+                        <a:latin typeface="Calibri" panose="020F0502020204030204" pitchFamily="34" charset="0"/>
+                      </a:endParaRPr>
+                    </a:p>
+                  </a:txBody>
+                  <a:tcPr marL="4868" marR="4868" marT="4868" marB="0" anchor="ctr"/>
+                </a:tc>
+                <a:tc>
+                  <a:txBody>
+                    <a:bodyPr/>
+                    <a:lstStyle/>
+                    <a:p>
+                      <a:pPr algn="ctr" fontAlgn="ctr"/>
+                      <a:r>
+                        <a:rPr lang="en-US" sz="1800" u="none" strike="noStrike">
+                          <a:effectLst/>
+                        </a:rPr>
+                        <a:t>lantipeptide-modifying enzyme LanM</a:t>
+                      </a:r>
+                      <a:endParaRPr lang="en-US" sz="1800" b="1" i="0" u="none" strike="noStrike">
+                        <a:solidFill>
+                          <a:srgbClr val="000000"/>
+                        </a:solidFill>
+                        <a:effectLst/>
+                        <a:latin typeface="Calibri" panose="020F0502020204030204" pitchFamily="34" charset="0"/>
+                      </a:endParaRPr>
+                    </a:p>
+                  </a:txBody>
+                  <a:tcPr marL="4868" marR="4868" marT="4868" marB="0" anchor="ctr"/>
+                </a:tc>
+                <a:tc>
+                  <a:txBody>
+                    <a:bodyPr/>
+                    <a:lstStyle/>
+                    <a:p>
+                      <a:pPr algn="r" fontAlgn="ctr"/>
+                      <a:r>
+                        <a:rPr lang="en-IL" sz="1800" u="none" strike="noStrike" dirty="0">
+                          <a:effectLst/>
+                        </a:rPr>
+                        <a:t>1</a:t>
+                      </a:r>
+                      <a:endParaRPr lang="en-IL" sz="1800" b="0" i="0" u="none" strike="noStrike" dirty="0">
+                        <a:solidFill>
+                          <a:srgbClr val="000000"/>
+                        </a:solidFill>
+                        <a:effectLst/>
+                        <a:latin typeface="Calibri" panose="020F0502020204030204" pitchFamily="34" charset="0"/>
+                      </a:endParaRPr>
+                    </a:p>
+                  </a:txBody>
+                  <a:tcPr marL="4868" marR="4868" marT="4868" marB="0" anchor="ctr"/>
+                </a:tc>
+                <a:tc>
+                  <a:txBody>
+                    <a:bodyPr/>
+                    <a:lstStyle/>
+                    <a:p>
+                      <a:pPr algn="r" fontAlgn="ctr"/>
+                      <a:r>
+                        <a:rPr lang="en-IL" sz="1800" u="none" strike="noStrike" dirty="0">
+                          <a:effectLst/>
+                        </a:rPr>
+                        <a:t>1</a:t>
+                      </a:r>
+                      <a:endParaRPr lang="en-IL" sz="1800" b="0" i="0" u="none" strike="noStrike" dirty="0">
+                        <a:solidFill>
+                          <a:srgbClr val="000000"/>
+                        </a:solidFill>
+                        <a:effectLst/>
+                        <a:latin typeface="Calibri" panose="020F0502020204030204" pitchFamily="34" charset="0"/>
+                      </a:endParaRPr>
+                    </a:p>
+                  </a:txBody>
+                  <a:tcPr marL="4868" marR="4868" marT="4868" marB="0" anchor="ctr"/>
+                </a:tc>
+                <a:extLst>
+                  <a:ext uri="{0D108BD9-81ED-4DB2-BD59-A6C34878D82A}">
+                    <a16:rowId xmlns:a16="http://schemas.microsoft.com/office/drawing/2014/main" val="2813355330"/>
+                  </a:ext>
+                </a:extLst>
+              </a:tr>
+            </a:tbl>
+          </a:graphicData>
+        </a:graphic>
+      </p:graphicFrame>
+      <p:graphicFrame>
+        <p:nvGraphicFramePr>
+          <p:cNvPr id="6" name="Table 5">
+            <a:extLst>
+              <a:ext uri="{FF2B5EF4-FFF2-40B4-BE49-F238E27FC236}">
+                <a16:creationId xmlns:a16="http://schemas.microsoft.com/office/drawing/2014/main" id="{F7646EF7-A1A6-415A-926B-215534B0D0D3}"/>
+              </a:ext>
+            </a:extLst>
+          </p:cNvPr>
+          <p:cNvGraphicFramePr>
+            <a:graphicFrameLocks noGrp="1"/>
+          </p:cNvGraphicFramePr>
+          <p:nvPr>
+            <p:extLst>
+              <p:ext uri="{D42A27DB-BD31-4B8C-83A1-F6EECF244321}">
+                <p14:modId xmlns:p14="http://schemas.microsoft.com/office/powerpoint/2010/main" val="3497913682"/>
+              </p:ext>
+            </p:extLst>
+          </p:nvPr>
+        </p:nvGraphicFramePr>
+        <p:xfrm>
+          <a:off x="9363205" y="3680119"/>
+          <a:ext cx="2064891" cy="2255520"/>
+        </p:xfrm>
+        <a:graphic>
+          <a:graphicData uri="http://schemas.openxmlformats.org/drawingml/2006/table">
+            <a:tbl>
+              <a:tblPr firstRow="1" bandRow="1">
+                <a:tableStyleId>{3B4B98B0-60AC-42C2-AFA5-B58CD77FA1E5}</a:tableStyleId>
+              </a:tblPr>
+              <a:tblGrid>
+                <a:gridCol w="1126017">
+                  <a:extLst>
+                    <a:ext uri="{9D8B030D-6E8A-4147-A177-3AD203B41FA5}">
+                      <a16:colId xmlns:a16="http://schemas.microsoft.com/office/drawing/2014/main" val="3673756732"/>
+                    </a:ext>
+                  </a:extLst>
+                </a:gridCol>
+                <a:gridCol w="938874">
+                  <a:extLst>
+                    <a:ext uri="{9D8B030D-6E8A-4147-A177-3AD203B41FA5}">
+                      <a16:colId xmlns:a16="http://schemas.microsoft.com/office/drawing/2014/main" val="386111815"/>
+                    </a:ext>
+                  </a:extLst>
+                </a:gridCol>
+              </a:tblGrid>
+              <a:tr h="0">
+                <a:tc>
+                  <a:txBody>
+                    <a:bodyPr/>
+                    <a:lstStyle/>
+                    <a:p>
+                      <a:pPr algn="l" fontAlgn="ctr"/>
+                      <a:r>
+                        <a:rPr lang="en-US" sz="1600" u="none" strike="noStrike" kern="1200" dirty="0">
+                          <a:effectLst/>
+                        </a:rPr>
+                        <a:t>Family</a:t>
+                      </a:r>
+                      <a:endParaRPr lang="en-US" sz="1600" b="1" u="none" strike="noStrike" kern="1200" dirty="0">
+                        <a:solidFill>
+                          <a:schemeClr val="tx1"/>
+                        </a:solidFill>
+                        <a:effectLst/>
+                        <a:latin typeface="+mn-lt"/>
+                        <a:ea typeface="+mn-ea"/>
+                        <a:cs typeface="+mn-cs"/>
+                      </a:endParaRPr>
+                    </a:p>
+                  </a:txBody>
+                  <a:tcPr anchor="ctr"/>
+                </a:tc>
+                <a:tc>
+                  <a:txBody>
+                    <a:bodyPr/>
+                    <a:lstStyle/>
+                    <a:p>
+                      <a:pPr algn="r" fontAlgn="b"/>
+                      <a:r>
+                        <a:rPr lang="en-US" sz="1600" u="none" strike="noStrike" dirty="0">
+                          <a:effectLst/>
+                        </a:rPr>
+                        <a:t>in ref</a:t>
+                      </a:r>
+                      <a:endParaRPr lang="en-IL" sz="1600" b="0" i="0" u="none" strike="noStrike" dirty="0">
+                        <a:solidFill>
+                          <a:srgbClr val="000000"/>
+                        </a:solidFill>
+                        <a:effectLst/>
+                        <a:latin typeface="Calibri" panose="020F0502020204030204" pitchFamily="34" charset="0"/>
+                      </a:endParaRPr>
+                    </a:p>
+                  </a:txBody>
+                  <a:tcPr anchor="b"/>
+                </a:tc>
+                <a:extLst>
+                  <a:ext uri="{0D108BD9-81ED-4DB2-BD59-A6C34878D82A}">
+                    <a16:rowId xmlns:a16="http://schemas.microsoft.com/office/drawing/2014/main" val="2436453752"/>
+                  </a:ext>
+                </a:extLst>
+              </a:tr>
+              <a:tr h="182880">
+                <a:tc>
+                  <a:txBody>
+                    <a:bodyPr/>
+                    <a:lstStyle/>
+                    <a:p>
+                      <a:pPr marL="0" marR="0" lvl="0" indent="0" algn="l" defTabSz="914400" rtl="0" eaLnBrk="1" fontAlgn="ctr" latinLnBrk="0" hangingPunct="1">
+                        <a:lnSpc>
+                          <a:spcPct val="100000"/>
+                        </a:lnSpc>
+                        <a:spcBef>
+                          <a:spcPts val="0"/>
+                        </a:spcBef>
+                        <a:spcAft>
+                          <a:spcPts val="0"/>
+                        </a:spcAft>
+                        <a:buClrTx/>
+                        <a:buSzTx/>
+                        <a:buFontTx/>
+                        <a:buNone/>
+                        <a:tabLst/>
+                        <a:defRPr/>
+                      </a:pPr>
+                      <a:r>
+                        <a:rPr lang="en-US" sz="1600" u="none" strike="noStrike" dirty="0">
+                          <a:effectLst/>
+                        </a:rPr>
+                        <a:t>ABC transporter</a:t>
+                      </a:r>
+                      <a:endParaRPr lang="en-US" sz="1600" b="1" i="0" u="none" strike="noStrike" dirty="0">
+                        <a:solidFill>
+                          <a:srgbClr val="000000"/>
+                        </a:solidFill>
+                        <a:effectLst/>
+                        <a:latin typeface="Calibri" panose="020F0502020204030204" pitchFamily="34" charset="0"/>
+                      </a:endParaRPr>
+                    </a:p>
+                  </a:txBody>
+                  <a:tcPr anchor="ctr"/>
+                </a:tc>
+                <a:tc>
+                  <a:txBody>
+                    <a:bodyPr/>
+                    <a:lstStyle/>
+                    <a:p>
+                      <a:pPr algn="r" fontAlgn="b"/>
+                      <a:r>
+                        <a:rPr lang="en-US" sz="1600" b="0" i="0" u="none" strike="noStrike" dirty="0">
+                          <a:solidFill>
+                            <a:srgbClr val="000000"/>
+                          </a:solidFill>
+                          <a:effectLst/>
+                          <a:latin typeface="Calibri" panose="020F0502020204030204" pitchFamily="34" charset="0"/>
+                        </a:rPr>
+                        <a:t>1</a:t>
+                      </a:r>
+                      <a:endParaRPr lang="en-IL" sz="1600" b="0" i="0" u="none" strike="noStrike" dirty="0">
+                        <a:solidFill>
+                          <a:srgbClr val="000000"/>
+                        </a:solidFill>
+                        <a:effectLst/>
+                        <a:latin typeface="Calibri" panose="020F0502020204030204" pitchFamily="34" charset="0"/>
+                      </a:endParaRPr>
+                    </a:p>
+                  </a:txBody>
+                  <a:tcPr anchor="b"/>
+                </a:tc>
+                <a:extLst>
+                  <a:ext uri="{0D108BD9-81ED-4DB2-BD59-A6C34878D82A}">
+                    <a16:rowId xmlns:a16="http://schemas.microsoft.com/office/drawing/2014/main" val="2293430891"/>
+                  </a:ext>
+                </a:extLst>
+              </a:tr>
+              <a:tr h="182880">
+                <a:tc>
+                  <a:txBody>
+                    <a:bodyPr/>
+                    <a:lstStyle/>
+                    <a:p>
+                      <a:pPr algn="l" fontAlgn="ctr"/>
+                      <a:r>
+                        <a:rPr lang="en-US" sz="1600" u="none" strike="noStrike" dirty="0">
+                          <a:effectLst/>
+                        </a:rPr>
+                        <a:t>CCRG-1</a:t>
+                      </a:r>
+                      <a:endParaRPr lang="en-US" sz="1600" b="0" i="0" u="none" strike="noStrike" dirty="0">
+                        <a:solidFill>
+                          <a:srgbClr val="000000"/>
+                        </a:solidFill>
+                        <a:effectLst/>
+                        <a:latin typeface="Arial Unicode MS"/>
+                      </a:endParaRPr>
+                    </a:p>
+                  </a:txBody>
+                  <a:tcPr anchor="ctr"/>
+                </a:tc>
+                <a:tc>
+                  <a:txBody>
+                    <a:bodyPr/>
+                    <a:lstStyle/>
+                    <a:p>
+                      <a:pPr algn="r" fontAlgn="b"/>
+                      <a:r>
+                        <a:rPr lang="en-IL" sz="1600" u="none" strike="noStrike" dirty="0">
+                          <a:effectLst/>
+                        </a:rPr>
+                        <a:t>3</a:t>
+                      </a:r>
+                      <a:endParaRPr lang="en-IL" sz="1600" b="0" i="0" u="none" strike="noStrike" dirty="0">
+                        <a:solidFill>
+                          <a:srgbClr val="000000"/>
+                        </a:solidFill>
+                        <a:effectLst/>
+                        <a:latin typeface="Calibri" panose="020F0502020204030204" pitchFamily="34" charset="0"/>
+                      </a:endParaRPr>
+                    </a:p>
+                  </a:txBody>
+                  <a:tcPr anchor="b"/>
+                </a:tc>
+                <a:extLst>
+                  <a:ext uri="{0D108BD9-81ED-4DB2-BD59-A6C34878D82A}">
+                    <a16:rowId xmlns:a16="http://schemas.microsoft.com/office/drawing/2014/main" val="495230348"/>
+                  </a:ext>
+                </a:extLst>
+              </a:tr>
+              <a:tr h="182880">
+                <a:tc>
+                  <a:txBody>
+                    <a:bodyPr/>
+                    <a:lstStyle/>
+                    <a:p>
+                      <a:pPr algn="l" fontAlgn="ctr"/>
+                      <a:r>
+                        <a:rPr lang="en-US" sz="1600" u="none" strike="noStrike" dirty="0">
+                          <a:effectLst/>
+                        </a:rPr>
+                        <a:t>CCRG-2</a:t>
+                      </a:r>
+                      <a:endParaRPr lang="en-US" sz="1600" b="0" i="0" u="none" strike="noStrike" dirty="0">
+                        <a:solidFill>
+                          <a:srgbClr val="000000"/>
+                        </a:solidFill>
+                        <a:effectLst/>
+                        <a:latin typeface="Arial Unicode MS"/>
+                      </a:endParaRPr>
+                    </a:p>
+                  </a:txBody>
+                  <a:tcPr anchor="ctr"/>
+                </a:tc>
+                <a:tc>
+                  <a:txBody>
+                    <a:bodyPr/>
+                    <a:lstStyle/>
+                    <a:p>
+                      <a:pPr algn="r" fontAlgn="b"/>
+                      <a:r>
+                        <a:rPr lang="en-IL" sz="1600" u="none" strike="noStrike" dirty="0">
+                          <a:effectLst/>
+                        </a:rPr>
+                        <a:t>12</a:t>
+                      </a:r>
+                      <a:endParaRPr lang="en-IL" sz="1600" b="0" i="0" u="none" strike="noStrike" dirty="0">
+                        <a:solidFill>
+                          <a:srgbClr val="000000"/>
+                        </a:solidFill>
+                        <a:effectLst/>
+                        <a:latin typeface="Calibri" panose="020F0502020204030204" pitchFamily="34" charset="0"/>
+                      </a:endParaRPr>
+                    </a:p>
+                  </a:txBody>
+                  <a:tcPr anchor="b"/>
+                </a:tc>
+                <a:extLst>
+                  <a:ext uri="{0D108BD9-81ED-4DB2-BD59-A6C34878D82A}">
+                    <a16:rowId xmlns:a16="http://schemas.microsoft.com/office/drawing/2014/main" val="1491096052"/>
+                  </a:ext>
+                </a:extLst>
+              </a:tr>
+              <a:tr h="182880">
+                <a:tc>
+                  <a:txBody>
+                    <a:bodyPr/>
+                    <a:lstStyle/>
+                    <a:p>
+                      <a:pPr algn="l" fontAlgn="ctr"/>
+                      <a:r>
+                        <a:rPr lang="en-US" sz="1600" u="none" strike="noStrike" kern="1200" dirty="0" err="1">
+                          <a:effectLst/>
+                        </a:rPr>
+                        <a:t>ProcA</a:t>
+                      </a:r>
+                      <a:endParaRPr lang="en-US" sz="1600" b="1" u="none" strike="noStrike" kern="1200" dirty="0">
+                        <a:solidFill>
+                          <a:schemeClr val="tx1"/>
+                        </a:solidFill>
+                        <a:effectLst/>
+                        <a:latin typeface="+mn-lt"/>
+                        <a:ea typeface="+mn-ea"/>
+                        <a:cs typeface="+mn-cs"/>
+                      </a:endParaRPr>
+                    </a:p>
+                  </a:txBody>
+                  <a:tcPr anchor="ctr"/>
+                </a:tc>
+                <a:tc>
+                  <a:txBody>
+                    <a:bodyPr/>
+                    <a:lstStyle/>
+                    <a:p>
+                      <a:pPr algn="r" fontAlgn="b"/>
+                      <a:r>
+                        <a:rPr lang="en-IL" sz="1600" u="none" strike="noStrike" dirty="0">
+                          <a:effectLst/>
+                        </a:rPr>
+                        <a:t>29</a:t>
+                      </a:r>
+                      <a:endParaRPr lang="en-IL" sz="1600" b="0" i="0" u="none" strike="noStrike" dirty="0">
+                        <a:solidFill>
+                          <a:srgbClr val="000000"/>
+                        </a:solidFill>
+                        <a:effectLst/>
+                        <a:latin typeface="Calibri" panose="020F0502020204030204" pitchFamily="34" charset="0"/>
+                      </a:endParaRPr>
+                    </a:p>
+                  </a:txBody>
+                  <a:tcPr anchor="b"/>
+                </a:tc>
+                <a:extLst>
+                  <a:ext uri="{0D108BD9-81ED-4DB2-BD59-A6C34878D82A}">
+                    <a16:rowId xmlns:a16="http://schemas.microsoft.com/office/drawing/2014/main" val="1556173321"/>
+                  </a:ext>
+                </a:extLst>
+              </a:tr>
+              <a:tr h="182880">
+                <a:tc>
+                  <a:txBody>
+                    <a:bodyPr/>
+                    <a:lstStyle/>
+                    <a:p>
+                      <a:pPr algn="l" fontAlgn="ctr"/>
+                      <a:r>
+                        <a:rPr lang="en-US" sz="1600" u="none" strike="noStrike" dirty="0" err="1">
+                          <a:effectLst/>
+                        </a:rPr>
+                        <a:t>procM</a:t>
+                      </a:r>
+                      <a:endParaRPr lang="en-US" sz="1600" b="0" i="0" u="none" strike="noStrike" dirty="0">
+                        <a:solidFill>
+                          <a:srgbClr val="000000"/>
+                        </a:solidFill>
+                        <a:effectLst/>
+                        <a:latin typeface="Arial Unicode MS"/>
+                      </a:endParaRPr>
+                    </a:p>
+                  </a:txBody>
+                  <a:tcPr anchor="ctr"/>
+                </a:tc>
+                <a:tc>
+                  <a:txBody>
+                    <a:bodyPr/>
+                    <a:lstStyle/>
+                    <a:p>
+                      <a:pPr algn="r" fontAlgn="b"/>
+                      <a:r>
+                        <a:rPr lang="en-IL" sz="1600" u="none" strike="noStrike" dirty="0">
+                          <a:effectLst/>
+                        </a:rPr>
+                        <a:t>1</a:t>
+                      </a:r>
+                      <a:endParaRPr lang="en-IL" sz="1600" b="0" i="0" u="none" strike="noStrike" dirty="0">
+                        <a:solidFill>
+                          <a:srgbClr val="000000"/>
+                        </a:solidFill>
+                        <a:effectLst/>
+                        <a:latin typeface="Calibri" panose="020F0502020204030204" pitchFamily="34" charset="0"/>
+                      </a:endParaRPr>
+                    </a:p>
+                  </a:txBody>
+                  <a:tcPr anchor="b"/>
+                </a:tc>
+                <a:extLst>
+                  <a:ext uri="{0D108BD9-81ED-4DB2-BD59-A6C34878D82A}">
+                    <a16:rowId xmlns:a16="http://schemas.microsoft.com/office/drawing/2014/main" val="2789313435"/>
+                  </a:ext>
+                </a:extLst>
+              </a:tr>
+            </a:tbl>
+          </a:graphicData>
+        </a:graphic>
+      </p:graphicFrame>
+      <p:sp>
+        <p:nvSpPr>
+          <p:cNvPr id="8" name="TextBox 7">
+            <a:extLst>
+              <a:ext uri="{FF2B5EF4-FFF2-40B4-BE49-F238E27FC236}">
+                <a16:creationId xmlns:a16="http://schemas.microsoft.com/office/drawing/2014/main" id="{68794C3D-14C1-47B2-AD82-8BD180B8DD94}"/>
+              </a:ext>
+            </a:extLst>
+          </p:cNvPr>
+          <p:cNvSpPr txBox="1"/>
+          <p:nvPr/>
+        </p:nvSpPr>
+        <p:spPr>
+          <a:xfrm>
+            <a:off x="953964" y="730814"/>
+            <a:ext cx="10844251" cy="646331"/>
+          </a:xfrm>
+          <a:prstGeom prst="rect">
+            <a:avLst/>
+          </a:prstGeom>
+          <a:noFill/>
+        </p:spPr>
+        <p:txBody>
+          <a:bodyPr wrap="none" rtlCol="0">
+            <a:spAutoFit/>
+          </a:bodyPr>
+          <a:lstStyle/>
+          <a:p>
+            <a:r>
+              <a:rPr lang="en-US" sz="3600" dirty="0"/>
+              <a:t>CCRG and </a:t>
+            </a:r>
+            <a:r>
+              <a:rPr lang="en-US" sz="3600" dirty="0" err="1"/>
+              <a:t>ProcM</a:t>
+            </a:r>
+            <a:r>
+              <a:rPr lang="en-US" sz="3600" dirty="0"/>
+              <a:t>/A proteins in NCBI MIT9313 annotation</a:t>
+            </a:r>
+            <a:endParaRPr lang="LID4096" sz="3600" dirty="0"/>
+          </a:p>
+        </p:txBody>
+      </p:sp>
+    </p:spTree>
+    <p:extLst>
+      <p:ext uri="{BB962C8B-B14F-4D97-AF65-F5344CB8AC3E}">
+        <p14:creationId xmlns:p14="http://schemas.microsoft.com/office/powerpoint/2010/main" val="2056824276"/>
+      </p:ext>
+    </p:extLst>
+  </p:cSld>
+  <p:clrMapOvr>
+    <a:masterClrMapping/>
+  </p:clrMapOvr>
+</p:sld>
+</file>
+
+<file path=ppt/slides/slide6.xml><?xml version="1.0" encoding="utf-8"?>
+<p:sld xmlns:a="http://schemas.openxmlformats.org/drawingml/2006/main" xmlns:r="http://schemas.openxmlformats.org/officeDocument/2006/relationships" xmlns:p="http://schemas.openxmlformats.org/presentationml/2006/main">
+  <p:cSld>
     <p:spTree>
       <p:nvGrpSpPr>
         <p:cNvPr id="1" name=""/>
@@ -5245,13 +10729,13 @@
           <p:nvPr>
             <p:extLst>
               <p:ext uri="{D42A27DB-BD31-4B8C-83A1-F6EECF244321}">
-                <p14:modId xmlns:p14="http://schemas.microsoft.com/office/powerpoint/2010/main" val="1508054193"/>
+                <p14:modId xmlns:p14="http://schemas.microsoft.com/office/powerpoint/2010/main" val="2957713634"/>
               </p:ext>
             </p:extLst>
           </p:nvPr>
         </p:nvGraphicFramePr>
         <p:xfrm>
-          <a:off x="594455" y="408598"/>
+          <a:off x="394670" y="4290036"/>
           <a:ext cx="2511724" cy="2103120"/>
         </p:xfrm>
         <a:graphic>
@@ -5549,6 +11033,90 @@
           </a:graphicData>
         </a:graphic>
       </p:graphicFrame>
+      <p:sp>
+        <p:nvSpPr>
+          <p:cNvPr id="2" name="TextBox 1">
+            <a:extLst>
+              <a:ext uri="{FF2B5EF4-FFF2-40B4-BE49-F238E27FC236}">
+                <a16:creationId xmlns:a16="http://schemas.microsoft.com/office/drawing/2014/main" id="{37EE89BC-4114-4783-8955-F640F9998E3B}"/>
+              </a:ext>
+            </a:extLst>
+          </p:cNvPr>
+          <p:cNvSpPr txBox="1"/>
+          <p:nvPr/>
+        </p:nvSpPr>
+        <p:spPr>
+          <a:xfrm>
+            <a:off x="1290918" y="386862"/>
+            <a:ext cx="10844251" cy="646331"/>
+          </a:xfrm>
+          <a:prstGeom prst="rect">
+            <a:avLst/>
+          </a:prstGeom>
+          <a:noFill/>
+        </p:spPr>
+        <p:txBody>
+          <a:bodyPr wrap="none" rtlCol="0">
+            <a:spAutoFit/>
+          </a:bodyPr>
+          <a:lstStyle/>
+          <a:p>
+            <a:r>
+              <a:rPr lang="en-US" sz="3600" dirty="0"/>
+              <a:t>CCRG and </a:t>
+            </a:r>
+            <a:r>
+              <a:rPr lang="en-US" sz="3600" dirty="0" err="1"/>
+              <a:t>ProcM</a:t>
+            </a:r>
+            <a:r>
+              <a:rPr lang="en-US" sz="3600" dirty="0"/>
+              <a:t>/A proteins in NCBI MIT9313 annotation</a:t>
+            </a:r>
+            <a:endParaRPr lang="LID4096" sz="3600" dirty="0"/>
+          </a:p>
+        </p:txBody>
+      </p:sp>
+      <p:sp>
+        <p:nvSpPr>
+          <p:cNvPr id="6" name="TextBox 5">
+            <a:extLst>
+              <a:ext uri="{FF2B5EF4-FFF2-40B4-BE49-F238E27FC236}">
+                <a16:creationId xmlns:a16="http://schemas.microsoft.com/office/drawing/2014/main" id="{0862C639-7D7F-43BE-AFC4-2A259C4683A2}"/>
+              </a:ext>
+            </a:extLst>
+          </p:cNvPr>
+          <p:cNvSpPr txBox="1"/>
+          <p:nvPr/>
+        </p:nvSpPr>
+        <p:spPr>
+          <a:xfrm>
+            <a:off x="3757492" y="1106501"/>
+            <a:ext cx="4163384" cy="369332"/>
+          </a:xfrm>
+          <a:prstGeom prst="rect">
+            <a:avLst/>
+          </a:prstGeom>
+          <a:noFill/>
+        </p:spPr>
+        <p:txBody>
+          <a:bodyPr wrap="none" rtlCol="0">
+            <a:spAutoFit/>
+          </a:bodyPr>
+          <a:lstStyle/>
+          <a:p>
+            <a:r>
+              <a:rPr lang="en-US" dirty="0"/>
+              <a:t>Before mapping based on left/right </a:t>
+            </a:r>
+            <a:r>
+              <a:rPr lang="en-US" dirty="0" err="1"/>
+              <a:t>coords</a:t>
+            </a:r>
+            <a:endParaRPr lang="LID4096" dirty="0"/>
+          </a:p>
+        </p:txBody>
+      </p:sp>
     </p:spTree>
     <p:extLst>
       <p:ext uri="{BB962C8B-B14F-4D97-AF65-F5344CB8AC3E}">
@@ -5562,7 +11130,7 @@
 </p:sld>
 </file>
 
-<file path=ppt/slides/slide6.xml><?xml version="1.0" encoding="utf-8"?>
+<file path=ppt/slides/slide7.xml><?xml version="1.0" encoding="utf-8"?>
 <p:sld xmlns:a="http://schemas.openxmlformats.org/drawingml/2006/main" xmlns:r="http://schemas.openxmlformats.org/officeDocument/2006/relationships" xmlns:p="http://schemas.openxmlformats.org/presentationml/2006/main">
   <p:cSld>
     <p:spTree>
@@ -5729,7 +11297,7 @@
 </p:sld>
 </file>
 
-<file path=ppt/slides/slide7.xml><?xml version="1.0" encoding="utf-8"?>
+<file path=ppt/slides/slide8.xml><?xml version="1.0" encoding="utf-8"?>
 <p:sld xmlns:a="http://schemas.openxmlformats.org/drawingml/2006/main" xmlns:r="http://schemas.openxmlformats.org/officeDocument/2006/relationships" xmlns:p="http://schemas.openxmlformats.org/presentationml/2006/main">
   <p:cSld>
     <p:spTree>
@@ -5981,7 +11549,7 @@
 </p:sld>
 </file>
 
-<file path=ppt/slides/slide8.xml><?xml version="1.0" encoding="utf-8"?>
+<file path=ppt/slides/slide9.xml><?xml version="1.0" encoding="utf-8"?>
 <p:sld xmlns:a="http://schemas.openxmlformats.org/drawingml/2006/main" xmlns:r="http://schemas.openxmlformats.org/officeDocument/2006/relationships" xmlns:p="http://schemas.openxmlformats.org/presentationml/2006/main">
   <p:cSld>
     <p:spTree>
